--- a/PPTs/08.ShadowMapping.pptx
+++ b/PPTs/08.ShadowMapping.pptx
@@ -31,15 +31,15 @@
     <p:sldId id="359" r:id="rId22"/>
     <p:sldId id="360" r:id="rId23"/>
     <p:sldId id="346" r:id="rId24"/>
-    <p:sldId id="363" r:id="rId25"/>
-    <p:sldId id="364" r:id="rId26"/>
-    <p:sldId id="365" r:id="rId27"/>
-    <p:sldId id="370" r:id="rId28"/>
-    <p:sldId id="371" r:id="rId29"/>
-    <p:sldId id="366" r:id="rId30"/>
-    <p:sldId id="372" r:id="rId31"/>
-    <p:sldId id="373" r:id="rId32"/>
-    <p:sldId id="333" r:id="rId33"/>
+    <p:sldId id="365" r:id="rId25"/>
+    <p:sldId id="370" r:id="rId26"/>
+    <p:sldId id="371" r:id="rId27"/>
+    <p:sldId id="366" r:id="rId28"/>
+    <p:sldId id="372" r:id="rId29"/>
+    <p:sldId id="373" r:id="rId30"/>
+    <p:sldId id="333" r:id="rId31"/>
+    <p:sldId id="363" r:id="rId32"/>
+    <p:sldId id="364" r:id="rId33"/>
   </p:sldIdLst>
   <p:sldSz cx="24384000" cy="13716000"/>
   <p:notesSz cx="6858000" cy="9144000"/>
@@ -260,7 +260,7 @@
           <a:p>
             <a:fld id="{0C0E42BC-8A47-448F-A68A-F4ACF20E9984}" type="datetimeFigureOut">
               <a:rPr lang="en-US" smtClean="0"/>
-              <a:t>1/11/2022</a:t>
+              <a:t>1/12/2022</a:t>
             </a:fld>
             <a:endParaRPr lang="zh-CN"/>
           </a:p>
@@ -1967,19 +1967,70 @@
           <a:bodyPr/>
           <a:lstStyle/>
           <a:p>
+            <a:pPr marL="0" marR="0" lvl="0" indent="0" algn="r" defTabSz="1828800" rtl="0" eaLnBrk="1" fontAlgn="auto" latinLnBrk="0" hangingPunct="1">
+              <a:lnSpc>
+                <a:spcPct val="100000"/>
+              </a:lnSpc>
+              <a:spcBef>
+                <a:spcPts val="0"/>
+              </a:spcBef>
+              <a:spcAft>
+                <a:spcPts val="0"/>
+              </a:spcAft>
+              <a:buClrTx/>
+              <a:buSzTx/>
+              <a:buFontTx/>
+              <a:buNone/>
+              <a:tabLst/>
+              <a:defRPr/>
+            </a:pPr>
             <a:fld id="{E9F17BB9-9CDD-491A-BF82-5D6AFE00870E}" type="slidenum">
-              <a:rPr lang="en-US" smtClean="0">
+              <a:rPr kumimoji="0" lang="en-US" sz="1200" b="0" i="0" u="none" strike="noStrike" kern="1200" cap="none" spc="0" normalizeH="0" baseline="0" noProof="0" smtClean="0">
+                <a:ln>
+                  <a:noFill/>
+                </a:ln>
                 <a:solidFill>
                   <a:prstClr val="black"/>
                 </a:solidFill>
-              </a:rPr>
-              <a:pPr/>
+                <a:effectLst/>
+                <a:uLnTx/>
+                <a:uFillTx/>
+                <a:latin typeface="Calibri"/>
+                <a:ea typeface="+mn-ea"/>
+                <a:cs typeface="+mn-cs"/>
+              </a:rPr>
+              <a:pPr marL="0" marR="0" lvl="0" indent="0" algn="r" defTabSz="1828800" rtl="0" eaLnBrk="1" fontAlgn="auto" latinLnBrk="0" hangingPunct="1">
+                <a:lnSpc>
+                  <a:spcPct val="100000"/>
+                </a:lnSpc>
+                <a:spcBef>
+                  <a:spcPts val="0"/>
+                </a:spcBef>
+                <a:spcAft>
+                  <a:spcPts val="0"/>
+                </a:spcAft>
+                <a:buClrTx/>
+                <a:buSzTx/>
+                <a:buFontTx/>
+                <a:buNone/>
+                <a:tabLst/>
+                <a:defRPr/>
+              </a:pPr>
               <a:t>22</a:t>
             </a:fld>
-            <a:endParaRPr lang="zh-CN" altLang="en-US">
+            <a:endParaRPr kumimoji="0" lang="zh-CN" altLang="en-US" sz="1200" b="0" i="0" u="none" strike="noStrike" kern="1200" cap="none" spc="0" normalizeH="0" baseline="0" noProof="0">
+              <a:ln>
+                <a:noFill/>
+              </a:ln>
               <a:solidFill>
                 <a:prstClr val="black"/>
               </a:solidFill>
+              <a:effectLst/>
+              <a:uLnTx/>
+              <a:uFillTx/>
+              <a:latin typeface="Calibri"/>
+              <a:ea typeface="等线" panose="02010600030101010101" pitchFamily="2" charset="-122"/>
+              <a:cs typeface="+mn-cs"/>
             </a:endParaRPr>
           </a:p>
         </p:txBody>
@@ -1987,7 +2038,7 @@
     </p:spTree>
     <p:extLst>
       <p:ext uri="{BB962C8B-B14F-4D97-AF65-F5344CB8AC3E}">
-        <p14:creationId xmlns:p14="http://schemas.microsoft.com/office/powerpoint/2010/main" val="2581737420"/>
+        <p14:creationId xmlns:p14="http://schemas.microsoft.com/office/powerpoint/2010/main" val="1119081848"/>
       </p:ext>
     </p:extLst>
   </p:cSld>
@@ -1998,6 +2049,294 @@
 </file>
 
 <file path=ppt/notesSlides/notesSlide23.xml><?xml version="1.0" encoding="utf-8"?>
+<p:notes xmlns:a="http://schemas.openxmlformats.org/drawingml/2006/main" xmlns:r="http://schemas.openxmlformats.org/officeDocument/2006/relationships" xmlns:p="http://schemas.openxmlformats.org/presentationml/2006/main">
+  <p:cSld>
+    <p:spTree>
+      <p:nvGrpSpPr>
+        <p:cNvPr id="1" name=""/>
+        <p:cNvGrpSpPr/>
+        <p:nvPr/>
+      </p:nvGrpSpPr>
+      <p:grpSpPr>
+        <a:xfrm>
+          <a:off x="0" y="0"/>
+          <a:ext cx="0" cy="0"/>
+          <a:chOff x="0" y="0"/>
+          <a:chExt cx="0" cy="0"/>
+        </a:xfrm>
+      </p:grpSpPr>
+      <p:sp>
+        <p:nvSpPr>
+          <p:cNvPr id="2" name="Slide Image Placeholder 1"/>
+          <p:cNvSpPr>
+            <a:spLocks noGrp="1" noRot="1" noChangeAspect="1"/>
+          </p:cNvSpPr>
+          <p:nvPr>
+            <p:ph type="sldImg"/>
+          </p:nvPr>
+        </p:nvSpPr>
+        <p:spPr/>
+      </p:sp>
+      <p:sp>
+        <p:nvSpPr>
+          <p:cNvPr id="3" name="Notes Placeholder 2"/>
+          <p:cNvSpPr>
+            <a:spLocks noGrp="1"/>
+          </p:cNvSpPr>
+          <p:nvPr>
+            <p:ph type="body" idx="1"/>
+          </p:nvPr>
+        </p:nvSpPr>
+        <p:spPr/>
+        <p:txBody>
+          <a:bodyPr/>
+          <a:lstStyle/>
+          <a:p>
+            <a:endParaRPr lang="en-US" dirty="0"/>
+          </a:p>
+        </p:txBody>
+      </p:sp>
+      <p:sp>
+        <p:nvSpPr>
+          <p:cNvPr id="4" name="Slide Number Placeholder 3"/>
+          <p:cNvSpPr>
+            <a:spLocks noGrp="1"/>
+          </p:cNvSpPr>
+          <p:nvPr>
+            <p:ph type="sldNum" sz="quarter" idx="10"/>
+          </p:nvPr>
+        </p:nvSpPr>
+        <p:spPr/>
+        <p:txBody>
+          <a:bodyPr/>
+          <a:lstStyle/>
+          <a:p>
+            <a:pPr marL="0" marR="0" lvl="0" indent="0" algn="r" defTabSz="1828800" rtl="0" eaLnBrk="1" fontAlgn="auto" latinLnBrk="0" hangingPunct="1">
+              <a:lnSpc>
+                <a:spcPct val="100000"/>
+              </a:lnSpc>
+              <a:spcBef>
+                <a:spcPts val="0"/>
+              </a:spcBef>
+              <a:spcAft>
+                <a:spcPts val="0"/>
+              </a:spcAft>
+              <a:buClrTx/>
+              <a:buSzTx/>
+              <a:buFontTx/>
+              <a:buNone/>
+              <a:tabLst/>
+              <a:defRPr/>
+            </a:pPr>
+            <a:fld id="{E9F17BB9-9CDD-491A-BF82-5D6AFE00870E}" type="slidenum">
+              <a:rPr kumimoji="0" lang="en-US" sz="1200" b="0" i="0" u="none" strike="noStrike" kern="1200" cap="none" spc="0" normalizeH="0" baseline="0" noProof="0" smtClean="0">
+                <a:ln>
+                  <a:noFill/>
+                </a:ln>
+                <a:solidFill>
+                  <a:prstClr val="black"/>
+                </a:solidFill>
+                <a:effectLst/>
+                <a:uLnTx/>
+                <a:uFillTx/>
+                <a:latin typeface="Calibri"/>
+                <a:ea typeface="+mn-ea"/>
+                <a:cs typeface="+mn-cs"/>
+              </a:rPr>
+              <a:pPr marL="0" marR="0" lvl="0" indent="0" algn="r" defTabSz="1828800" rtl="0" eaLnBrk="1" fontAlgn="auto" latinLnBrk="0" hangingPunct="1">
+                <a:lnSpc>
+                  <a:spcPct val="100000"/>
+                </a:lnSpc>
+                <a:spcBef>
+                  <a:spcPts val="0"/>
+                </a:spcBef>
+                <a:spcAft>
+                  <a:spcPts val="0"/>
+                </a:spcAft>
+                <a:buClrTx/>
+                <a:buSzTx/>
+                <a:buFontTx/>
+                <a:buNone/>
+                <a:tabLst/>
+                <a:defRPr/>
+              </a:pPr>
+              <a:t>23</a:t>
+            </a:fld>
+            <a:endParaRPr kumimoji="0" lang="zh-CN" altLang="en-US" sz="1200" b="0" i="0" u="none" strike="noStrike" kern="1200" cap="none" spc="0" normalizeH="0" baseline="0" noProof="0">
+              <a:ln>
+                <a:noFill/>
+              </a:ln>
+              <a:solidFill>
+                <a:prstClr val="black"/>
+              </a:solidFill>
+              <a:effectLst/>
+              <a:uLnTx/>
+              <a:uFillTx/>
+              <a:latin typeface="Calibri"/>
+              <a:ea typeface="等线" panose="02010600030101010101" pitchFamily="2" charset="-122"/>
+              <a:cs typeface="+mn-cs"/>
+            </a:endParaRPr>
+          </a:p>
+        </p:txBody>
+      </p:sp>
+    </p:spTree>
+    <p:extLst>
+      <p:ext uri="{BB962C8B-B14F-4D97-AF65-F5344CB8AC3E}">
+        <p14:creationId xmlns:p14="http://schemas.microsoft.com/office/powerpoint/2010/main" val="1545806622"/>
+      </p:ext>
+    </p:extLst>
+  </p:cSld>
+  <p:clrMapOvr>
+    <a:masterClrMapping/>
+  </p:clrMapOvr>
+</p:notes>
+</file>
+
+<file path=ppt/notesSlides/notesSlide24.xml><?xml version="1.0" encoding="utf-8"?>
+<p:notes xmlns:a="http://schemas.openxmlformats.org/drawingml/2006/main" xmlns:r="http://schemas.openxmlformats.org/officeDocument/2006/relationships" xmlns:p="http://schemas.openxmlformats.org/presentationml/2006/main">
+  <p:cSld>
+    <p:spTree>
+      <p:nvGrpSpPr>
+        <p:cNvPr id="1" name=""/>
+        <p:cNvGrpSpPr/>
+        <p:nvPr/>
+      </p:nvGrpSpPr>
+      <p:grpSpPr>
+        <a:xfrm>
+          <a:off x="0" y="0"/>
+          <a:ext cx="0" cy="0"/>
+          <a:chOff x="0" y="0"/>
+          <a:chExt cx="0" cy="0"/>
+        </a:xfrm>
+      </p:grpSpPr>
+      <p:sp>
+        <p:nvSpPr>
+          <p:cNvPr id="2" name="Slide Image Placeholder 1"/>
+          <p:cNvSpPr>
+            <a:spLocks noGrp="1" noRot="1" noChangeAspect="1"/>
+          </p:cNvSpPr>
+          <p:nvPr>
+            <p:ph type="sldImg"/>
+          </p:nvPr>
+        </p:nvSpPr>
+        <p:spPr/>
+      </p:sp>
+      <p:sp>
+        <p:nvSpPr>
+          <p:cNvPr id="3" name="Notes Placeholder 2"/>
+          <p:cNvSpPr>
+            <a:spLocks noGrp="1"/>
+          </p:cNvSpPr>
+          <p:nvPr>
+            <p:ph type="body" idx="1"/>
+          </p:nvPr>
+        </p:nvSpPr>
+        <p:spPr/>
+        <p:txBody>
+          <a:bodyPr/>
+          <a:lstStyle/>
+          <a:p>
+            <a:endParaRPr lang="en-US" dirty="0"/>
+          </a:p>
+        </p:txBody>
+      </p:sp>
+      <p:sp>
+        <p:nvSpPr>
+          <p:cNvPr id="4" name="Slide Number Placeholder 3"/>
+          <p:cNvSpPr>
+            <a:spLocks noGrp="1"/>
+          </p:cNvSpPr>
+          <p:nvPr>
+            <p:ph type="sldNum" sz="quarter" idx="10"/>
+          </p:nvPr>
+        </p:nvSpPr>
+        <p:spPr/>
+        <p:txBody>
+          <a:bodyPr/>
+          <a:lstStyle/>
+          <a:p>
+            <a:pPr marL="0" marR="0" lvl="0" indent="0" algn="r" defTabSz="1828800" rtl="0" eaLnBrk="1" fontAlgn="auto" latinLnBrk="0" hangingPunct="1">
+              <a:lnSpc>
+                <a:spcPct val="100000"/>
+              </a:lnSpc>
+              <a:spcBef>
+                <a:spcPts val="0"/>
+              </a:spcBef>
+              <a:spcAft>
+                <a:spcPts val="0"/>
+              </a:spcAft>
+              <a:buClrTx/>
+              <a:buSzTx/>
+              <a:buFontTx/>
+              <a:buNone/>
+              <a:tabLst/>
+              <a:defRPr/>
+            </a:pPr>
+            <a:fld id="{E9F17BB9-9CDD-491A-BF82-5D6AFE00870E}" type="slidenum">
+              <a:rPr kumimoji="0" lang="en-US" sz="1200" b="0" i="0" u="none" strike="noStrike" kern="1200" cap="none" spc="0" normalizeH="0" baseline="0" noProof="0" smtClean="0">
+                <a:ln>
+                  <a:noFill/>
+                </a:ln>
+                <a:solidFill>
+                  <a:prstClr val="black"/>
+                </a:solidFill>
+                <a:effectLst/>
+                <a:uLnTx/>
+                <a:uFillTx/>
+                <a:latin typeface="Calibri"/>
+                <a:ea typeface="+mn-ea"/>
+                <a:cs typeface="+mn-cs"/>
+              </a:rPr>
+              <a:pPr marL="0" marR="0" lvl="0" indent="0" algn="r" defTabSz="1828800" rtl="0" eaLnBrk="1" fontAlgn="auto" latinLnBrk="0" hangingPunct="1">
+                <a:lnSpc>
+                  <a:spcPct val="100000"/>
+                </a:lnSpc>
+                <a:spcBef>
+                  <a:spcPts val="0"/>
+                </a:spcBef>
+                <a:spcAft>
+                  <a:spcPts val="0"/>
+                </a:spcAft>
+                <a:buClrTx/>
+                <a:buSzTx/>
+                <a:buFontTx/>
+                <a:buNone/>
+                <a:tabLst/>
+                <a:defRPr/>
+              </a:pPr>
+              <a:t>24</a:t>
+            </a:fld>
+            <a:endParaRPr kumimoji="0" lang="zh-CN" altLang="en-US" sz="1200" b="0" i="0" u="none" strike="noStrike" kern="1200" cap="none" spc="0" normalizeH="0" baseline="0" noProof="0">
+              <a:ln>
+                <a:noFill/>
+              </a:ln>
+              <a:solidFill>
+                <a:prstClr val="black"/>
+              </a:solidFill>
+              <a:effectLst/>
+              <a:uLnTx/>
+              <a:uFillTx/>
+              <a:latin typeface="Calibri"/>
+              <a:ea typeface="等线" panose="02010600030101010101" pitchFamily="2" charset="-122"/>
+              <a:cs typeface="+mn-cs"/>
+            </a:endParaRPr>
+          </a:p>
+        </p:txBody>
+      </p:sp>
+    </p:spTree>
+    <p:extLst>
+      <p:ext uri="{BB962C8B-B14F-4D97-AF65-F5344CB8AC3E}">
+        <p14:creationId xmlns:p14="http://schemas.microsoft.com/office/powerpoint/2010/main" val="1033122500"/>
+      </p:ext>
+    </p:extLst>
+  </p:cSld>
+  <p:clrMapOvr>
+    <a:masterClrMapping/>
+  </p:clrMapOvr>
+</p:notes>
+</file>
+
+<file path=ppt/notesSlides/notesSlide25.xml><?xml version="1.0" encoding="utf-8"?>
 <p:notes xmlns:a="http://schemas.openxmlformats.org/drawingml/2006/main" xmlns:r="http://schemas.openxmlformats.org/officeDocument/2006/relationships" xmlns:p="http://schemas.openxmlformats.org/presentationml/2006/main">
   <p:cSld>
     <p:spTree>
@@ -2109,7 +2448,7 @@
                 <a:tabLst/>
                 <a:defRPr/>
               </a:pPr>
-              <a:t>23</a:t>
+              <a:t>25</a:t>
             </a:fld>
             <a:endParaRPr kumimoji="0" lang="zh-CN" altLang="en-US" sz="1200" b="0" i="0" u="none" strike="noStrike" kern="1200" cap="none" spc="0" normalizeH="0" baseline="0" noProof="0">
               <a:ln>
@@ -2131,7 +2470,7 @@
     </p:spTree>
     <p:extLst>
       <p:ext uri="{BB962C8B-B14F-4D97-AF65-F5344CB8AC3E}">
-        <p14:creationId xmlns:p14="http://schemas.microsoft.com/office/powerpoint/2010/main" val="45042269"/>
+        <p14:creationId xmlns:p14="http://schemas.microsoft.com/office/powerpoint/2010/main" val="3152810466"/>
       </p:ext>
     </p:extLst>
   </p:cSld>
@@ -2141,7 +2480,7 @@
 </p:notes>
 </file>
 
-<file path=ppt/notesSlides/notesSlide24.xml><?xml version="1.0" encoding="utf-8"?>
+<file path=ppt/notesSlides/notesSlide26.xml><?xml version="1.0" encoding="utf-8"?>
 <p:notes xmlns:a="http://schemas.openxmlformats.org/drawingml/2006/main" xmlns:r="http://schemas.openxmlformats.org/officeDocument/2006/relationships" xmlns:p="http://schemas.openxmlformats.org/presentationml/2006/main">
   <p:cSld>
     <p:spTree>
@@ -2253,294 +2592,6 @@
                 <a:tabLst/>
                 <a:defRPr/>
               </a:pPr>
-              <a:t>24</a:t>
-            </a:fld>
-            <a:endParaRPr kumimoji="0" lang="zh-CN" altLang="en-US" sz="1200" b="0" i="0" u="none" strike="noStrike" kern="1200" cap="none" spc="0" normalizeH="0" baseline="0" noProof="0">
-              <a:ln>
-                <a:noFill/>
-              </a:ln>
-              <a:solidFill>
-                <a:prstClr val="black"/>
-              </a:solidFill>
-              <a:effectLst/>
-              <a:uLnTx/>
-              <a:uFillTx/>
-              <a:latin typeface="Calibri"/>
-              <a:ea typeface="等线" panose="02010600030101010101" pitchFamily="2" charset="-122"/>
-              <a:cs typeface="+mn-cs"/>
-            </a:endParaRPr>
-          </a:p>
-        </p:txBody>
-      </p:sp>
-    </p:spTree>
-    <p:extLst>
-      <p:ext uri="{BB962C8B-B14F-4D97-AF65-F5344CB8AC3E}">
-        <p14:creationId xmlns:p14="http://schemas.microsoft.com/office/powerpoint/2010/main" val="1119081848"/>
-      </p:ext>
-    </p:extLst>
-  </p:cSld>
-  <p:clrMapOvr>
-    <a:masterClrMapping/>
-  </p:clrMapOvr>
-</p:notes>
-</file>
-
-<file path=ppt/notesSlides/notesSlide25.xml><?xml version="1.0" encoding="utf-8"?>
-<p:notes xmlns:a="http://schemas.openxmlformats.org/drawingml/2006/main" xmlns:r="http://schemas.openxmlformats.org/officeDocument/2006/relationships" xmlns:p="http://schemas.openxmlformats.org/presentationml/2006/main">
-  <p:cSld>
-    <p:spTree>
-      <p:nvGrpSpPr>
-        <p:cNvPr id="1" name=""/>
-        <p:cNvGrpSpPr/>
-        <p:nvPr/>
-      </p:nvGrpSpPr>
-      <p:grpSpPr>
-        <a:xfrm>
-          <a:off x="0" y="0"/>
-          <a:ext cx="0" cy="0"/>
-          <a:chOff x="0" y="0"/>
-          <a:chExt cx="0" cy="0"/>
-        </a:xfrm>
-      </p:grpSpPr>
-      <p:sp>
-        <p:nvSpPr>
-          <p:cNvPr id="2" name="Slide Image Placeholder 1"/>
-          <p:cNvSpPr>
-            <a:spLocks noGrp="1" noRot="1" noChangeAspect="1"/>
-          </p:cNvSpPr>
-          <p:nvPr>
-            <p:ph type="sldImg"/>
-          </p:nvPr>
-        </p:nvSpPr>
-        <p:spPr/>
-      </p:sp>
-      <p:sp>
-        <p:nvSpPr>
-          <p:cNvPr id="3" name="Notes Placeholder 2"/>
-          <p:cNvSpPr>
-            <a:spLocks noGrp="1"/>
-          </p:cNvSpPr>
-          <p:nvPr>
-            <p:ph type="body" idx="1"/>
-          </p:nvPr>
-        </p:nvSpPr>
-        <p:spPr/>
-        <p:txBody>
-          <a:bodyPr/>
-          <a:lstStyle/>
-          <a:p>
-            <a:endParaRPr lang="en-US" dirty="0"/>
-          </a:p>
-        </p:txBody>
-      </p:sp>
-      <p:sp>
-        <p:nvSpPr>
-          <p:cNvPr id="4" name="Slide Number Placeholder 3"/>
-          <p:cNvSpPr>
-            <a:spLocks noGrp="1"/>
-          </p:cNvSpPr>
-          <p:nvPr>
-            <p:ph type="sldNum" sz="quarter" idx="10"/>
-          </p:nvPr>
-        </p:nvSpPr>
-        <p:spPr/>
-        <p:txBody>
-          <a:bodyPr/>
-          <a:lstStyle/>
-          <a:p>
-            <a:pPr marL="0" marR="0" lvl="0" indent="0" algn="r" defTabSz="1828800" rtl="0" eaLnBrk="1" fontAlgn="auto" latinLnBrk="0" hangingPunct="1">
-              <a:lnSpc>
-                <a:spcPct val="100000"/>
-              </a:lnSpc>
-              <a:spcBef>
-                <a:spcPts val="0"/>
-              </a:spcBef>
-              <a:spcAft>
-                <a:spcPts val="0"/>
-              </a:spcAft>
-              <a:buClrTx/>
-              <a:buSzTx/>
-              <a:buFontTx/>
-              <a:buNone/>
-              <a:tabLst/>
-              <a:defRPr/>
-            </a:pPr>
-            <a:fld id="{E9F17BB9-9CDD-491A-BF82-5D6AFE00870E}" type="slidenum">
-              <a:rPr kumimoji="0" lang="en-US" sz="1200" b="0" i="0" u="none" strike="noStrike" kern="1200" cap="none" spc="0" normalizeH="0" baseline="0" noProof="0" smtClean="0">
-                <a:ln>
-                  <a:noFill/>
-                </a:ln>
-                <a:solidFill>
-                  <a:prstClr val="black"/>
-                </a:solidFill>
-                <a:effectLst/>
-                <a:uLnTx/>
-                <a:uFillTx/>
-                <a:latin typeface="Calibri"/>
-                <a:ea typeface="+mn-ea"/>
-                <a:cs typeface="+mn-cs"/>
-              </a:rPr>
-              <a:pPr marL="0" marR="0" lvl="0" indent="0" algn="r" defTabSz="1828800" rtl="0" eaLnBrk="1" fontAlgn="auto" latinLnBrk="0" hangingPunct="1">
-                <a:lnSpc>
-                  <a:spcPct val="100000"/>
-                </a:lnSpc>
-                <a:spcBef>
-                  <a:spcPts val="0"/>
-                </a:spcBef>
-                <a:spcAft>
-                  <a:spcPts val="0"/>
-                </a:spcAft>
-                <a:buClrTx/>
-                <a:buSzTx/>
-                <a:buFontTx/>
-                <a:buNone/>
-                <a:tabLst/>
-                <a:defRPr/>
-              </a:pPr>
-              <a:t>25</a:t>
-            </a:fld>
-            <a:endParaRPr kumimoji="0" lang="zh-CN" altLang="en-US" sz="1200" b="0" i="0" u="none" strike="noStrike" kern="1200" cap="none" spc="0" normalizeH="0" baseline="0" noProof="0">
-              <a:ln>
-                <a:noFill/>
-              </a:ln>
-              <a:solidFill>
-                <a:prstClr val="black"/>
-              </a:solidFill>
-              <a:effectLst/>
-              <a:uLnTx/>
-              <a:uFillTx/>
-              <a:latin typeface="Calibri"/>
-              <a:ea typeface="等线" panose="02010600030101010101" pitchFamily="2" charset="-122"/>
-              <a:cs typeface="+mn-cs"/>
-            </a:endParaRPr>
-          </a:p>
-        </p:txBody>
-      </p:sp>
-    </p:spTree>
-    <p:extLst>
-      <p:ext uri="{BB962C8B-B14F-4D97-AF65-F5344CB8AC3E}">
-        <p14:creationId xmlns:p14="http://schemas.microsoft.com/office/powerpoint/2010/main" val="1545806622"/>
-      </p:ext>
-    </p:extLst>
-  </p:cSld>
-  <p:clrMapOvr>
-    <a:masterClrMapping/>
-  </p:clrMapOvr>
-</p:notes>
-</file>
-
-<file path=ppt/notesSlides/notesSlide26.xml><?xml version="1.0" encoding="utf-8"?>
-<p:notes xmlns:a="http://schemas.openxmlformats.org/drawingml/2006/main" xmlns:r="http://schemas.openxmlformats.org/officeDocument/2006/relationships" xmlns:p="http://schemas.openxmlformats.org/presentationml/2006/main">
-  <p:cSld>
-    <p:spTree>
-      <p:nvGrpSpPr>
-        <p:cNvPr id="1" name=""/>
-        <p:cNvGrpSpPr/>
-        <p:nvPr/>
-      </p:nvGrpSpPr>
-      <p:grpSpPr>
-        <a:xfrm>
-          <a:off x="0" y="0"/>
-          <a:ext cx="0" cy="0"/>
-          <a:chOff x="0" y="0"/>
-          <a:chExt cx="0" cy="0"/>
-        </a:xfrm>
-      </p:grpSpPr>
-      <p:sp>
-        <p:nvSpPr>
-          <p:cNvPr id="2" name="Slide Image Placeholder 1"/>
-          <p:cNvSpPr>
-            <a:spLocks noGrp="1" noRot="1" noChangeAspect="1"/>
-          </p:cNvSpPr>
-          <p:nvPr>
-            <p:ph type="sldImg"/>
-          </p:nvPr>
-        </p:nvSpPr>
-        <p:spPr/>
-      </p:sp>
-      <p:sp>
-        <p:nvSpPr>
-          <p:cNvPr id="3" name="Notes Placeholder 2"/>
-          <p:cNvSpPr>
-            <a:spLocks noGrp="1"/>
-          </p:cNvSpPr>
-          <p:nvPr>
-            <p:ph type="body" idx="1"/>
-          </p:nvPr>
-        </p:nvSpPr>
-        <p:spPr/>
-        <p:txBody>
-          <a:bodyPr/>
-          <a:lstStyle/>
-          <a:p>
-            <a:endParaRPr lang="en-US" dirty="0"/>
-          </a:p>
-        </p:txBody>
-      </p:sp>
-      <p:sp>
-        <p:nvSpPr>
-          <p:cNvPr id="4" name="Slide Number Placeholder 3"/>
-          <p:cNvSpPr>
-            <a:spLocks noGrp="1"/>
-          </p:cNvSpPr>
-          <p:nvPr>
-            <p:ph type="sldNum" sz="quarter" idx="10"/>
-          </p:nvPr>
-        </p:nvSpPr>
-        <p:spPr/>
-        <p:txBody>
-          <a:bodyPr/>
-          <a:lstStyle/>
-          <a:p>
-            <a:pPr marL="0" marR="0" lvl="0" indent="0" algn="r" defTabSz="1828800" rtl="0" eaLnBrk="1" fontAlgn="auto" latinLnBrk="0" hangingPunct="1">
-              <a:lnSpc>
-                <a:spcPct val="100000"/>
-              </a:lnSpc>
-              <a:spcBef>
-                <a:spcPts val="0"/>
-              </a:spcBef>
-              <a:spcAft>
-                <a:spcPts val="0"/>
-              </a:spcAft>
-              <a:buClrTx/>
-              <a:buSzTx/>
-              <a:buFontTx/>
-              <a:buNone/>
-              <a:tabLst/>
-              <a:defRPr/>
-            </a:pPr>
-            <a:fld id="{E9F17BB9-9CDD-491A-BF82-5D6AFE00870E}" type="slidenum">
-              <a:rPr kumimoji="0" lang="en-US" sz="1200" b="0" i="0" u="none" strike="noStrike" kern="1200" cap="none" spc="0" normalizeH="0" baseline="0" noProof="0" smtClean="0">
-                <a:ln>
-                  <a:noFill/>
-                </a:ln>
-                <a:solidFill>
-                  <a:prstClr val="black"/>
-                </a:solidFill>
-                <a:effectLst/>
-                <a:uLnTx/>
-                <a:uFillTx/>
-                <a:latin typeface="Calibri"/>
-                <a:ea typeface="+mn-ea"/>
-                <a:cs typeface="+mn-cs"/>
-              </a:rPr>
-              <a:pPr marL="0" marR="0" lvl="0" indent="0" algn="r" defTabSz="1828800" rtl="0" eaLnBrk="1" fontAlgn="auto" latinLnBrk="0" hangingPunct="1">
-                <a:lnSpc>
-                  <a:spcPct val="100000"/>
-                </a:lnSpc>
-                <a:spcBef>
-                  <a:spcPts val="0"/>
-                </a:spcBef>
-                <a:spcAft>
-                  <a:spcPts val="0"/>
-                </a:spcAft>
-                <a:buClrTx/>
-                <a:buSzTx/>
-                <a:buFontTx/>
-                <a:buNone/>
-                <a:tabLst/>
-                <a:defRPr/>
-              </a:pPr>
               <a:t>26</a:t>
             </a:fld>
             <a:endParaRPr kumimoji="0" lang="zh-CN" altLang="en-US" sz="1200" b="0" i="0" u="none" strike="noStrike" kern="1200" cap="none" spc="0" normalizeH="0" baseline="0" noProof="0">
@@ -2563,7 +2614,7 @@
     </p:spTree>
     <p:extLst>
       <p:ext uri="{BB962C8B-B14F-4D97-AF65-F5344CB8AC3E}">
-        <p14:creationId xmlns:p14="http://schemas.microsoft.com/office/powerpoint/2010/main" val="1033122500"/>
+        <p14:creationId xmlns:p14="http://schemas.microsoft.com/office/powerpoint/2010/main" val="177900587"/>
       </p:ext>
     </p:extLst>
   </p:cSld>
@@ -2707,7 +2758,7 @@
     </p:spTree>
     <p:extLst>
       <p:ext uri="{BB962C8B-B14F-4D97-AF65-F5344CB8AC3E}">
-        <p14:creationId xmlns:p14="http://schemas.microsoft.com/office/powerpoint/2010/main" val="3152810466"/>
+        <p14:creationId xmlns:p14="http://schemas.microsoft.com/office/powerpoint/2010/main" val="2943486231"/>
       </p:ext>
     </p:extLst>
   </p:cSld>
@@ -2736,7 +2787,7 @@
       </p:grpSpPr>
       <p:sp>
         <p:nvSpPr>
-          <p:cNvPr id="2" name="幻灯片图像占位符 1"/>
+          <p:cNvPr id="2" name="Slide Image Placeholder 1"/>
           <p:cNvSpPr>
             <a:spLocks noGrp="1" noRot="1" noChangeAspect="1"/>
           </p:cNvSpPr>
@@ -2748,7 +2799,7 @@
       </p:sp>
       <p:sp>
         <p:nvSpPr>
-          <p:cNvPr id="3" name="备注占位符 2"/>
+          <p:cNvPr id="3" name="Notes Placeholder 2"/>
           <p:cNvSpPr>
             <a:spLocks noGrp="1"/>
           </p:cNvSpPr>
@@ -2761,13 +2812,13 @@
           <a:bodyPr/>
           <a:lstStyle/>
           <a:p>
-            <a:endParaRPr lang="zh-CN" altLang="en-US" dirty="0"/>
+            <a:endParaRPr lang="en-US" dirty="0"/>
           </a:p>
         </p:txBody>
       </p:sp>
       <p:sp>
         <p:nvSpPr>
-          <p:cNvPr id="4" name="灯片编号占位符 3"/>
+          <p:cNvPr id="4" name="Slide Number Placeholder 3"/>
           <p:cNvSpPr>
             <a:spLocks noGrp="1"/>
           </p:cNvSpPr>
@@ -2780,78 +2831,18 @@
           <a:bodyPr/>
           <a:lstStyle/>
           <a:p>
-            <a:pPr marL="0" marR="0" lvl="0" indent="0" algn="r" defTabSz="1828800" rtl="0" eaLnBrk="1" fontAlgn="auto" latinLnBrk="0" hangingPunct="1">
-              <a:lnSpc>
-                <a:spcPct val="100000"/>
-              </a:lnSpc>
-              <a:spcBef>
-                <a:spcPts val="0"/>
-              </a:spcBef>
-              <a:spcAft>
-                <a:spcPts val="0"/>
-              </a:spcAft>
-              <a:buClrTx/>
-              <a:buSzTx/>
-              <a:buFontTx/>
-              <a:buNone/>
-              <a:tabLst/>
-              <a:defRPr/>
-            </a:pPr>
             <a:fld id="{E9F17BB9-9CDD-491A-BF82-5D6AFE00870E}" type="slidenum">
-              <a:rPr kumimoji="0" lang="en-US" sz="1200" b="0" i="0" u="none" strike="noStrike" kern="1200" cap="none" spc="0" normalizeH="0" baseline="0" noProof="0" smtClean="0">
-                <a:ln>
-                  <a:noFill/>
-                </a:ln>
-                <a:solidFill>
-                  <a:prstClr val="black"/>
-                </a:solidFill>
-                <a:effectLst/>
-                <a:uLnTx/>
-                <a:uFillTx/>
-                <a:latin typeface="Calibri"/>
-                <a:ea typeface="+mn-ea"/>
-                <a:cs typeface="+mn-cs"/>
-              </a:rPr>
-              <a:pPr marL="0" marR="0" lvl="0" indent="0" algn="r" defTabSz="1828800" rtl="0" eaLnBrk="1" fontAlgn="auto" latinLnBrk="0" hangingPunct="1">
-                <a:lnSpc>
-                  <a:spcPct val="100000"/>
-                </a:lnSpc>
-                <a:spcBef>
-                  <a:spcPts val="0"/>
-                </a:spcBef>
-                <a:spcAft>
-                  <a:spcPts val="0"/>
-                </a:spcAft>
-                <a:buClrTx/>
-                <a:buSzTx/>
-                <a:buFontTx/>
-                <a:buNone/>
-                <a:tabLst/>
-                <a:defRPr/>
-              </a:pPr>
+              <a:rPr lang="en-US" smtClean="0"/>
               <a:t>28</a:t>
             </a:fld>
-            <a:endParaRPr kumimoji="0" lang="zh-CN" altLang="en-US" sz="1200" b="0" i="0" u="none" strike="noStrike" kern="1200" cap="none" spc="0" normalizeH="0" baseline="0" noProof="0">
-              <a:ln>
-                <a:noFill/>
-              </a:ln>
-              <a:solidFill>
-                <a:prstClr val="black"/>
-              </a:solidFill>
-              <a:effectLst/>
-              <a:uLnTx/>
-              <a:uFillTx/>
-              <a:latin typeface="Calibri"/>
-              <a:ea typeface="等线" panose="02010600030101010101" pitchFamily="2" charset="-122"/>
-              <a:cs typeface="+mn-cs"/>
-            </a:endParaRPr>
+            <a:endParaRPr lang="zh-CN"/>
           </a:p>
         </p:txBody>
       </p:sp>
     </p:spTree>
     <p:extLst>
       <p:ext uri="{BB962C8B-B14F-4D97-AF65-F5344CB8AC3E}">
-        <p14:creationId xmlns:p14="http://schemas.microsoft.com/office/powerpoint/2010/main" val="177900587"/>
+        <p14:creationId xmlns:p14="http://schemas.microsoft.com/office/powerpoint/2010/main" val="1066375545"/>
       </p:ext>
     </p:extLst>
   </p:cSld>
@@ -2924,70 +2915,19 @@
           <a:bodyPr/>
           <a:lstStyle/>
           <a:p>
-            <a:pPr marL="0" marR="0" lvl="0" indent="0" algn="r" defTabSz="1828800" rtl="0" eaLnBrk="1" fontAlgn="auto" latinLnBrk="0" hangingPunct="1">
-              <a:lnSpc>
-                <a:spcPct val="100000"/>
-              </a:lnSpc>
-              <a:spcBef>
-                <a:spcPts val="0"/>
-              </a:spcBef>
-              <a:spcAft>
-                <a:spcPts val="0"/>
-              </a:spcAft>
-              <a:buClrTx/>
-              <a:buSzTx/>
-              <a:buFontTx/>
-              <a:buNone/>
-              <a:tabLst/>
-              <a:defRPr/>
-            </a:pPr>
             <a:fld id="{E9F17BB9-9CDD-491A-BF82-5D6AFE00870E}" type="slidenum">
-              <a:rPr kumimoji="0" lang="en-US" sz="1200" b="0" i="0" u="none" strike="noStrike" kern="1200" cap="none" spc="0" normalizeH="0" baseline="0" noProof="0" smtClean="0">
-                <a:ln>
-                  <a:noFill/>
-                </a:ln>
+              <a:rPr lang="en-US" smtClean="0">
                 <a:solidFill>
                   <a:prstClr val="black"/>
                 </a:solidFill>
-                <a:effectLst/>
-                <a:uLnTx/>
-                <a:uFillTx/>
-                <a:latin typeface="Calibri"/>
-                <a:ea typeface="+mn-ea"/>
-                <a:cs typeface="+mn-cs"/>
-              </a:rPr>
-              <a:pPr marL="0" marR="0" lvl="0" indent="0" algn="r" defTabSz="1828800" rtl="0" eaLnBrk="1" fontAlgn="auto" latinLnBrk="0" hangingPunct="1">
-                <a:lnSpc>
-                  <a:spcPct val="100000"/>
-                </a:lnSpc>
-                <a:spcBef>
-                  <a:spcPts val="0"/>
-                </a:spcBef>
-                <a:spcAft>
-                  <a:spcPts val="0"/>
-                </a:spcAft>
-                <a:buClrTx/>
-                <a:buSzTx/>
-                <a:buFontTx/>
-                <a:buNone/>
-                <a:tabLst/>
-                <a:defRPr/>
-              </a:pPr>
+              </a:rPr>
+              <a:pPr/>
               <a:t>29</a:t>
             </a:fld>
-            <a:endParaRPr kumimoji="0" lang="zh-CN" altLang="en-US" sz="1200" b="0" i="0" u="none" strike="noStrike" kern="1200" cap="none" spc="0" normalizeH="0" baseline="0" noProof="0">
-              <a:ln>
-                <a:noFill/>
-              </a:ln>
+            <a:endParaRPr lang="zh-CN" altLang="en-US">
               <a:solidFill>
                 <a:prstClr val="black"/>
               </a:solidFill>
-              <a:effectLst/>
-              <a:uLnTx/>
-              <a:uFillTx/>
-              <a:latin typeface="Calibri"/>
-              <a:ea typeface="等线" panose="02010600030101010101" pitchFamily="2" charset="-122"/>
-              <a:cs typeface="+mn-cs"/>
             </a:endParaRPr>
           </a:p>
         </p:txBody>
@@ -2995,7 +2935,7 @@
     </p:spTree>
     <p:extLst>
       <p:ext uri="{BB962C8B-B14F-4D97-AF65-F5344CB8AC3E}">
-        <p14:creationId xmlns:p14="http://schemas.microsoft.com/office/powerpoint/2010/main" val="2943486231"/>
+        <p14:creationId xmlns:p14="http://schemas.microsoft.com/office/powerpoint/2010/main" val="2581737420"/>
       </p:ext>
     </p:extLst>
   </p:cSld>
@@ -3127,7 +3067,7 @@
       </p:grpSpPr>
       <p:sp>
         <p:nvSpPr>
-          <p:cNvPr id="2" name="Slide Image Placeholder 1"/>
+          <p:cNvPr id="2" name="幻灯片图像占位符 1"/>
           <p:cNvSpPr>
             <a:spLocks noGrp="1" noRot="1" noChangeAspect="1"/>
           </p:cNvSpPr>
@@ -3139,7 +3079,7 @@
       </p:sp>
       <p:sp>
         <p:nvSpPr>
-          <p:cNvPr id="3" name="Notes Placeholder 2"/>
+          <p:cNvPr id="3" name="备注占位符 2"/>
           <p:cNvSpPr>
             <a:spLocks noGrp="1"/>
           </p:cNvSpPr>
@@ -3152,13 +3092,13 @@
           <a:bodyPr/>
           <a:lstStyle/>
           <a:p>
-            <a:endParaRPr lang="en-US" dirty="0"/>
+            <a:endParaRPr lang="zh-CN" altLang="en-US" dirty="0"/>
           </a:p>
         </p:txBody>
       </p:sp>
       <p:sp>
         <p:nvSpPr>
-          <p:cNvPr id="4" name="Slide Number Placeholder 3"/>
+          <p:cNvPr id="4" name="灯片编号占位符 3"/>
           <p:cNvSpPr>
             <a:spLocks noGrp="1"/>
           </p:cNvSpPr>
@@ -3171,18 +3111,78 @@
           <a:bodyPr/>
           <a:lstStyle/>
           <a:p>
+            <a:pPr marL="0" marR="0" lvl="0" indent="0" algn="r" defTabSz="1828800" rtl="0" eaLnBrk="1" fontAlgn="auto" latinLnBrk="0" hangingPunct="1">
+              <a:lnSpc>
+                <a:spcPct val="100000"/>
+              </a:lnSpc>
+              <a:spcBef>
+                <a:spcPts val="0"/>
+              </a:spcBef>
+              <a:spcAft>
+                <a:spcPts val="0"/>
+              </a:spcAft>
+              <a:buClrTx/>
+              <a:buSzTx/>
+              <a:buFontTx/>
+              <a:buNone/>
+              <a:tabLst/>
+              <a:defRPr/>
+            </a:pPr>
             <a:fld id="{E9F17BB9-9CDD-491A-BF82-5D6AFE00870E}" type="slidenum">
-              <a:rPr lang="en-US" smtClean="0"/>
+              <a:rPr kumimoji="0" lang="en-US" sz="1200" b="0" i="0" u="none" strike="noStrike" kern="1200" cap="none" spc="0" normalizeH="0" baseline="0" noProof="0" smtClean="0">
+                <a:ln>
+                  <a:noFill/>
+                </a:ln>
+                <a:solidFill>
+                  <a:prstClr val="black"/>
+                </a:solidFill>
+                <a:effectLst/>
+                <a:uLnTx/>
+                <a:uFillTx/>
+                <a:latin typeface="Calibri"/>
+                <a:ea typeface="+mn-ea"/>
+                <a:cs typeface="+mn-cs"/>
+              </a:rPr>
+              <a:pPr marL="0" marR="0" lvl="0" indent="0" algn="r" defTabSz="1828800" rtl="0" eaLnBrk="1" fontAlgn="auto" latinLnBrk="0" hangingPunct="1">
+                <a:lnSpc>
+                  <a:spcPct val="100000"/>
+                </a:lnSpc>
+                <a:spcBef>
+                  <a:spcPts val="0"/>
+                </a:spcBef>
+                <a:spcAft>
+                  <a:spcPts val="0"/>
+                </a:spcAft>
+                <a:buClrTx/>
+                <a:buSzTx/>
+                <a:buFontTx/>
+                <a:buNone/>
+                <a:tabLst/>
+                <a:defRPr/>
+              </a:pPr>
               <a:t>30</a:t>
             </a:fld>
-            <a:endParaRPr lang="zh-CN"/>
+            <a:endParaRPr kumimoji="0" lang="zh-CN" altLang="en-US" sz="1200" b="0" i="0" u="none" strike="noStrike" kern="1200" cap="none" spc="0" normalizeH="0" baseline="0" noProof="0">
+              <a:ln>
+                <a:noFill/>
+              </a:ln>
+              <a:solidFill>
+                <a:prstClr val="black"/>
+              </a:solidFill>
+              <a:effectLst/>
+              <a:uLnTx/>
+              <a:uFillTx/>
+              <a:latin typeface="Calibri"/>
+              <a:ea typeface="等线" panose="02010600030101010101" pitchFamily="2" charset="-122"/>
+              <a:cs typeface="+mn-cs"/>
+            </a:endParaRPr>
           </a:p>
         </p:txBody>
       </p:sp>
     </p:spTree>
     <p:extLst>
       <p:ext uri="{BB962C8B-B14F-4D97-AF65-F5344CB8AC3E}">
-        <p14:creationId xmlns:p14="http://schemas.microsoft.com/office/powerpoint/2010/main" val="1066375545"/>
+        <p14:creationId xmlns:p14="http://schemas.microsoft.com/office/powerpoint/2010/main" val="45042269"/>
       </p:ext>
     </p:extLst>
   </p:cSld>
@@ -8787,17 +8787,7 @@
                 <a:latin typeface="微软雅黑 Light" panose="020B0502040204020203" pitchFamily="34" charset="-122"/>
                 <a:ea typeface="微软雅黑 Light" panose="020B0502040204020203" pitchFamily="34" charset="-122"/>
               </a:rPr>
-              <a:t>引擎平台 </a:t>
-            </a:r>
-            <a:r>
-              <a:rPr lang="zh-CN" altLang="en-US" sz="8000" dirty="0" smtClean="0">
-                <a:solidFill>
-                  <a:srgbClr val="FFFFFF"/>
-                </a:solidFill>
-                <a:latin typeface="微软雅黑 Light" panose="020B0502040204020203" pitchFamily="34" charset="-122"/>
-                <a:ea typeface="微软雅黑 Light" panose="020B0502040204020203" pitchFamily="34" charset="-122"/>
-              </a:rPr>
-              <a:t>卢铮</a:t>
+              <a:t>引擎平台 卢铮</a:t>
             </a:r>
             <a:endParaRPr lang="zh-CN" sz="8000" dirty="0">
               <a:solidFill>
@@ -9295,7 +9285,7 @@
           <p:cNvPr id="10" name="图片 9">
             <a:extLst>
               <a:ext uri="{FF2B5EF4-FFF2-40B4-BE49-F238E27FC236}">
-                <a16:creationId xmlns:a16="http://schemas.microsoft.com/office/drawing/2014/main" xmlns="" id="{A5679124-33FB-4619-AC75-10FE58F14A8D}"/>
+                <a16:creationId xmlns="" xmlns:a16="http://schemas.microsoft.com/office/drawing/2014/main" id="{A5679124-33FB-4619-AC75-10FE58F14A8D}"/>
               </a:ext>
             </a:extLst>
           </p:cNvPr>
@@ -9710,6 +9700,30 @@
           </a:prstGeom>
         </p:spPr>
       </p:pic>
+      <p:pic>
+        <p:nvPicPr>
+          <p:cNvPr id="2" name="图片 1"/>
+          <p:cNvPicPr>
+            <a:picLocks noChangeAspect="1"/>
+          </p:cNvPicPr>
+          <p:nvPr/>
+        </p:nvPicPr>
+        <p:blipFill>
+          <a:blip r:embed="rId4"/>
+          <a:stretch>
+            <a:fillRect/>
+          </a:stretch>
+        </p:blipFill>
+        <p:spPr>
+          <a:xfrm>
+            <a:off x="15046901" y="1970645"/>
+            <a:ext cx="8540462" cy="7499817"/>
+          </a:xfrm>
+          <a:prstGeom prst="rect">
+            <a:avLst/>
+          </a:prstGeom>
+        </p:spPr>
+      </p:pic>
     </p:spTree>
     <p:extLst>
       <p:ext uri="{BB962C8B-B14F-4D97-AF65-F5344CB8AC3E}">
@@ -10158,7 +10172,7 @@
           <p:cNvPr id="11" name="图片 10">
             <a:extLst>
               <a:ext uri="{FF2B5EF4-FFF2-40B4-BE49-F238E27FC236}">
-                <a16:creationId xmlns:a16="http://schemas.microsoft.com/office/drawing/2014/main" xmlns="" id="{5EB07A2B-53D5-402C-B693-0A9063466B07}"/>
+                <a16:creationId xmlns="" xmlns:a16="http://schemas.microsoft.com/office/drawing/2014/main" id="{5EB07A2B-53D5-402C-B693-0A9063466B07}"/>
               </a:ext>
             </a:extLst>
           </p:cNvPr>
@@ -11172,7 +11186,7 @@
           <p:cNvPr id="3" name="图片 2">
             <a:extLst>
               <a:ext uri="{FF2B5EF4-FFF2-40B4-BE49-F238E27FC236}">
-                <a16:creationId xmlns:a16="http://schemas.microsoft.com/office/drawing/2014/main" xmlns="" id="{23283990-202A-469D-936C-B73A3FE50D75}"/>
+                <a16:creationId xmlns="" xmlns:a16="http://schemas.microsoft.com/office/drawing/2014/main" id="{23283990-202A-469D-936C-B73A3FE50D75}"/>
               </a:ext>
             </a:extLst>
           </p:cNvPr>
@@ -11247,7 +11261,7 @@
         <p:grpSpPr>
           <a:xfrm>
             <a:off x="1323975" y="0"/>
-            <a:ext cx="12504638" cy="13716000"/>
+            <a:ext cx="11539969" cy="13716000"/>
             <a:chOff x="10467974" y="26142"/>
             <a:chExt cx="14478001" cy="13716000"/>
           </a:xfrm>
@@ -11744,7 +11758,7 @@
           <p:cNvPr id="3" name="图片 2">
             <a:extLst>
               <a:ext uri="{FF2B5EF4-FFF2-40B4-BE49-F238E27FC236}">
-                <a16:creationId xmlns:a16="http://schemas.microsoft.com/office/drawing/2014/main" xmlns="" id="{96AB59EA-737E-4C99-A570-6576A98E54C2}"/>
+                <a16:creationId xmlns="" xmlns:a16="http://schemas.microsoft.com/office/drawing/2014/main" id="{96AB59EA-737E-4C99-A570-6576A98E54C2}"/>
               </a:ext>
             </a:extLst>
           </p:cNvPr>
@@ -11761,8 +11775,8 @@
         </p:blipFill>
         <p:spPr>
           <a:xfrm>
-            <a:off x="13915319" y="2509475"/>
-            <a:ext cx="10381973" cy="4713086"/>
+            <a:off x="12863944" y="1477011"/>
+            <a:ext cx="11487000" cy="5214733"/>
           </a:xfrm>
           <a:prstGeom prst="rect">
             <a:avLst/>
@@ -11774,7 +11788,7 @@
           <p:cNvPr id="13" name="图片 12">
             <a:extLst>
               <a:ext uri="{FF2B5EF4-FFF2-40B4-BE49-F238E27FC236}">
-                <a16:creationId xmlns:a16="http://schemas.microsoft.com/office/drawing/2014/main" xmlns="" id="{9356765C-F768-4D87-994C-6DAA55B02325}"/>
+                <a16:creationId xmlns="" xmlns:a16="http://schemas.microsoft.com/office/drawing/2014/main" id="{9356765C-F768-4D87-994C-6DAA55B02325}"/>
               </a:ext>
             </a:extLst>
           </p:cNvPr>
@@ -11791,8 +11805,8 @@
         </p:blipFill>
         <p:spPr>
           <a:xfrm>
-            <a:off x="13828613" y="8165265"/>
-            <a:ext cx="10555387" cy="2051953"/>
+            <a:off x="12863944" y="7853538"/>
+            <a:ext cx="11555769" cy="2246426"/>
           </a:xfrm>
           <a:prstGeom prst="rect">
             <a:avLst/>
@@ -11849,7 +11863,7 @@
         <p:grpSpPr>
           <a:xfrm>
             <a:off x="1323975" y="0"/>
-            <a:ext cx="11804196" cy="13716000"/>
+            <a:ext cx="8235661" cy="13716000"/>
             <a:chOff x="10467974" y="26142"/>
             <a:chExt cx="14478001" cy="13716000"/>
           </a:xfrm>
@@ -12192,7 +12206,7 @@
           <p:cNvPr id="10" name="图片 9">
             <a:extLst>
               <a:ext uri="{FF2B5EF4-FFF2-40B4-BE49-F238E27FC236}">
-                <a16:creationId xmlns:a16="http://schemas.microsoft.com/office/drawing/2014/main" xmlns="" id="{3F8AC6A8-DF32-44DC-9E1C-91A0FF918614}"/>
+                <a16:creationId xmlns="" xmlns:a16="http://schemas.microsoft.com/office/drawing/2014/main" id="{3F8AC6A8-DF32-44DC-9E1C-91A0FF918614}"/>
               </a:ext>
             </a:extLst>
           </p:cNvPr>
@@ -12209,8 +12223,8 @@
         </p:blipFill>
         <p:spPr>
           <a:xfrm>
-            <a:off x="13103134" y="3644003"/>
-            <a:ext cx="11280866" cy="2186713"/>
+            <a:off x="9559636" y="3733020"/>
+            <a:ext cx="14834702" cy="2875598"/>
           </a:xfrm>
           <a:prstGeom prst="rect">
             <a:avLst/>
@@ -12222,7 +12236,7 @@
           <p:cNvPr id="13" name="图片 12">
             <a:extLst>
               <a:ext uri="{FF2B5EF4-FFF2-40B4-BE49-F238E27FC236}">
-                <a16:creationId xmlns:a16="http://schemas.microsoft.com/office/drawing/2014/main" xmlns="" id="{E46ABE59-18AA-42F7-AD45-F1BC58683DCF}"/>
+                <a16:creationId xmlns="" xmlns:a16="http://schemas.microsoft.com/office/drawing/2014/main" id="{E46ABE59-18AA-42F7-AD45-F1BC58683DCF}"/>
               </a:ext>
             </a:extLst>
           </p:cNvPr>
@@ -12239,8 +12253,8 @@
         </p:blipFill>
         <p:spPr>
           <a:xfrm>
-            <a:off x="13128171" y="6065145"/>
-            <a:ext cx="11341067" cy="1200628"/>
+            <a:off x="9559636" y="8052187"/>
+            <a:ext cx="14834702" cy="1570484"/>
           </a:xfrm>
           <a:prstGeom prst="rect">
             <a:avLst/>
@@ -12422,7 +12436,7 @@
             <a:hlinkClick r:id="" action="ppaction://media"/>
             <a:extLst>
               <a:ext uri="{FF2B5EF4-FFF2-40B4-BE49-F238E27FC236}">
-                <a16:creationId xmlns:a16="http://schemas.microsoft.com/office/drawing/2014/main" xmlns="" id="{56D9D4BB-495D-40F8-87C9-8EE2561C0C61}"/>
+                <a16:creationId xmlns="" xmlns:a16="http://schemas.microsoft.com/office/drawing/2014/main" id="{56D9D4BB-495D-40F8-87C9-8EE2561C0C61}"/>
               </a:ext>
             </a:extLst>
           </p:cNvPr>
@@ -12938,7 +12952,7 @@
           <p:cNvPr id="10" name="The Picture slide">
             <a:extLst>
               <a:ext uri="{FF2B5EF4-FFF2-40B4-BE49-F238E27FC236}">
-                <a16:creationId xmlns:a16="http://schemas.microsoft.com/office/drawing/2014/main" xmlns="" id="{7B3009FF-C4E3-469D-BB68-7A90553D27F9}"/>
+                <a16:creationId xmlns="" xmlns:a16="http://schemas.microsoft.com/office/drawing/2014/main" id="{7B3009FF-C4E3-469D-BB68-7A90553D27F9}"/>
               </a:ext>
             </a:extLst>
           </p:cNvPr>
@@ -12998,7 +13012,7 @@
           <p:cNvPr id="11" name="图片 10">
             <a:extLst>
               <a:ext uri="{FF2B5EF4-FFF2-40B4-BE49-F238E27FC236}">
-                <a16:creationId xmlns:a16="http://schemas.microsoft.com/office/drawing/2014/main" xmlns="" id="{BE634CFE-DF9B-4536-A2B2-FD77E7777C07}"/>
+                <a16:creationId xmlns="" xmlns:a16="http://schemas.microsoft.com/office/drawing/2014/main" id="{BE634CFE-DF9B-4536-A2B2-FD77E7777C07}"/>
               </a:ext>
             </a:extLst>
           </p:cNvPr>
@@ -13028,7 +13042,7 @@
           <p:cNvPr id="13" name="图片 12">
             <a:extLst>
               <a:ext uri="{FF2B5EF4-FFF2-40B4-BE49-F238E27FC236}">
-                <a16:creationId xmlns:a16="http://schemas.microsoft.com/office/drawing/2014/main" xmlns="" id="{59C4A114-9F2B-4C5E-AECF-2BFE34379F93}"/>
+                <a16:creationId xmlns="" xmlns:a16="http://schemas.microsoft.com/office/drawing/2014/main" id="{59C4A114-9F2B-4C5E-AECF-2BFE34379F93}"/>
               </a:ext>
             </a:extLst>
           </p:cNvPr>
@@ -13598,7 +13612,7 @@
           <p:cNvPr id="10" name="图片 9">
             <a:extLst>
               <a:ext uri="{FF2B5EF4-FFF2-40B4-BE49-F238E27FC236}">
-                <a16:creationId xmlns:a16="http://schemas.microsoft.com/office/drawing/2014/main" xmlns="" id="{C7B4BF4E-9EE8-42B9-ACAB-C373E25E871D}"/>
+                <a16:creationId xmlns="" xmlns:a16="http://schemas.microsoft.com/office/drawing/2014/main" id="{C7B4BF4E-9EE8-42B9-ACAB-C373E25E871D}"/>
               </a:ext>
             </a:extLst>
           </p:cNvPr>
@@ -14443,7 +14457,7 @@
           <p:cNvPr id="10" name="图片 9">
             <a:extLst>
               <a:ext uri="{FF2B5EF4-FFF2-40B4-BE49-F238E27FC236}">
-                <a16:creationId xmlns:a16="http://schemas.microsoft.com/office/drawing/2014/main" xmlns="" id="{5C260710-49F4-4D4F-892B-D8A11199F7EF}"/>
+                <a16:creationId xmlns="" xmlns:a16="http://schemas.microsoft.com/office/drawing/2014/main" id="{5C260710-49F4-4D4F-892B-D8A11199F7EF}"/>
               </a:ext>
             </a:extLst>
           </p:cNvPr>
@@ -14473,7 +14487,7 @@
           <p:cNvPr id="11" name="图片 10">
             <a:extLst>
               <a:ext uri="{FF2B5EF4-FFF2-40B4-BE49-F238E27FC236}">
-                <a16:creationId xmlns:a16="http://schemas.microsoft.com/office/drawing/2014/main" xmlns="" id="{9ED304BC-C9D4-448D-96FC-CD509A065A83}"/>
+                <a16:creationId xmlns="" xmlns:a16="http://schemas.microsoft.com/office/drawing/2014/main" id="{9ED304BC-C9D4-448D-96FC-CD509A065A83}"/>
               </a:ext>
             </a:extLst>
           </p:cNvPr>
@@ -14678,1176 +14692,6 @@
 </file>
 
 <file path=ppt/slides/slide22.xml><?xml version="1.0" encoding="utf-8"?>
-<p:sld xmlns:a="http://schemas.openxmlformats.org/drawingml/2006/main" xmlns:r="http://schemas.openxmlformats.org/officeDocument/2006/relationships" xmlns:p="http://schemas.openxmlformats.org/presentationml/2006/main">
-  <p:cSld>
-    <p:bg>
-      <p:bgPr>
-        <a:solidFill>
-          <a:schemeClr val="bg1">
-            <a:lumMod val="95000"/>
-          </a:schemeClr>
-        </a:solidFill>
-        <a:effectLst/>
-      </p:bgPr>
-    </p:bg>
-    <p:spTree>
-      <p:nvGrpSpPr>
-        <p:cNvPr id="1" name=""/>
-        <p:cNvGrpSpPr/>
-        <p:nvPr/>
-      </p:nvGrpSpPr>
-      <p:grpSpPr>
-        <a:xfrm>
-          <a:off x="0" y="0"/>
-          <a:ext cx="0" cy="0"/>
-          <a:chOff x="0" y="0"/>
-          <a:chExt cx="0" cy="0"/>
-        </a:xfrm>
-      </p:grpSpPr>
-      <p:grpSp>
-        <p:nvGrpSpPr>
-          <p:cNvPr id="4" name="组合 3"/>
-          <p:cNvGrpSpPr/>
-          <p:nvPr/>
-        </p:nvGrpSpPr>
-        <p:grpSpPr>
-          <a:xfrm>
-            <a:off x="1323975" y="0"/>
-            <a:ext cx="13057632" cy="13716000"/>
-            <a:chOff x="10467974" y="26142"/>
-            <a:chExt cx="14478001" cy="13716000"/>
-          </a:xfrm>
-        </p:grpSpPr>
-        <p:sp>
-          <p:nvSpPr>
-            <p:cNvPr id="5" name="Rectangle"/>
-            <p:cNvSpPr/>
-            <p:nvPr/>
-          </p:nvSpPr>
-          <p:spPr>
-            <a:xfrm>
-              <a:off x="10467975" y="26142"/>
-              <a:ext cx="14478000" cy="13716000"/>
-            </a:xfrm>
-            <a:prstGeom prst="rect">
-              <a:avLst/>
-            </a:prstGeom>
-            <a:solidFill>
-              <a:schemeClr val="bg1">
-                <a:alpha val="80000"/>
-              </a:schemeClr>
-            </a:solidFill>
-            <a:ln w="12700">
-              <a:miter lim="400000"/>
-            </a:ln>
-          </p:spPr>
-          <p:txBody>
-            <a:bodyPr lIns="50800" tIns="50800" rIns="50800" bIns="50800" anchor="ctr"/>
-            <a:lstStyle/>
-            <a:p>
-              <a:pPr algn="ctr" defTabSz="825500" hangingPunct="0">
-                <a:defRPr sz="3200">
-                  <a:solidFill>
-                    <a:srgbClr val="FFFFFF"/>
-                  </a:solidFill>
-                  <a:latin typeface="Helvetica"/>
-                  <a:ea typeface="Helvetica"/>
-                  <a:cs typeface="Helvetica"/>
-                  <a:sym typeface="Helvetica"/>
-                </a:defRPr>
-              </a:pPr>
-              <a:endParaRPr sz="3200" kern="0" dirty="0">
-                <a:solidFill>
-                  <a:srgbClr val="FFFFFF"/>
-                </a:solidFill>
-                <a:ea typeface="Helvetica"/>
-                <a:cs typeface="Helvetica"/>
-                <a:sym typeface="Helvetica"/>
-              </a:endParaRPr>
-            </a:p>
-          </p:txBody>
-        </p:sp>
-        <p:sp>
-          <p:nvSpPr>
-            <p:cNvPr id="6" name="Rectangle"/>
-            <p:cNvSpPr/>
-            <p:nvPr/>
-          </p:nvSpPr>
-          <p:spPr>
-            <a:xfrm>
-              <a:off x="10467974" y="3245592"/>
-              <a:ext cx="8458201" cy="76200"/>
-            </a:xfrm>
-            <a:prstGeom prst="rect">
-              <a:avLst/>
-            </a:prstGeom>
-            <a:solidFill>
-              <a:srgbClr val="FFD966"/>
-            </a:solidFill>
-            <a:ln w="12700">
-              <a:miter lim="400000"/>
-            </a:ln>
-          </p:spPr>
-          <p:txBody>
-            <a:bodyPr lIns="50800" tIns="50800" rIns="50800" bIns="50800" anchor="ctr"/>
-            <a:lstStyle/>
-            <a:p>
-              <a:pPr>
-                <a:defRPr sz="3200">
-                  <a:solidFill>
-                    <a:srgbClr val="FFFFFF"/>
-                  </a:solidFill>
-                  <a:latin typeface="Helvetica"/>
-                  <a:ea typeface="Helvetica"/>
-                  <a:cs typeface="Helvetica"/>
-                  <a:sym typeface="Helvetica"/>
-                </a:defRPr>
-              </a:pPr>
-              <a:endParaRPr sz="3200">
-                <a:solidFill>
-                  <a:srgbClr val="FFFFFF"/>
-                </a:solidFill>
-                <a:latin typeface="方正姚体" panose="02010601030101010101" pitchFamily="2" charset="-122"/>
-                <a:ea typeface="方正姚体" panose="02010601030101010101" pitchFamily="2" charset="-122"/>
-                <a:cs typeface="Helvetica"/>
-                <a:sym typeface="Helvetica"/>
-              </a:endParaRPr>
-            </a:p>
-          </p:txBody>
-        </p:sp>
-      </p:grpSp>
-      <p:sp>
-        <p:nvSpPr>
-          <p:cNvPr id="8" name="The Picture slide"/>
-          <p:cNvSpPr txBox="1"/>
-          <p:nvPr/>
-        </p:nvSpPr>
-        <p:spPr>
-          <a:xfrm>
-            <a:off x="2426714" y="3954550"/>
-            <a:ext cx="9721744" cy="6201634"/>
-          </a:xfrm>
-          <a:prstGeom prst="rect">
-            <a:avLst/>
-          </a:prstGeom>
-          <a:ln w="12700">
-            <a:miter lim="400000"/>
-          </a:ln>
-        </p:spPr>
-        <p:txBody>
-          <a:bodyPr wrap="square" lIns="50800" tIns="50800" rIns="50800" bIns="50800" anchor="t">
-            <a:spAutoFit/>
-          </a:bodyPr>
-          <a:lstStyle>
-            <a:lvl1pPr>
-              <a:defRPr b="1">
-                <a:latin typeface="Helvetica"/>
-                <a:ea typeface="Helvetica"/>
-                <a:cs typeface="Helvetica"/>
-                <a:sym typeface="Helvetica"/>
-              </a:defRPr>
-            </a:lvl1pPr>
-          </a:lstStyle>
-          <a:p>
-            <a:pPr marL="514350" indent="-514350">
-              <a:lnSpc>
-                <a:spcPct val="150000"/>
-              </a:lnSpc>
-              <a:spcBef>
-                <a:spcPts val="600"/>
-              </a:spcBef>
-              <a:buFont typeface="Arial" panose="020B0604020202020204" pitchFamily="34" charset="0"/>
-              <a:buChar char="•"/>
-            </a:pPr>
-            <a:r>
-              <a:rPr lang="zh-CN" altLang="en-US" b="0" dirty="0">
-                <a:solidFill>
-                  <a:srgbClr val="000000"/>
-                </a:solidFill>
-                <a:latin typeface="微软雅黑 Light" panose="020B0502040204020203" pitchFamily="34" charset="-122"/>
-                <a:ea typeface="微软雅黑 Light" panose="020B0502040204020203" pitchFamily="34" charset="-122"/>
-                <a:sym typeface="Helvetica Light"/>
-              </a:rPr>
-              <a:t>划分</a:t>
-            </a:r>
-            <a:r>
-              <a:rPr lang="en-US" altLang="zh-CN" b="0" dirty="0">
-                <a:solidFill>
-                  <a:srgbClr val="000000"/>
-                </a:solidFill>
-                <a:latin typeface="微软雅黑 Light" panose="020B0502040204020203" pitchFamily="34" charset="-122"/>
-                <a:ea typeface="微软雅黑 Light" panose="020B0502040204020203" pitchFamily="34" charset="-122"/>
-                <a:sym typeface="Helvetica Light"/>
-              </a:rPr>
-              <a:t>View Frustum</a:t>
-            </a:r>
-            <a:r>
-              <a:rPr lang="zh-CN" altLang="en-US" b="0" dirty="0">
-                <a:solidFill>
-                  <a:srgbClr val="000000"/>
-                </a:solidFill>
-                <a:latin typeface="微软雅黑 Light" panose="020B0502040204020203" pitchFamily="34" charset="-122"/>
-                <a:ea typeface="微软雅黑 Light" panose="020B0502040204020203" pitchFamily="34" charset="-122"/>
-                <a:sym typeface="Helvetica Light"/>
-              </a:rPr>
-              <a:t>成几个小块</a:t>
-            </a:r>
-            <a:endParaRPr lang="en-US" altLang="zh-CN" b="0" dirty="0">
-              <a:solidFill>
-                <a:srgbClr val="000000"/>
-              </a:solidFill>
-              <a:latin typeface="微软雅黑 Light" panose="020B0502040204020203" pitchFamily="34" charset="-122"/>
-              <a:ea typeface="微软雅黑 Light" panose="020B0502040204020203" pitchFamily="34" charset="-122"/>
-              <a:sym typeface="Helvetica Light"/>
-            </a:endParaRPr>
-          </a:p>
-          <a:p>
-            <a:pPr marL="514350" indent="-514350">
-              <a:lnSpc>
-                <a:spcPct val="150000"/>
-              </a:lnSpc>
-              <a:spcBef>
-                <a:spcPts val="600"/>
-              </a:spcBef>
-              <a:buFont typeface="Arial" panose="020B0604020202020204" pitchFamily="34" charset="0"/>
-              <a:buChar char="•"/>
-            </a:pPr>
-            <a:r>
-              <a:rPr lang="zh-CN" altLang="en-US" b="0" dirty="0">
-                <a:solidFill>
-                  <a:srgbClr val="000000"/>
-                </a:solidFill>
-                <a:latin typeface="微软雅黑 Light" panose="020B0502040204020203" pitchFamily="34" charset="-122"/>
-                <a:ea typeface="微软雅黑 Light" panose="020B0502040204020203" pitchFamily="34" charset="-122"/>
-                <a:sym typeface="Helvetica Light"/>
-              </a:rPr>
-              <a:t>每个小块根据</a:t>
-            </a:r>
-            <a:r>
-              <a:rPr lang="en-US" altLang="zh-CN" b="0" dirty="0">
-                <a:solidFill>
-                  <a:srgbClr val="000000"/>
-                </a:solidFill>
-                <a:latin typeface="微软雅黑 Light" panose="020B0502040204020203" pitchFamily="34" charset="-122"/>
-                <a:ea typeface="微软雅黑 Light" panose="020B0502040204020203" pitchFamily="34" charset="-122"/>
-                <a:sym typeface="Helvetica Light"/>
-              </a:rPr>
-              <a:t>Light</a:t>
-            </a:r>
-            <a:r>
-              <a:rPr lang="zh-CN" altLang="en-US" b="0" dirty="0">
-                <a:solidFill>
-                  <a:srgbClr val="000000"/>
-                </a:solidFill>
-                <a:latin typeface="微软雅黑 Light" panose="020B0502040204020203" pitchFamily="34" charset="-122"/>
-                <a:ea typeface="微软雅黑 Light" panose="020B0502040204020203" pitchFamily="34" charset="-122"/>
-                <a:sym typeface="Helvetica Light"/>
-              </a:rPr>
-              <a:t>视角渲染出</a:t>
-            </a:r>
-            <a:r>
-              <a:rPr lang="en-US" altLang="zh-CN" b="0" dirty="0" err="1">
-                <a:solidFill>
-                  <a:srgbClr val="000000"/>
-                </a:solidFill>
-                <a:latin typeface="微软雅黑 Light" panose="020B0502040204020203" pitchFamily="34" charset="-122"/>
-                <a:ea typeface="微软雅黑 Light" panose="020B0502040204020203" pitchFamily="34" charset="-122"/>
-                <a:sym typeface="Helvetica Light"/>
-              </a:rPr>
-              <a:t>Shadowmap</a:t>
-            </a:r>
-            <a:endParaRPr lang="en-US" altLang="zh-CN" b="0" dirty="0">
-              <a:solidFill>
-                <a:srgbClr val="000000"/>
-              </a:solidFill>
-              <a:latin typeface="微软雅黑 Light" panose="020B0502040204020203" pitchFamily="34" charset="-122"/>
-              <a:ea typeface="微软雅黑 Light" panose="020B0502040204020203" pitchFamily="34" charset="-122"/>
-              <a:sym typeface="Helvetica Light"/>
-            </a:endParaRPr>
-          </a:p>
-          <a:p>
-            <a:pPr marL="514350" indent="-514350">
-              <a:lnSpc>
-                <a:spcPct val="150000"/>
-              </a:lnSpc>
-              <a:spcBef>
-                <a:spcPts val="600"/>
-              </a:spcBef>
-              <a:buFont typeface="Arial" panose="020B0604020202020204" pitchFamily="34" charset="0"/>
-              <a:buChar char="•"/>
-            </a:pPr>
-            <a:r>
-              <a:rPr lang="zh-CN" altLang="en-US" b="0" dirty="0">
-                <a:solidFill>
-                  <a:srgbClr val="000000"/>
-                </a:solidFill>
-                <a:latin typeface="微软雅黑 Light" panose="020B0502040204020203" pitchFamily="34" charset="-122"/>
-                <a:ea typeface="微软雅黑 Light" panose="020B0502040204020203" pitchFamily="34" charset="-122"/>
-                <a:sym typeface="Helvetica Light"/>
-              </a:rPr>
-              <a:t>控制划分时距离摄像机近的小块可使用的</a:t>
-            </a:r>
-            <a:r>
-              <a:rPr lang="en-US" altLang="zh-CN" b="0" dirty="0" err="1">
-                <a:solidFill>
-                  <a:srgbClr val="000000"/>
-                </a:solidFill>
-                <a:latin typeface="微软雅黑 Light" panose="020B0502040204020203" pitchFamily="34" charset="-122"/>
-                <a:ea typeface="微软雅黑 Light" panose="020B0502040204020203" pitchFamily="34" charset="-122"/>
-                <a:sym typeface="Helvetica Light"/>
-              </a:rPr>
-              <a:t>shadowmap</a:t>
-            </a:r>
-            <a:r>
-              <a:rPr lang="zh-CN" altLang="en-US" b="0" dirty="0">
-                <a:solidFill>
-                  <a:srgbClr val="000000"/>
-                </a:solidFill>
-                <a:latin typeface="微软雅黑 Light" panose="020B0502040204020203" pitchFamily="34" charset="-122"/>
-                <a:ea typeface="微软雅黑 Light" panose="020B0502040204020203" pitchFamily="34" charset="-122"/>
-                <a:sym typeface="Helvetica Light"/>
-              </a:rPr>
-              <a:t>精度高</a:t>
-            </a:r>
-            <a:endParaRPr lang="en-US" altLang="zh-CN" b="0" dirty="0">
-              <a:solidFill>
-                <a:srgbClr val="000000"/>
-              </a:solidFill>
-              <a:latin typeface="微软雅黑 Light" panose="020B0502040204020203" pitchFamily="34" charset="-122"/>
-              <a:ea typeface="微软雅黑 Light" panose="020B0502040204020203" pitchFamily="34" charset="-122"/>
-              <a:sym typeface="Helvetica Light"/>
-            </a:endParaRPr>
-          </a:p>
-          <a:p>
-            <a:pPr marL="514350" indent="-514350">
-              <a:lnSpc>
-                <a:spcPct val="150000"/>
-              </a:lnSpc>
-              <a:spcBef>
-                <a:spcPts val="600"/>
-              </a:spcBef>
-              <a:buFont typeface="Arial" panose="020B0604020202020204" pitchFamily="34" charset="0"/>
-              <a:buChar char="•"/>
-            </a:pPr>
-            <a:r>
-              <a:rPr lang="zh-CN" altLang="en-US" b="0" dirty="0">
-                <a:solidFill>
-                  <a:srgbClr val="000000"/>
-                </a:solidFill>
-                <a:latin typeface="微软雅黑 Light" panose="020B0502040204020203" pitchFamily="34" charset="-122"/>
-                <a:ea typeface="微软雅黑 Light" panose="020B0502040204020203" pitchFamily="34" charset="-122"/>
-                <a:sym typeface="Helvetica Light"/>
-              </a:rPr>
-              <a:t>划分的范围越大，精度月底</a:t>
-            </a:r>
-            <a:endParaRPr lang="en-US" altLang="zh-CN" b="0" dirty="0">
-              <a:solidFill>
-                <a:srgbClr val="000000"/>
-              </a:solidFill>
-              <a:latin typeface="微软雅黑 Light" panose="020B0502040204020203" pitchFamily="34" charset="-122"/>
-              <a:ea typeface="微软雅黑 Light" panose="020B0502040204020203" pitchFamily="34" charset="-122"/>
-              <a:sym typeface="Helvetica Light"/>
-            </a:endParaRPr>
-          </a:p>
-          <a:p>
-            <a:pPr marL="514350" indent="-514350">
-              <a:lnSpc>
-                <a:spcPct val="150000"/>
-              </a:lnSpc>
-              <a:spcBef>
-                <a:spcPts val="600"/>
-              </a:spcBef>
-              <a:buFont typeface="Arial" panose="020B0604020202020204" pitchFamily="34" charset="0"/>
-              <a:buChar char="•"/>
-            </a:pPr>
-            <a:r>
-              <a:rPr lang="zh-CN" altLang="en-US" b="0" dirty="0">
-                <a:solidFill>
-                  <a:srgbClr val="000000"/>
-                </a:solidFill>
-                <a:latin typeface="微软雅黑 Light" panose="020B0502040204020203" pitchFamily="34" charset="-122"/>
-                <a:ea typeface="微软雅黑 Light" panose="020B0502040204020203" pitchFamily="34" charset="-122"/>
-                <a:sym typeface="Helvetica Light"/>
-              </a:rPr>
-              <a:t>保证距离摄像机近的分块精度最高</a:t>
-            </a:r>
-            <a:endParaRPr lang="en-US" altLang="zh-CN" b="0" dirty="0">
-              <a:solidFill>
-                <a:srgbClr val="000000"/>
-              </a:solidFill>
-              <a:latin typeface="微软雅黑 Light" panose="020B0502040204020203" pitchFamily="34" charset="-122"/>
-              <a:ea typeface="微软雅黑 Light" panose="020B0502040204020203" pitchFamily="34" charset="-122"/>
-              <a:sym typeface="Helvetica Light"/>
-            </a:endParaRPr>
-          </a:p>
-          <a:p>
-            <a:pPr>
-              <a:lnSpc>
-                <a:spcPct val="150000"/>
-              </a:lnSpc>
-              <a:spcBef>
-                <a:spcPts val="600"/>
-              </a:spcBef>
-            </a:pPr>
-            <a:endParaRPr lang="en-US" altLang="zh-CN" b="0" dirty="0">
-              <a:solidFill>
-                <a:srgbClr val="000000"/>
-              </a:solidFill>
-              <a:latin typeface="微软雅黑 Light" panose="020B0502040204020203" pitchFamily="34" charset="-122"/>
-              <a:ea typeface="微软雅黑 Light" panose="020B0502040204020203" pitchFamily="34" charset="-122"/>
-              <a:sym typeface="Helvetica Light"/>
-            </a:endParaRPr>
-          </a:p>
-        </p:txBody>
-      </p:sp>
-      <p:sp>
-        <p:nvSpPr>
-          <p:cNvPr id="9" name="The Picture slide"/>
-          <p:cNvSpPr txBox="1"/>
-          <p:nvPr/>
-        </p:nvSpPr>
-        <p:spPr>
-          <a:xfrm>
-            <a:off x="2756486" y="1970645"/>
-            <a:ext cx="8973592" cy="1025922"/>
-          </a:xfrm>
-          <a:prstGeom prst="rect">
-            <a:avLst/>
-          </a:prstGeom>
-          <a:ln w="12700">
-            <a:miter lim="400000"/>
-          </a:ln>
-        </p:spPr>
-        <p:txBody>
-          <a:bodyPr wrap="square" lIns="54864" tIns="50800" rIns="50800" bIns="50800" anchor="b">
-            <a:spAutoFit/>
-          </a:bodyPr>
-          <a:lstStyle>
-            <a:lvl1pPr>
-              <a:defRPr b="1">
-                <a:latin typeface="Helvetica"/>
-                <a:ea typeface="Helvetica"/>
-                <a:cs typeface="Helvetica"/>
-                <a:sym typeface="Helvetica"/>
-              </a:defRPr>
-            </a:lvl1pPr>
-          </a:lstStyle>
-          <a:p>
-            <a:pPr defTabSz="825500" hangingPunct="0"/>
-            <a:r>
-              <a:rPr lang="en-US" altLang="zh-CN" sz="6000" kern="0" cap="all" dirty="0">
-                <a:solidFill>
-                  <a:srgbClr val="000000"/>
-                </a:solidFill>
-                <a:latin typeface="微软雅黑" panose="020B0503020204020204" pitchFamily="34" charset="-122"/>
-                <a:ea typeface="微软雅黑" panose="020B0503020204020204" pitchFamily="34" charset="-122"/>
-              </a:rPr>
-              <a:t>CSM</a:t>
-            </a:r>
-            <a:endParaRPr lang="zh-CN" altLang="en-US" sz="6000" kern="0" cap="all" dirty="0">
-              <a:solidFill>
-                <a:srgbClr val="000000"/>
-              </a:solidFill>
-              <a:latin typeface="微软雅黑" panose="020B0503020204020204" pitchFamily="34" charset="-122"/>
-              <a:ea typeface="微软雅黑" panose="020B0503020204020204" pitchFamily="34" charset="-122"/>
-            </a:endParaRPr>
-          </a:p>
-        </p:txBody>
-      </p:sp>
-      <p:pic>
-        <p:nvPicPr>
-          <p:cNvPr id="12" name="Picture 5"/>
-          <p:cNvPicPr>
-            <a:picLocks noChangeAspect="1"/>
-          </p:cNvPicPr>
-          <p:nvPr/>
-        </p:nvPicPr>
-        <p:blipFill>
-          <a:blip r:embed="rId3">
-            <a:extLst>
-              <a:ext uri="{28A0092B-C50C-407E-A947-70E740481C1C}">
-                <a14:useLocalDpi xmlns:a14="http://schemas.microsoft.com/office/drawing/2010/main" val="0"/>
-              </a:ext>
-            </a:extLst>
-          </a:blip>
-          <a:stretch>
-            <a:fillRect/>
-          </a:stretch>
-        </p:blipFill>
-        <p:spPr>
-          <a:xfrm>
-            <a:off x="1516141" y="1889303"/>
-            <a:ext cx="1240345" cy="1240345"/>
-          </a:xfrm>
-          <a:prstGeom prst="rect">
-            <a:avLst/>
-          </a:prstGeom>
-        </p:spPr>
-      </p:pic>
-      <p:pic>
-        <p:nvPicPr>
-          <p:cNvPr id="11" name="图片 10">
-            <a:extLst>
-              <a:ext uri="{FF2B5EF4-FFF2-40B4-BE49-F238E27FC236}">
-                <a16:creationId xmlns:a16="http://schemas.microsoft.com/office/drawing/2014/main" xmlns="" id="{8D0C3E0F-EB9C-494A-93CD-6DA089F4D7BC}"/>
-              </a:ext>
-            </a:extLst>
-          </p:cNvPr>
-          <p:cNvPicPr>
-            <a:picLocks noChangeAspect="1"/>
-          </p:cNvPicPr>
-          <p:nvPr/>
-        </p:nvPicPr>
-        <p:blipFill>
-          <a:blip r:embed="rId4"/>
-          <a:stretch>
-            <a:fillRect/>
-          </a:stretch>
-        </p:blipFill>
-        <p:spPr>
-          <a:xfrm>
-            <a:off x="14919269" y="3555114"/>
-            <a:ext cx="8973592" cy="5303119"/>
-          </a:xfrm>
-          <a:prstGeom prst="rect">
-            <a:avLst/>
-          </a:prstGeom>
-        </p:spPr>
-      </p:pic>
-    </p:spTree>
-    <p:extLst>
-      <p:ext uri="{BB962C8B-B14F-4D97-AF65-F5344CB8AC3E}">
-        <p14:creationId xmlns:p14="http://schemas.microsoft.com/office/powerpoint/2010/main" val="305003080"/>
-      </p:ext>
-    </p:extLst>
-  </p:cSld>
-  <p:clrMapOvr>
-    <a:masterClrMapping/>
-  </p:clrMapOvr>
-  <p:transition spd="med"/>
-</p:sld>
-</file>
-
-<file path=ppt/slides/slide23.xml><?xml version="1.0" encoding="utf-8"?>
-<p:sld xmlns:a="http://schemas.openxmlformats.org/drawingml/2006/main" xmlns:r="http://schemas.openxmlformats.org/officeDocument/2006/relationships" xmlns:p="http://schemas.openxmlformats.org/presentationml/2006/main">
-  <p:cSld>
-    <p:bg>
-      <p:bgPr>
-        <a:solidFill>
-          <a:schemeClr val="bg1">
-            <a:lumMod val="95000"/>
-          </a:schemeClr>
-        </a:solidFill>
-        <a:effectLst/>
-      </p:bgPr>
-    </p:bg>
-    <p:spTree>
-      <p:nvGrpSpPr>
-        <p:cNvPr id="1" name=""/>
-        <p:cNvGrpSpPr/>
-        <p:nvPr/>
-      </p:nvGrpSpPr>
-      <p:grpSpPr>
-        <a:xfrm>
-          <a:off x="0" y="0"/>
-          <a:ext cx="0" cy="0"/>
-          <a:chOff x="0" y="0"/>
-          <a:chExt cx="0" cy="0"/>
-        </a:xfrm>
-      </p:grpSpPr>
-      <p:grpSp>
-        <p:nvGrpSpPr>
-          <p:cNvPr id="4" name="组合 3"/>
-          <p:cNvGrpSpPr/>
-          <p:nvPr/>
-        </p:nvGrpSpPr>
-        <p:grpSpPr>
-          <a:xfrm>
-            <a:off x="1323975" y="0"/>
-            <a:ext cx="13057632" cy="13716000"/>
-            <a:chOff x="10467974" y="26142"/>
-            <a:chExt cx="14478001" cy="13716000"/>
-          </a:xfrm>
-        </p:grpSpPr>
-        <p:sp>
-          <p:nvSpPr>
-            <p:cNvPr id="5" name="Rectangle"/>
-            <p:cNvSpPr/>
-            <p:nvPr/>
-          </p:nvSpPr>
-          <p:spPr>
-            <a:xfrm>
-              <a:off x="10467975" y="26142"/>
-              <a:ext cx="14478000" cy="13716000"/>
-            </a:xfrm>
-            <a:prstGeom prst="rect">
-              <a:avLst/>
-            </a:prstGeom>
-            <a:solidFill>
-              <a:schemeClr val="bg1">
-                <a:alpha val="80000"/>
-              </a:schemeClr>
-            </a:solidFill>
-            <a:ln w="12700">
-              <a:miter lim="400000"/>
-            </a:ln>
-          </p:spPr>
-          <p:txBody>
-            <a:bodyPr lIns="50800" tIns="50800" rIns="50800" bIns="50800" anchor="ctr"/>
-            <a:lstStyle/>
-            <a:p>
-              <a:pPr marL="0" marR="0" lvl="0" indent="0" algn="ctr" defTabSz="825500" rtl="0" eaLnBrk="1" fontAlgn="auto" latinLnBrk="0" hangingPunct="0">
-                <a:lnSpc>
-                  <a:spcPct val="100000"/>
-                </a:lnSpc>
-                <a:spcBef>
-                  <a:spcPts val="0"/>
-                </a:spcBef>
-                <a:spcAft>
-                  <a:spcPts val="0"/>
-                </a:spcAft>
-                <a:buClrTx/>
-                <a:buSzTx/>
-                <a:buFontTx/>
-                <a:buNone/>
-                <a:tabLst/>
-                <a:defRPr sz="3200">
-                  <a:solidFill>
-                    <a:srgbClr val="FFFFFF"/>
-                  </a:solidFill>
-                  <a:latin typeface="Helvetica"/>
-                  <a:ea typeface="Helvetica"/>
-                  <a:cs typeface="Helvetica"/>
-                  <a:sym typeface="Helvetica"/>
-                </a:defRPr>
-              </a:pPr>
-              <a:endParaRPr kumimoji="0" sz="3200" b="0" i="0" u="none" strike="noStrike" kern="0" cap="none" spc="0" normalizeH="0" baseline="0" noProof="0" dirty="0">
-                <a:ln>
-                  <a:noFill/>
-                </a:ln>
-                <a:solidFill>
-                  <a:srgbClr val="FFFFFF"/>
-                </a:solidFill>
-                <a:effectLst/>
-                <a:uLnTx/>
-                <a:uFillTx/>
-                <a:latin typeface="Helvetica"/>
-                <a:ea typeface="Helvetica"/>
-                <a:cs typeface="Helvetica"/>
-                <a:sym typeface="Helvetica"/>
-              </a:endParaRPr>
-            </a:p>
-          </p:txBody>
-        </p:sp>
-        <p:sp>
-          <p:nvSpPr>
-            <p:cNvPr id="6" name="Rectangle"/>
-            <p:cNvSpPr/>
-            <p:nvPr/>
-          </p:nvSpPr>
-          <p:spPr>
-            <a:xfrm>
-              <a:off x="10467974" y="3245592"/>
-              <a:ext cx="8458201" cy="76200"/>
-            </a:xfrm>
-            <a:prstGeom prst="rect">
-              <a:avLst/>
-            </a:prstGeom>
-            <a:solidFill>
-              <a:srgbClr val="FFD966"/>
-            </a:solidFill>
-            <a:ln w="12700">
-              <a:miter lim="400000"/>
-            </a:ln>
-          </p:spPr>
-          <p:txBody>
-            <a:bodyPr lIns="50800" tIns="50800" rIns="50800" bIns="50800" anchor="ctr"/>
-            <a:lstStyle/>
-            <a:p>
-              <a:pPr marL="0" marR="0" lvl="0" indent="0" algn="l" defTabSz="1828800" rtl="0" eaLnBrk="1" fontAlgn="auto" latinLnBrk="0" hangingPunct="1">
-                <a:lnSpc>
-                  <a:spcPct val="100000"/>
-                </a:lnSpc>
-                <a:spcBef>
-                  <a:spcPts val="0"/>
-                </a:spcBef>
-                <a:spcAft>
-                  <a:spcPts val="0"/>
-                </a:spcAft>
-                <a:buClrTx/>
-                <a:buSzTx/>
-                <a:buFontTx/>
-                <a:buNone/>
-                <a:tabLst/>
-                <a:defRPr sz="3200">
-                  <a:solidFill>
-                    <a:srgbClr val="FFFFFF"/>
-                  </a:solidFill>
-                  <a:latin typeface="Helvetica"/>
-                  <a:ea typeface="Helvetica"/>
-                  <a:cs typeface="Helvetica"/>
-                  <a:sym typeface="Helvetica"/>
-                </a:defRPr>
-              </a:pPr>
-              <a:endParaRPr kumimoji="0" sz="3200" b="0" i="0" u="none" strike="noStrike" kern="1200" cap="none" spc="0" normalizeH="0" baseline="0" noProof="0">
-                <a:ln>
-                  <a:noFill/>
-                </a:ln>
-                <a:solidFill>
-                  <a:srgbClr val="FFFFFF"/>
-                </a:solidFill>
-                <a:effectLst/>
-                <a:uLnTx/>
-                <a:uFillTx/>
-                <a:latin typeface="方正姚体" panose="02010601030101010101" pitchFamily="2" charset="-122"/>
-                <a:ea typeface="方正姚体" panose="02010601030101010101" pitchFamily="2" charset="-122"/>
-                <a:cs typeface="Helvetica"/>
-                <a:sym typeface="Helvetica"/>
-              </a:endParaRPr>
-            </a:p>
-          </p:txBody>
-        </p:sp>
-      </p:grpSp>
-      <p:sp>
-        <p:nvSpPr>
-          <p:cNvPr id="8" name="The Picture slide"/>
-          <p:cNvSpPr txBox="1"/>
-          <p:nvPr/>
-        </p:nvSpPr>
-        <p:spPr>
-          <a:xfrm>
-            <a:off x="2426714" y="3954550"/>
-            <a:ext cx="9721744" cy="3563155"/>
-          </a:xfrm>
-          <a:prstGeom prst="rect">
-            <a:avLst/>
-          </a:prstGeom>
-          <a:ln w="12700">
-            <a:miter lim="400000"/>
-          </a:ln>
-        </p:spPr>
-        <p:txBody>
-          <a:bodyPr wrap="square" lIns="50800" tIns="50800" rIns="50800" bIns="50800" anchor="t">
-            <a:spAutoFit/>
-          </a:bodyPr>
-          <a:lstStyle>
-            <a:lvl1pPr>
-              <a:defRPr b="1">
-                <a:latin typeface="Helvetica"/>
-                <a:ea typeface="Helvetica"/>
-                <a:cs typeface="Helvetica"/>
-                <a:sym typeface="Helvetica"/>
-              </a:defRPr>
-            </a:lvl1pPr>
-          </a:lstStyle>
-          <a:p>
-            <a:pPr marL="514350" marR="0" lvl="0" indent="-514350" algn="l" defTabSz="1828800" rtl="0" eaLnBrk="1" fontAlgn="auto" latinLnBrk="0" hangingPunct="1">
-              <a:lnSpc>
-                <a:spcPct val="150000"/>
-              </a:lnSpc>
-              <a:spcBef>
-                <a:spcPts val="600"/>
-              </a:spcBef>
-              <a:spcAft>
-                <a:spcPts val="0"/>
-              </a:spcAft>
-              <a:buClrTx/>
-              <a:buSzTx/>
-              <a:buFont typeface="Arial" panose="020B0604020202020204" pitchFamily="34" charset="0"/>
-              <a:buChar char="•"/>
-              <a:tabLst/>
-              <a:defRPr/>
-            </a:pPr>
-            <a:r>
-              <a:rPr lang="en-US" altLang="zh-CN" b="0" dirty="0">
-                <a:solidFill>
-                  <a:srgbClr val="000000"/>
-                </a:solidFill>
-                <a:latin typeface="微软雅黑 Light" panose="020B0502040204020203" pitchFamily="34" charset="-122"/>
-                <a:ea typeface="微软雅黑 Light" panose="020B0502040204020203" pitchFamily="34" charset="-122"/>
-                <a:sym typeface="Helvetica Light"/>
-              </a:rPr>
-              <a:t>Z-partitioning</a:t>
-            </a:r>
-          </a:p>
-          <a:p>
-            <a:pPr marL="514350" marR="0" lvl="0" indent="-514350" algn="l" defTabSz="1828800" rtl="0" eaLnBrk="1" fontAlgn="auto" latinLnBrk="0" hangingPunct="1">
-              <a:lnSpc>
-                <a:spcPct val="150000"/>
-              </a:lnSpc>
-              <a:spcBef>
-                <a:spcPts val="600"/>
-              </a:spcBef>
-              <a:spcAft>
-                <a:spcPts val="0"/>
-              </a:spcAft>
-              <a:buClrTx/>
-              <a:buSzTx/>
-              <a:buFont typeface="Arial" panose="020B0604020202020204" pitchFamily="34" charset="0"/>
-              <a:buChar char="•"/>
-              <a:tabLst/>
-              <a:defRPr/>
-            </a:pPr>
-            <a:r>
-              <a:rPr lang="en-US" altLang="zh-CN" b="0" dirty="0">
-                <a:solidFill>
-                  <a:srgbClr val="000000"/>
-                </a:solidFill>
-                <a:latin typeface="微软雅黑 Light" panose="020B0502040204020203" pitchFamily="34" charset="-122"/>
-                <a:ea typeface="微软雅黑 Light" panose="020B0502040204020203" pitchFamily="34" charset="-122"/>
-                <a:sym typeface="Helvetica Light"/>
-              </a:rPr>
-              <a:t>Logarithmic</a:t>
-            </a:r>
-            <a:r>
-              <a:rPr lang="zh-CN" altLang="en-US" b="0" dirty="0">
-                <a:solidFill>
-                  <a:srgbClr val="000000"/>
-                </a:solidFill>
-                <a:latin typeface="微软雅黑 Light" panose="020B0502040204020203" pitchFamily="34" charset="-122"/>
-                <a:ea typeface="微软雅黑 Light" panose="020B0502040204020203" pitchFamily="34" charset="-122"/>
-                <a:sym typeface="Helvetica Light"/>
-              </a:rPr>
-              <a:t> </a:t>
-            </a:r>
-            <a:r>
-              <a:rPr lang="en-US" altLang="zh-CN" b="0" dirty="0">
-                <a:solidFill>
-                  <a:srgbClr val="000000"/>
-                </a:solidFill>
-                <a:latin typeface="微软雅黑 Light" panose="020B0502040204020203" pitchFamily="34" charset="-122"/>
-                <a:ea typeface="微软雅黑 Light" panose="020B0502040204020203" pitchFamily="34" charset="-122"/>
-                <a:sym typeface="Helvetica Light"/>
-              </a:rPr>
-              <a:t>partitioning</a:t>
-            </a:r>
-          </a:p>
-          <a:p>
-            <a:pPr marL="514350" marR="0" lvl="0" indent="-514350" algn="l" defTabSz="1828800" rtl="0" eaLnBrk="1" fontAlgn="auto" latinLnBrk="0" hangingPunct="1">
-              <a:lnSpc>
-                <a:spcPct val="150000"/>
-              </a:lnSpc>
-              <a:spcBef>
-                <a:spcPts val="600"/>
-              </a:spcBef>
-              <a:spcAft>
-                <a:spcPts val="0"/>
-              </a:spcAft>
-              <a:buClrTx/>
-              <a:buSzTx/>
-              <a:buFont typeface="Arial" panose="020B0604020202020204" pitchFamily="34" charset="0"/>
-              <a:buChar char="•"/>
-              <a:tabLst/>
-              <a:defRPr/>
-            </a:pPr>
-            <a:r>
-              <a:rPr lang="zh-CN" altLang="en-US" b="0" dirty="0">
-                <a:solidFill>
-                  <a:srgbClr val="000000"/>
-                </a:solidFill>
-                <a:latin typeface="微软雅黑 Light" panose="020B0502040204020203" pitchFamily="34" charset="-122"/>
-                <a:ea typeface="微软雅黑 Light" panose="020B0502040204020203" pitchFamily="34" charset="-122"/>
-                <a:sym typeface="Helvetica Light"/>
-              </a:rPr>
-              <a:t>比如</a:t>
-            </a:r>
-            <a:r>
-              <a:rPr lang="en-US" altLang="zh-CN" b="0" dirty="0">
-                <a:solidFill>
-                  <a:srgbClr val="000000"/>
-                </a:solidFill>
-                <a:latin typeface="微软雅黑 Light" panose="020B0502040204020203" pitchFamily="34" charset="-122"/>
-                <a:ea typeface="微软雅黑 Light" panose="020B0502040204020203" pitchFamily="34" charset="-122"/>
-                <a:sym typeface="Helvetica Light"/>
-              </a:rPr>
-              <a:t>:near 1, Far 1000, </a:t>
-            </a:r>
-            <a:r>
-              <a:rPr lang="zh-CN" altLang="en-US" b="0" dirty="0">
-                <a:solidFill>
-                  <a:srgbClr val="000000"/>
-                </a:solidFill>
-                <a:latin typeface="微软雅黑 Light" panose="020B0502040204020203" pitchFamily="34" charset="-122"/>
-                <a:ea typeface="微软雅黑 Light" panose="020B0502040204020203" pitchFamily="34" charset="-122"/>
-                <a:sym typeface="Helvetica Light"/>
-              </a:rPr>
-              <a:t>分三级 </a:t>
-            </a:r>
-            <a:r>
-              <a:rPr lang="en-US" altLang="zh-CN" b="0" dirty="0">
-                <a:solidFill>
-                  <a:srgbClr val="000000"/>
-                </a:solidFill>
-                <a:latin typeface="微软雅黑 Light" panose="020B0502040204020203" pitchFamily="34" charset="-122"/>
-                <a:ea typeface="微软雅黑 Light" panose="020B0502040204020203" pitchFamily="34" charset="-122"/>
-                <a:sym typeface="Helvetica Light"/>
-              </a:rPr>
-              <a:t>r = 10</a:t>
-            </a:r>
-            <a:endParaRPr kumimoji="0" lang="en-US" altLang="zh-CN" b="0" i="0" u="none" strike="noStrike" kern="1200" cap="none" spc="0" normalizeH="0" baseline="0" noProof="0" dirty="0">
-              <a:ln>
-                <a:noFill/>
-              </a:ln>
-              <a:solidFill>
-                <a:srgbClr val="000000"/>
-              </a:solidFill>
-              <a:effectLst/>
-              <a:uLnTx/>
-              <a:uFillTx/>
-              <a:latin typeface="微软雅黑 Light" panose="020B0502040204020203" pitchFamily="34" charset="-122"/>
-              <a:ea typeface="微软雅黑 Light" panose="020B0502040204020203" pitchFamily="34" charset="-122"/>
-              <a:sym typeface="Helvetica Light"/>
-            </a:endParaRPr>
-          </a:p>
-          <a:p>
-            <a:pPr marL="514350" marR="0" lvl="0" indent="-514350" algn="l" defTabSz="1828800" rtl="0" eaLnBrk="1" fontAlgn="auto" latinLnBrk="0" hangingPunct="1">
-              <a:lnSpc>
-                <a:spcPct val="150000"/>
-              </a:lnSpc>
-              <a:spcBef>
-                <a:spcPts val="600"/>
-              </a:spcBef>
-              <a:spcAft>
-                <a:spcPts val="0"/>
-              </a:spcAft>
-              <a:buClrTx/>
-              <a:buSzTx/>
-              <a:buFont typeface="Arial" panose="020B0604020202020204" pitchFamily="34" charset="0"/>
-              <a:buChar char="•"/>
-              <a:tabLst/>
-              <a:defRPr/>
-            </a:pPr>
-            <a:r>
-              <a:rPr lang="en-US" altLang="zh-CN" b="0" dirty="0">
-                <a:solidFill>
-                  <a:srgbClr val="000000"/>
-                </a:solidFill>
-                <a:latin typeface="微软雅黑 Light" panose="020B0502040204020203" pitchFamily="34" charset="-122"/>
-                <a:ea typeface="微软雅黑 Light" panose="020B0502040204020203" pitchFamily="34" charset="-122"/>
-                <a:sym typeface="Helvetica Light"/>
-              </a:rPr>
-              <a:t>1~10</a:t>
-            </a:r>
-            <a:r>
-              <a:rPr lang="zh-CN" altLang="en-US" b="0" dirty="0">
-                <a:solidFill>
-                  <a:srgbClr val="000000"/>
-                </a:solidFill>
-                <a:latin typeface="微软雅黑 Light" panose="020B0502040204020203" pitchFamily="34" charset="-122"/>
-                <a:ea typeface="微软雅黑 Light" panose="020B0502040204020203" pitchFamily="34" charset="-122"/>
-                <a:sym typeface="Helvetica Light"/>
-              </a:rPr>
-              <a:t>， </a:t>
-            </a:r>
-            <a:r>
-              <a:rPr lang="en-US" altLang="zh-CN" b="0" dirty="0">
-                <a:solidFill>
-                  <a:srgbClr val="000000"/>
-                </a:solidFill>
-                <a:latin typeface="微软雅黑 Light" panose="020B0502040204020203" pitchFamily="34" charset="-122"/>
-                <a:ea typeface="微软雅黑 Light" panose="020B0502040204020203" pitchFamily="34" charset="-122"/>
-                <a:sym typeface="Helvetica Light"/>
-              </a:rPr>
-              <a:t>10~100</a:t>
-            </a:r>
-            <a:r>
-              <a:rPr lang="zh-CN" altLang="en-US" b="0" dirty="0">
-                <a:solidFill>
-                  <a:srgbClr val="000000"/>
-                </a:solidFill>
-                <a:latin typeface="微软雅黑 Light" panose="020B0502040204020203" pitchFamily="34" charset="-122"/>
-                <a:ea typeface="微软雅黑 Light" panose="020B0502040204020203" pitchFamily="34" charset="-122"/>
-                <a:sym typeface="Helvetica Light"/>
-              </a:rPr>
-              <a:t>， </a:t>
-            </a:r>
-            <a:r>
-              <a:rPr lang="en-US" altLang="zh-CN" b="0" dirty="0">
-                <a:solidFill>
-                  <a:srgbClr val="000000"/>
-                </a:solidFill>
-                <a:latin typeface="微软雅黑 Light" panose="020B0502040204020203" pitchFamily="34" charset="-122"/>
-                <a:ea typeface="微软雅黑 Light" panose="020B0502040204020203" pitchFamily="34" charset="-122"/>
-                <a:sym typeface="Helvetica Light"/>
-              </a:rPr>
-              <a:t>100~1000</a:t>
-            </a:r>
-            <a:endParaRPr kumimoji="0" lang="en-US" altLang="zh-CN" b="0" i="0" u="none" strike="noStrike" kern="1200" cap="none" spc="0" normalizeH="0" baseline="0" noProof="0" dirty="0">
-              <a:ln>
-                <a:noFill/>
-              </a:ln>
-              <a:solidFill>
-                <a:srgbClr val="000000"/>
-              </a:solidFill>
-              <a:effectLst/>
-              <a:uLnTx/>
-              <a:uFillTx/>
-              <a:latin typeface="微软雅黑 Light" panose="020B0502040204020203" pitchFamily="34" charset="-122"/>
-              <a:ea typeface="微软雅黑 Light" panose="020B0502040204020203" pitchFamily="34" charset="-122"/>
-              <a:sym typeface="Helvetica Light"/>
-            </a:endParaRPr>
-          </a:p>
-        </p:txBody>
-      </p:sp>
-      <p:sp>
-        <p:nvSpPr>
-          <p:cNvPr id="9" name="The Picture slide"/>
-          <p:cNvSpPr txBox="1"/>
-          <p:nvPr/>
-        </p:nvSpPr>
-        <p:spPr>
-          <a:xfrm>
-            <a:off x="2756486" y="1970645"/>
-            <a:ext cx="8973592" cy="1025922"/>
-          </a:xfrm>
-          <a:prstGeom prst="rect">
-            <a:avLst/>
-          </a:prstGeom>
-          <a:ln w="12700">
-            <a:miter lim="400000"/>
-          </a:ln>
-        </p:spPr>
-        <p:txBody>
-          <a:bodyPr wrap="square" lIns="54864" tIns="50800" rIns="50800" bIns="50800" anchor="b">
-            <a:spAutoFit/>
-          </a:bodyPr>
-          <a:lstStyle>
-            <a:lvl1pPr>
-              <a:defRPr b="1">
-                <a:latin typeface="Helvetica"/>
-                <a:ea typeface="Helvetica"/>
-                <a:cs typeface="Helvetica"/>
-                <a:sym typeface="Helvetica"/>
-              </a:defRPr>
-            </a:lvl1pPr>
-          </a:lstStyle>
-          <a:p>
-            <a:pPr marL="0" marR="0" lvl="0" indent="0" algn="l" defTabSz="825500" rtl="0" eaLnBrk="1" fontAlgn="auto" latinLnBrk="0" hangingPunct="0">
-              <a:lnSpc>
-                <a:spcPct val="100000"/>
-              </a:lnSpc>
-              <a:spcBef>
-                <a:spcPts val="0"/>
-              </a:spcBef>
-              <a:spcAft>
-                <a:spcPts val="0"/>
-              </a:spcAft>
-              <a:buClrTx/>
-              <a:buSzTx/>
-              <a:buFontTx/>
-              <a:buNone/>
-              <a:tabLst/>
-              <a:defRPr/>
-            </a:pPr>
-            <a:r>
-              <a:rPr kumimoji="0" lang="en-US" altLang="zh-CN" sz="6000" b="1" i="0" u="none" strike="noStrike" kern="0" cap="all" spc="0" normalizeH="0" baseline="0" noProof="0" dirty="0">
-                <a:ln>
-                  <a:noFill/>
-                </a:ln>
-                <a:solidFill>
-                  <a:srgbClr val="000000"/>
-                </a:solidFill>
-                <a:effectLst/>
-                <a:uLnTx/>
-                <a:uFillTx/>
-                <a:latin typeface="微软雅黑" panose="020B0503020204020204" pitchFamily="34" charset="-122"/>
-                <a:ea typeface="微软雅黑" panose="020B0503020204020204" pitchFamily="34" charset="-122"/>
-                <a:sym typeface="Helvetica"/>
-              </a:rPr>
-              <a:t>CSM</a:t>
-            </a:r>
-            <a:endParaRPr kumimoji="0" lang="zh-CN" altLang="en-US" sz="6000" b="1" i="0" u="none" strike="noStrike" kern="0" cap="all" spc="0" normalizeH="0" baseline="0" noProof="0" dirty="0">
-              <a:ln>
-                <a:noFill/>
-              </a:ln>
-              <a:solidFill>
-                <a:srgbClr val="000000"/>
-              </a:solidFill>
-              <a:effectLst/>
-              <a:uLnTx/>
-              <a:uFillTx/>
-              <a:latin typeface="微软雅黑" panose="020B0503020204020204" pitchFamily="34" charset="-122"/>
-              <a:ea typeface="微软雅黑" panose="020B0503020204020204" pitchFamily="34" charset="-122"/>
-              <a:sym typeface="Helvetica"/>
-            </a:endParaRPr>
-          </a:p>
-        </p:txBody>
-      </p:sp>
-      <p:pic>
-        <p:nvPicPr>
-          <p:cNvPr id="12" name="Picture 5"/>
-          <p:cNvPicPr>
-            <a:picLocks noChangeAspect="1"/>
-          </p:cNvPicPr>
-          <p:nvPr/>
-        </p:nvPicPr>
-        <p:blipFill>
-          <a:blip r:embed="rId3">
-            <a:extLst>
-              <a:ext uri="{28A0092B-C50C-407E-A947-70E740481C1C}">
-                <a14:useLocalDpi xmlns:a14="http://schemas.microsoft.com/office/drawing/2010/main" val="0"/>
-              </a:ext>
-            </a:extLst>
-          </a:blip>
-          <a:stretch>
-            <a:fillRect/>
-          </a:stretch>
-        </p:blipFill>
-        <p:spPr>
-          <a:xfrm>
-            <a:off x="1516141" y="1889303"/>
-            <a:ext cx="1240345" cy="1240345"/>
-          </a:xfrm>
-          <a:prstGeom prst="rect">
-            <a:avLst/>
-          </a:prstGeom>
-        </p:spPr>
-      </p:pic>
-      <p:pic>
-        <p:nvPicPr>
-          <p:cNvPr id="10" name="图片 9">
-            <a:extLst>
-              <a:ext uri="{FF2B5EF4-FFF2-40B4-BE49-F238E27FC236}">
-                <a16:creationId xmlns:a16="http://schemas.microsoft.com/office/drawing/2014/main" xmlns="" id="{D603DB99-9AB4-4B78-91A3-AD3E43D2F56C}"/>
-              </a:ext>
-            </a:extLst>
-          </p:cNvPr>
-          <p:cNvPicPr>
-            <a:picLocks noChangeAspect="1"/>
-          </p:cNvPicPr>
-          <p:nvPr/>
-        </p:nvPicPr>
-        <p:blipFill>
-          <a:blip r:embed="rId4"/>
-          <a:stretch>
-            <a:fillRect/>
-          </a:stretch>
-        </p:blipFill>
-        <p:spPr>
-          <a:xfrm>
-            <a:off x="10394859" y="5514372"/>
-            <a:ext cx="2243455" cy="1162685"/>
-          </a:xfrm>
-          <a:prstGeom prst="rect">
-            <a:avLst/>
-          </a:prstGeom>
-        </p:spPr>
-      </p:pic>
-    </p:spTree>
-    <p:extLst>
-      <p:ext uri="{BB962C8B-B14F-4D97-AF65-F5344CB8AC3E}">
-        <p14:creationId xmlns:p14="http://schemas.microsoft.com/office/powerpoint/2010/main" val="3456777265"/>
-      </p:ext>
-    </p:extLst>
-  </p:cSld>
-  <p:clrMapOvr>
-    <a:masterClrMapping/>
-  </p:clrMapOvr>
-  <p:transition spd="med"/>
-</p:sld>
-</file>
-
-<file path=ppt/slides/slide24.xml><?xml version="1.0" encoding="utf-8"?>
 <p:sld xmlns:a="http://schemas.openxmlformats.org/drawingml/2006/main" xmlns:r="http://schemas.openxmlformats.org/officeDocument/2006/relationships" xmlns:p="http://schemas.openxmlformats.org/presentationml/2006/main">
   <p:cSld>
     <p:bg>
@@ -16500,7 +15344,7 @@
           <p:cNvPr id="10" name="图片 9">
             <a:extLst>
               <a:ext uri="{FF2B5EF4-FFF2-40B4-BE49-F238E27FC236}">
-                <a16:creationId xmlns:a16="http://schemas.microsoft.com/office/drawing/2014/main" xmlns="" id="{E53EDB33-E228-459A-A570-DC0F2A3457C2}"/>
+                <a16:creationId xmlns="" xmlns:a16="http://schemas.microsoft.com/office/drawing/2014/main" id="{E53EDB33-E228-459A-A570-DC0F2A3457C2}"/>
               </a:ext>
             </a:extLst>
           </p:cNvPr>
@@ -16530,7 +15374,7 @@
           <p:cNvPr id="3" name="图片 2">
             <a:extLst>
               <a:ext uri="{FF2B5EF4-FFF2-40B4-BE49-F238E27FC236}">
-                <a16:creationId xmlns:a16="http://schemas.microsoft.com/office/drawing/2014/main" xmlns="" id="{86930BD4-9743-4B41-9D11-C9BCC781298B}"/>
+                <a16:creationId xmlns="" xmlns:a16="http://schemas.microsoft.com/office/drawing/2014/main" id="{86930BD4-9743-4B41-9D11-C9BCC781298B}"/>
               </a:ext>
             </a:extLst>
           </p:cNvPr>
@@ -16569,7 +15413,7 @@
 </p:sld>
 </file>
 
-<file path=ppt/slides/slide25.xml><?xml version="1.0" encoding="utf-8"?>
+<file path=ppt/slides/slide23.xml><?xml version="1.0" encoding="utf-8"?>
 <p:sld xmlns:a="http://schemas.openxmlformats.org/drawingml/2006/main" xmlns:r="http://schemas.openxmlformats.org/officeDocument/2006/relationships" xmlns:p="http://schemas.openxmlformats.org/presentationml/2006/main">
   <p:cSld>
     <p:spTree>
@@ -16668,7 +15512,7 @@
           <p:cNvPr id="5" name="图片 4">
             <a:extLst>
               <a:ext uri="{FF2B5EF4-FFF2-40B4-BE49-F238E27FC236}">
-                <a16:creationId xmlns:a16="http://schemas.microsoft.com/office/drawing/2014/main" xmlns="" id="{7E2BE7F3-1831-41A5-BAC8-0D83FFD2AC6D}"/>
+                <a16:creationId xmlns="" xmlns:a16="http://schemas.microsoft.com/office/drawing/2014/main" id="{7E2BE7F3-1831-41A5-BAC8-0D83FFD2AC6D}"/>
               </a:ext>
             </a:extLst>
           </p:cNvPr>
@@ -16698,7 +15542,7 @@
           <p:cNvPr id="6" name="图片 5">
             <a:extLst>
               <a:ext uri="{FF2B5EF4-FFF2-40B4-BE49-F238E27FC236}">
-                <a16:creationId xmlns:a16="http://schemas.microsoft.com/office/drawing/2014/main" xmlns="" id="{64588793-B7FA-4449-A097-B5FA0D6D8FEE}"/>
+                <a16:creationId xmlns="" xmlns:a16="http://schemas.microsoft.com/office/drawing/2014/main" id="{64588793-B7FA-4449-A097-B5FA0D6D8FEE}"/>
               </a:ext>
             </a:extLst>
           </p:cNvPr>
@@ -16763,7 +15607,7 @@
 </p:sld>
 </file>
 
-<file path=ppt/slides/slide26.xml><?xml version="1.0" encoding="utf-8"?>
+<file path=ppt/slides/slide24.xml><?xml version="1.0" encoding="utf-8"?>
 <p:sld xmlns:a="http://schemas.openxmlformats.org/drawingml/2006/main" xmlns:r="http://schemas.openxmlformats.org/officeDocument/2006/relationships" xmlns:p="http://schemas.openxmlformats.org/presentationml/2006/main">
   <p:cSld>
     <p:spTree>
@@ -16869,7 +15713,7 @@
           <p:cNvPr id="7" name="图片 6">
             <a:extLst>
               <a:ext uri="{FF2B5EF4-FFF2-40B4-BE49-F238E27FC236}">
-                <a16:creationId xmlns:a16="http://schemas.microsoft.com/office/drawing/2014/main" xmlns="" id="{08C186CA-C430-4339-8984-F2DD08B33DED}"/>
+                <a16:creationId xmlns="" xmlns:a16="http://schemas.microsoft.com/office/drawing/2014/main" id="{08C186CA-C430-4339-8984-F2DD08B33DED}"/>
               </a:ext>
             </a:extLst>
           </p:cNvPr>
@@ -16934,7 +15778,7 @@
 </p:sld>
 </file>
 
-<file path=ppt/slides/slide27.xml><?xml version="1.0" encoding="utf-8"?>
+<file path=ppt/slides/slide25.xml><?xml version="1.0" encoding="utf-8"?>
 <p:sld xmlns:a="http://schemas.openxmlformats.org/drawingml/2006/main" xmlns:r="http://schemas.openxmlformats.org/officeDocument/2006/relationships" xmlns:p="http://schemas.openxmlformats.org/presentationml/2006/main">
   <p:cSld>
     <p:bg>
@@ -16970,7 +15814,7 @@
         <p:grpSpPr>
           <a:xfrm>
             <a:off x="1323975" y="0"/>
-            <a:ext cx="13057632" cy="13716000"/>
+            <a:ext cx="11706225" cy="13716000"/>
             <a:chOff x="10467974" y="26142"/>
             <a:chExt cx="14478001" cy="13716000"/>
           </a:xfrm>
@@ -17441,7 +16285,7 @@
           <p:cNvPr id="10" name="图片 9">
             <a:extLst>
               <a:ext uri="{FF2B5EF4-FFF2-40B4-BE49-F238E27FC236}">
-                <a16:creationId xmlns:a16="http://schemas.microsoft.com/office/drawing/2014/main" xmlns="" id="{DC34F8C5-2F76-4FA0-81B6-C20D1ED9171A}"/>
+                <a16:creationId xmlns="" xmlns:a16="http://schemas.microsoft.com/office/drawing/2014/main" id="{DC34F8C5-2F76-4FA0-81B6-C20D1ED9171A}"/>
               </a:ext>
             </a:extLst>
           </p:cNvPr>
@@ -17458,8 +16302,8 @@
         </p:blipFill>
         <p:spPr>
           <a:xfrm>
-            <a:off x="14381607" y="2996567"/>
-            <a:ext cx="9913279" cy="6064306"/>
+            <a:off x="12970423" y="2509475"/>
+            <a:ext cx="11456907" cy="7008598"/>
           </a:xfrm>
           <a:prstGeom prst="rect">
             <a:avLst/>
@@ -17480,7 +16324,7 @@
 </p:sld>
 </file>
 
-<file path=ppt/slides/slide28.xml><?xml version="1.0" encoding="utf-8"?>
+<file path=ppt/slides/slide26.xml><?xml version="1.0" encoding="utf-8"?>
 <p:sld xmlns:a="http://schemas.openxmlformats.org/drawingml/2006/main" xmlns:r="http://schemas.openxmlformats.org/officeDocument/2006/relationships" xmlns:p="http://schemas.openxmlformats.org/presentationml/2006/main">
   <p:cSld>
     <p:bg>
@@ -17516,7 +16360,7 @@
         <p:grpSpPr>
           <a:xfrm>
             <a:off x="1323975" y="0"/>
-            <a:ext cx="13057632" cy="13716000"/>
+            <a:ext cx="11955607" cy="13716000"/>
             <a:chOff x="10467974" y="26142"/>
             <a:chExt cx="14478001" cy="13716000"/>
           </a:xfrm>
@@ -17945,7 +16789,7 @@
           <p:cNvPr id="11" name="图片 10">
             <a:extLst>
               <a:ext uri="{FF2B5EF4-FFF2-40B4-BE49-F238E27FC236}">
-                <a16:creationId xmlns:a16="http://schemas.microsoft.com/office/drawing/2014/main" xmlns="" id="{1CB8237F-4B0B-44F6-9AF4-1DB14113FA42}"/>
+                <a16:creationId xmlns="" xmlns:a16="http://schemas.microsoft.com/office/drawing/2014/main" id="{1CB8237F-4B0B-44F6-9AF4-1DB14113FA42}"/>
               </a:ext>
             </a:extLst>
           </p:cNvPr>
@@ -17962,8 +16806,8 @@
         </p:blipFill>
         <p:spPr>
           <a:xfrm>
-            <a:off x="15621952" y="1575316"/>
-            <a:ext cx="7408411" cy="4968515"/>
+            <a:off x="14519927" y="1159680"/>
+            <a:ext cx="8797828" cy="5900340"/>
           </a:xfrm>
           <a:prstGeom prst="rect">
             <a:avLst/>
@@ -17975,7 +16819,7 @@
           <p:cNvPr id="13" name="图片 12">
             <a:extLst>
               <a:ext uri="{FF2B5EF4-FFF2-40B4-BE49-F238E27FC236}">
-                <a16:creationId xmlns:a16="http://schemas.microsoft.com/office/drawing/2014/main" xmlns="" id="{9F4C707D-7922-453B-AA9F-32BE9F61BD58}"/>
+                <a16:creationId xmlns="" xmlns:a16="http://schemas.microsoft.com/office/drawing/2014/main" id="{9F4C707D-7922-453B-AA9F-32BE9F61BD58}"/>
               </a:ext>
             </a:extLst>
           </p:cNvPr>
@@ -17992,7 +16836,7 @@
         </p:blipFill>
         <p:spPr>
           <a:xfrm>
-            <a:off x="16439354" y="6858000"/>
+            <a:off x="16032038" y="7060020"/>
             <a:ext cx="5773605" cy="5626130"/>
           </a:xfrm>
           <a:prstGeom prst="rect">
@@ -18014,7 +16858,7 @@
 </p:sld>
 </file>
 
-<file path=ppt/slides/slide29.xml><?xml version="1.0" encoding="utf-8"?>
+<file path=ppt/slides/slide27.xml><?xml version="1.0" encoding="utf-8"?>
 <p:sld xmlns:a="http://schemas.openxmlformats.org/drawingml/2006/main" xmlns:r="http://schemas.openxmlformats.org/officeDocument/2006/relationships" xmlns:p="http://schemas.openxmlformats.org/presentationml/2006/main">
   <p:cSld>
     <p:bg>
@@ -18050,7 +16894,7 @@
         <p:grpSpPr>
           <a:xfrm>
             <a:off x="1323975" y="0"/>
-            <a:ext cx="13057632" cy="13716000"/>
+            <a:ext cx="11145116" cy="13716000"/>
             <a:chOff x="10467974" y="26142"/>
             <a:chExt cx="14478001" cy="13716000"/>
           </a:xfrm>
@@ -18464,7 +17308,7 @@
           <p:cNvPr id="14" name="图片 13">
             <a:extLst>
               <a:ext uri="{FF2B5EF4-FFF2-40B4-BE49-F238E27FC236}">
-                <a16:creationId xmlns:a16="http://schemas.microsoft.com/office/drawing/2014/main" xmlns="" id="{F5E4796A-A5FF-4052-9F9B-97E440C41BAD}"/>
+                <a16:creationId xmlns="" xmlns:a16="http://schemas.microsoft.com/office/drawing/2014/main" id="{F5E4796A-A5FF-4052-9F9B-97E440C41BAD}"/>
               </a:ext>
             </a:extLst>
           </p:cNvPr>
@@ -18481,8 +17325,8 @@
         </p:blipFill>
         <p:spPr>
           <a:xfrm>
-            <a:off x="14353499" y="3129648"/>
-            <a:ext cx="10030501" cy="4615195"/>
+            <a:off x="12469091" y="3129648"/>
+            <a:ext cx="11942218" cy="5494807"/>
           </a:xfrm>
           <a:prstGeom prst="rect">
             <a:avLst/>
@@ -18503,151 +17347,7 @@
 </p:sld>
 </file>
 
-<file path=ppt/slides/slide3.xml><?xml version="1.0" encoding="utf-8"?>
-<p:sld xmlns:a="http://schemas.openxmlformats.org/drawingml/2006/main" xmlns:r="http://schemas.openxmlformats.org/officeDocument/2006/relationships" xmlns:p="http://schemas.openxmlformats.org/presentationml/2006/main">
-  <p:cSld>
-    <p:bg>
-      <p:bgPr>
-        <a:solidFill>
-          <a:srgbClr val="292929"/>
-        </a:solidFill>
-        <a:effectLst/>
-      </p:bgPr>
-    </p:bg>
-    <p:spTree>
-      <p:nvGrpSpPr>
-        <p:cNvPr id="1" name=""/>
-        <p:cNvGrpSpPr/>
-        <p:nvPr/>
-      </p:nvGrpSpPr>
-      <p:grpSpPr>
-        <a:xfrm>
-          <a:off x="0" y="0"/>
-          <a:ext cx="0" cy="0"/>
-          <a:chOff x="0" y="0"/>
-          <a:chExt cx="0" cy="0"/>
-        </a:xfrm>
-      </p:grpSpPr>
-      <p:sp>
-        <p:nvSpPr>
-          <p:cNvPr id="44" name="You are the face that has changed my whole world. You are the face that I see everywhere I go. You are so beautiful to me that I can’t explain , Just like a green flower porcelain"/>
-          <p:cNvSpPr txBox="1"/>
-          <p:nvPr/>
-        </p:nvSpPr>
-        <p:spPr>
-          <a:xfrm>
-            <a:off x="4366159" y="7443590"/>
-            <a:ext cx="15651686" cy="1025922"/>
-          </a:xfrm>
-          <a:prstGeom prst="rect">
-            <a:avLst/>
-          </a:prstGeom>
-          <a:ln w="12700">
-            <a:miter lim="400000"/>
-          </a:ln>
-        </p:spPr>
-        <p:txBody>
-          <a:bodyPr lIns="50800" tIns="50800" rIns="50800" bIns="50800" anchor="ctr">
-            <a:spAutoFit/>
-          </a:bodyPr>
-          <a:lstStyle>
-            <a:lvl1pPr>
-              <a:defRPr sz="2400">
-                <a:solidFill>
-                  <a:srgbClr val="FFFFFF"/>
-                </a:solidFill>
-                <a:latin typeface="Helvetica"/>
-                <a:ea typeface="Helvetica"/>
-                <a:cs typeface="Helvetica"/>
-                <a:sym typeface="Helvetica"/>
-              </a:defRPr>
-            </a:lvl1pPr>
-          </a:lstStyle>
-          <a:p>
-            <a:pPr algn="ctr" defTabSz="825500" hangingPunct="0"/>
-            <a:r>
-              <a:rPr lang="zh-CN" altLang="en-US" sz="6000" dirty="0">
-                <a:latin typeface="微软雅黑 Light" panose="020B0502040204020203" pitchFamily="34" charset="-122"/>
-                <a:ea typeface="微软雅黑 Light" panose="020B0502040204020203" pitchFamily="34" charset="-122"/>
-                <a:cs typeface="宋体" panose="02010600030101010101" pitchFamily="2" charset="-122"/>
-              </a:rPr>
-              <a:t>实时阴影</a:t>
-            </a:r>
-            <a:endParaRPr lang="en-US" altLang="zh-CN" sz="6000" dirty="0">
-              <a:latin typeface="微软雅黑 Light" panose="020B0502040204020203" pitchFamily="34" charset="-122"/>
-              <a:ea typeface="微软雅黑 Light" panose="020B0502040204020203" pitchFamily="34" charset="-122"/>
-              <a:cs typeface="宋体" panose="02010600030101010101" pitchFamily="2" charset="-122"/>
-            </a:endParaRPr>
-          </a:p>
-        </p:txBody>
-      </p:sp>
-      <p:sp>
-        <p:nvSpPr>
-          <p:cNvPr id="45" name="AEVER"/>
-          <p:cNvSpPr txBox="1"/>
-          <p:nvPr/>
-        </p:nvSpPr>
-        <p:spPr>
-          <a:xfrm>
-            <a:off x="9627212" y="5638703"/>
-            <a:ext cx="5129609" cy="1333698"/>
-          </a:xfrm>
-          <a:prstGeom prst="rect">
-            <a:avLst/>
-          </a:prstGeom>
-          <a:ln w="12700">
-            <a:miter lim="400000"/>
-          </a:ln>
-        </p:spPr>
-        <p:txBody>
-          <a:bodyPr wrap="none" lIns="50800" tIns="50800" rIns="50800" bIns="50800" anchor="ctr">
-            <a:spAutoFit/>
-          </a:bodyPr>
-          <a:lstStyle>
-            <a:lvl1pPr>
-              <a:defRPr sz="12000" b="1" spc="1800">
-                <a:solidFill>
-                  <a:srgbClr val="FFFC73"/>
-                </a:solidFill>
-                <a:latin typeface="Helvetica"/>
-                <a:ea typeface="Helvetica"/>
-                <a:cs typeface="Helvetica"/>
-                <a:sym typeface="Helvetica"/>
-              </a:defRPr>
-            </a:lvl1pPr>
-          </a:lstStyle>
-          <a:p>
-            <a:pPr algn="ctr" defTabSz="825500" hangingPunct="0"/>
-            <a:r>
-              <a:rPr lang="zh-CN" altLang="en-US" sz="8000" cap="all" dirty="0">
-                <a:solidFill>
-                  <a:srgbClr val="FFD966"/>
-                </a:solidFill>
-                <a:latin typeface="微软雅黑" panose="020B0503020204020204" pitchFamily="34" charset="-122"/>
-                <a:ea typeface="微软雅黑" panose="020B0503020204020204" pitchFamily="34" charset="-122"/>
-              </a:rPr>
-              <a:t>第一部分</a:t>
-            </a:r>
-            <a:endParaRPr lang="zh-CN" sz="8000" cap="all" dirty="0">
-              <a:solidFill>
-                <a:srgbClr val="FFD966"/>
-              </a:solidFill>
-              <a:latin typeface="微软雅黑" panose="020B0503020204020204" pitchFamily="34" charset="-122"/>
-              <a:ea typeface="微软雅黑" panose="020B0503020204020204" pitchFamily="34" charset="-122"/>
-            </a:endParaRPr>
-          </a:p>
-        </p:txBody>
-      </p:sp>
-    </p:spTree>
-  </p:cSld>
-  <p:clrMapOvr>
-    <a:masterClrMapping/>
-  </p:clrMapOvr>
-  <p:transition spd="med"/>
-</p:sld>
-</file>
-
-<file path=ppt/slides/slide30.xml><?xml version="1.0" encoding="utf-8"?>
+<file path=ppt/slides/slide28.xml><?xml version="1.0" encoding="utf-8"?>
 <p:sld xmlns:a="http://schemas.openxmlformats.org/drawingml/2006/main" xmlns:r="http://schemas.openxmlformats.org/officeDocument/2006/relationships" xmlns:p="http://schemas.openxmlformats.org/presentationml/2006/main">
   <p:cSld>
     <p:spTree>
@@ -18804,7 +17504,7 @@
           <p:cNvPr id="8" name="I see your face on the leaves,telling me how lonely I have been. This is a dream of mine that I have just dreamed. Just see your smiling face everywhere I go. The love I feel for you to shine inside me. But it’s all over now you’re gone. This is a dream of mine that I have just ...">
             <a:extLst>
               <a:ext uri="{FF2B5EF4-FFF2-40B4-BE49-F238E27FC236}">
-                <a16:creationId xmlns:a16="http://schemas.microsoft.com/office/drawing/2014/main" xmlns="" id="{58A4F707-8CDE-465B-A488-6E4B5242EE01}"/>
+                <a16:creationId xmlns="" xmlns:a16="http://schemas.microsoft.com/office/drawing/2014/main" id="{58A4F707-8CDE-465B-A488-6E4B5242EE01}"/>
               </a:ext>
             </a:extLst>
           </p:cNvPr>
@@ -19067,8 +17767,8 @@
 </p:sld>
 </file>
 
-<file path=ppt/slides/slide4.xml><?xml version="1.0" encoding="utf-8"?>
-<p:sld xmlns:a="http://schemas.openxmlformats.org/drawingml/2006/main" xmlns:r="http://schemas.openxmlformats.org/officeDocument/2006/relationships" xmlns:p="http://schemas.openxmlformats.org/presentationml/2006/main">
+<file path=ppt/slides/slide29.xml><?xml version="1.0" encoding="utf-8"?>
+<p:sld xmlns:a="http://schemas.openxmlformats.org/drawingml/2006/main" xmlns:r="http://schemas.openxmlformats.org/officeDocument/2006/relationships" xmlns:p="http://schemas.openxmlformats.org/presentationml/2006/main" show="0">
   <p:cSld>
     <p:bg>
       <p:bgPr>
@@ -19215,6 +17915,1331 @@
         <p:spPr>
           <a:xfrm>
             <a:off x="2426714" y="3954550"/>
+            <a:ext cx="9721744" cy="6304290"/>
+          </a:xfrm>
+          <a:prstGeom prst="rect">
+            <a:avLst/>
+          </a:prstGeom>
+          <a:ln w="12700">
+            <a:miter lim="400000"/>
+          </a:ln>
+        </p:spPr>
+        <p:txBody>
+          <a:bodyPr wrap="square" lIns="50800" tIns="50800" rIns="50800" bIns="50800" anchor="t">
+            <a:spAutoFit/>
+          </a:bodyPr>
+          <a:lstStyle>
+            <a:lvl1pPr>
+              <a:defRPr b="1">
+                <a:latin typeface="Helvetica"/>
+                <a:ea typeface="Helvetica"/>
+                <a:cs typeface="Helvetica"/>
+                <a:sym typeface="Helvetica"/>
+              </a:defRPr>
+            </a:lvl1pPr>
+          </a:lstStyle>
+          <a:p>
+            <a:pPr marL="514350" indent="-514350">
+              <a:lnSpc>
+                <a:spcPct val="150000"/>
+              </a:lnSpc>
+              <a:spcBef>
+                <a:spcPts val="600"/>
+              </a:spcBef>
+              <a:buFont typeface="Arial" panose="020B0604020202020204" pitchFamily="34" charset="0"/>
+              <a:buChar char="•"/>
+            </a:pPr>
+            <a:r>
+              <a:rPr lang="zh-CN" altLang="en-US" b="0" dirty="0">
+                <a:solidFill>
+                  <a:srgbClr val="000000"/>
+                </a:solidFill>
+                <a:latin typeface="微软雅黑 Light" panose="020B0502040204020203" pitchFamily="34" charset="-122"/>
+                <a:ea typeface="微软雅黑 Light" panose="020B0502040204020203" pitchFamily="34" charset="-122"/>
+                <a:sym typeface="Helvetica Light"/>
+              </a:rPr>
+              <a:t>划分</a:t>
+            </a:r>
+            <a:r>
+              <a:rPr lang="en-US" altLang="zh-CN" b="0" dirty="0">
+                <a:solidFill>
+                  <a:srgbClr val="000000"/>
+                </a:solidFill>
+                <a:latin typeface="微软雅黑 Light" panose="020B0502040204020203" pitchFamily="34" charset="-122"/>
+                <a:ea typeface="微软雅黑 Light" panose="020B0502040204020203" pitchFamily="34" charset="-122"/>
+                <a:sym typeface="Helvetica Light"/>
+              </a:rPr>
+              <a:t>View Frustum</a:t>
+            </a:r>
+            <a:r>
+              <a:rPr lang="zh-CN" altLang="en-US" b="0" dirty="0">
+                <a:solidFill>
+                  <a:srgbClr val="000000"/>
+                </a:solidFill>
+                <a:latin typeface="微软雅黑 Light" panose="020B0502040204020203" pitchFamily="34" charset="-122"/>
+                <a:ea typeface="微软雅黑 Light" panose="020B0502040204020203" pitchFamily="34" charset="-122"/>
+                <a:sym typeface="Helvetica Light"/>
+              </a:rPr>
+              <a:t>成几个小块</a:t>
+            </a:r>
+            <a:endParaRPr lang="en-US" altLang="zh-CN" b="0" dirty="0">
+              <a:solidFill>
+                <a:srgbClr val="000000"/>
+              </a:solidFill>
+              <a:latin typeface="微软雅黑 Light" panose="020B0502040204020203" pitchFamily="34" charset="-122"/>
+              <a:ea typeface="微软雅黑 Light" panose="020B0502040204020203" pitchFamily="34" charset="-122"/>
+              <a:sym typeface="Helvetica Light"/>
+            </a:endParaRPr>
+          </a:p>
+          <a:p>
+            <a:pPr marL="514350" indent="-514350">
+              <a:lnSpc>
+                <a:spcPct val="150000"/>
+              </a:lnSpc>
+              <a:spcBef>
+                <a:spcPts val="600"/>
+              </a:spcBef>
+              <a:buFont typeface="Arial" panose="020B0604020202020204" pitchFamily="34" charset="0"/>
+              <a:buChar char="•"/>
+            </a:pPr>
+            <a:r>
+              <a:rPr lang="zh-CN" altLang="en-US" b="0" dirty="0">
+                <a:solidFill>
+                  <a:srgbClr val="000000"/>
+                </a:solidFill>
+                <a:latin typeface="微软雅黑 Light" panose="020B0502040204020203" pitchFamily="34" charset="-122"/>
+                <a:ea typeface="微软雅黑 Light" panose="020B0502040204020203" pitchFamily="34" charset="-122"/>
+                <a:sym typeface="Helvetica Light"/>
+              </a:rPr>
+              <a:t>每个小块根据</a:t>
+            </a:r>
+            <a:r>
+              <a:rPr lang="en-US" altLang="zh-CN" b="0" dirty="0">
+                <a:solidFill>
+                  <a:srgbClr val="000000"/>
+                </a:solidFill>
+                <a:latin typeface="微软雅黑 Light" panose="020B0502040204020203" pitchFamily="34" charset="-122"/>
+                <a:ea typeface="微软雅黑 Light" panose="020B0502040204020203" pitchFamily="34" charset="-122"/>
+                <a:sym typeface="Helvetica Light"/>
+              </a:rPr>
+              <a:t>Light</a:t>
+            </a:r>
+            <a:r>
+              <a:rPr lang="zh-CN" altLang="en-US" b="0" dirty="0">
+                <a:solidFill>
+                  <a:srgbClr val="000000"/>
+                </a:solidFill>
+                <a:latin typeface="微软雅黑 Light" panose="020B0502040204020203" pitchFamily="34" charset="-122"/>
+                <a:ea typeface="微软雅黑 Light" panose="020B0502040204020203" pitchFamily="34" charset="-122"/>
+                <a:sym typeface="Helvetica Light"/>
+              </a:rPr>
+              <a:t>视角渲染出</a:t>
+            </a:r>
+            <a:r>
+              <a:rPr lang="en-US" altLang="zh-CN" b="0" dirty="0" err="1">
+                <a:solidFill>
+                  <a:srgbClr val="000000"/>
+                </a:solidFill>
+                <a:latin typeface="微软雅黑 Light" panose="020B0502040204020203" pitchFamily="34" charset="-122"/>
+                <a:ea typeface="微软雅黑 Light" panose="020B0502040204020203" pitchFamily="34" charset="-122"/>
+                <a:sym typeface="Helvetica Light"/>
+              </a:rPr>
+              <a:t>Shadowmap</a:t>
+            </a:r>
+            <a:endParaRPr lang="en-US" altLang="zh-CN" b="0" dirty="0">
+              <a:solidFill>
+                <a:srgbClr val="000000"/>
+              </a:solidFill>
+              <a:latin typeface="微软雅黑 Light" panose="020B0502040204020203" pitchFamily="34" charset="-122"/>
+              <a:ea typeface="微软雅黑 Light" panose="020B0502040204020203" pitchFamily="34" charset="-122"/>
+              <a:sym typeface="Helvetica Light"/>
+            </a:endParaRPr>
+          </a:p>
+          <a:p>
+            <a:pPr marL="514350" indent="-514350">
+              <a:lnSpc>
+                <a:spcPct val="150000"/>
+              </a:lnSpc>
+              <a:spcBef>
+                <a:spcPts val="600"/>
+              </a:spcBef>
+              <a:buFont typeface="Arial" panose="020B0604020202020204" pitchFamily="34" charset="0"/>
+              <a:buChar char="•"/>
+            </a:pPr>
+            <a:r>
+              <a:rPr lang="zh-CN" altLang="en-US" b="0" dirty="0">
+                <a:solidFill>
+                  <a:srgbClr val="000000"/>
+                </a:solidFill>
+                <a:latin typeface="微软雅黑 Light" panose="020B0502040204020203" pitchFamily="34" charset="-122"/>
+                <a:ea typeface="微软雅黑 Light" panose="020B0502040204020203" pitchFamily="34" charset="-122"/>
+                <a:sym typeface="Helvetica Light"/>
+              </a:rPr>
+              <a:t>控制划分时距离摄像机近的小块可使用的</a:t>
+            </a:r>
+            <a:r>
+              <a:rPr lang="en-US" altLang="zh-CN" b="0" dirty="0" err="1">
+                <a:solidFill>
+                  <a:srgbClr val="000000"/>
+                </a:solidFill>
+                <a:latin typeface="微软雅黑 Light" panose="020B0502040204020203" pitchFamily="34" charset="-122"/>
+                <a:ea typeface="微软雅黑 Light" panose="020B0502040204020203" pitchFamily="34" charset="-122"/>
+                <a:sym typeface="Helvetica Light"/>
+              </a:rPr>
+              <a:t>shadowmap</a:t>
+            </a:r>
+            <a:r>
+              <a:rPr lang="zh-CN" altLang="en-US" b="0" dirty="0">
+                <a:solidFill>
+                  <a:srgbClr val="000000"/>
+                </a:solidFill>
+                <a:latin typeface="微软雅黑 Light" panose="020B0502040204020203" pitchFamily="34" charset="-122"/>
+                <a:ea typeface="微软雅黑 Light" panose="020B0502040204020203" pitchFamily="34" charset="-122"/>
+                <a:sym typeface="Helvetica Light"/>
+              </a:rPr>
+              <a:t>精度高</a:t>
+            </a:r>
+            <a:endParaRPr lang="en-US" altLang="zh-CN" b="0" dirty="0">
+              <a:solidFill>
+                <a:srgbClr val="000000"/>
+              </a:solidFill>
+              <a:latin typeface="微软雅黑 Light" panose="020B0502040204020203" pitchFamily="34" charset="-122"/>
+              <a:ea typeface="微软雅黑 Light" panose="020B0502040204020203" pitchFamily="34" charset="-122"/>
+              <a:sym typeface="Helvetica Light"/>
+            </a:endParaRPr>
+          </a:p>
+          <a:p>
+            <a:pPr marL="514350" indent="-514350">
+              <a:lnSpc>
+                <a:spcPct val="150000"/>
+              </a:lnSpc>
+              <a:spcBef>
+                <a:spcPts val="600"/>
+              </a:spcBef>
+              <a:buFont typeface="Arial" panose="020B0604020202020204" pitchFamily="34" charset="0"/>
+              <a:buChar char="•"/>
+            </a:pPr>
+            <a:r>
+              <a:rPr lang="zh-CN" altLang="en-US" b="0" dirty="0">
+                <a:solidFill>
+                  <a:srgbClr val="000000"/>
+                </a:solidFill>
+                <a:latin typeface="微软雅黑 Light" panose="020B0502040204020203" pitchFamily="34" charset="-122"/>
+                <a:ea typeface="微软雅黑 Light" panose="020B0502040204020203" pitchFamily="34" charset="-122"/>
+                <a:sym typeface="Helvetica Light"/>
+              </a:rPr>
+              <a:t>划分的范围越大，</a:t>
+            </a:r>
+            <a:r>
+              <a:rPr lang="zh-CN" altLang="en-US" b="0" dirty="0" smtClean="0">
+                <a:solidFill>
+                  <a:srgbClr val="000000"/>
+                </a:solidFill>
+                <a:latin typeface="微软雅黑 Light" panose="020B0502040204020203" pitchFamily="34" charset="-122"/>
+                <a:ea typeface="微软雅黑 Light" panose="020B0502040204020203" pitchFamily="34" charset="-122"/>
+                <a:sym typeface="Helvetica Light"/>
+              </a:rPr>
+              <a:t>精度越低</a:t>
+            </a:r>
+            <a:endParaRPr lang="en-US" altLang="zh-CN" b="0" dirty="0">
+              <a:solidFill>
+                <a:srgbClr val="000000"/>
+              </a:solidFill>
+              <a:latin typeface="微软雅黑 Light" panose="020B0502040204020203" pitchFamily="34" charset="-122"/>
+              <a:ea typeface="微软雅黑 Light" panose="020B0502040204020203" pitchFamily="34" charset="-122"/>
+              <a:sym typeface="Helvetica Light"/>
+            </a:endParaRPr>
+          </a:p>
+          <a:p>
+            <a:pPr marL="514350" indent="-514350">
+              <a:lnSpc>
+                <a:spcPct val="150000"/>
+              </a:lnSpc>
+              <a:spcBef>
+                <a:spcPts val="600"/>
+              </a:spcBef>
+              <a:buFont typeface="Arial" panose="020B0604020202020204" pitchFamily="34" charset="0"/>
+              <a:buChar char="•"/>
+            </a:pPr>
+            <a:r>
+              <a:rPr lang="zh-CN" altLang="en-US" b="0" dirty="0">
+                <a:solidFill>
+                  <a:srgbClr val="000000"/>
+                </a:solidFill>
+                <a:latin typeface="微软雅黑 Light" panose="020B0502040204020203" pitchFamily="34" charset="-122"/>
+                <a:ea typeface="微软雅黑 Light" panose="020B0502040204020203" pitchFamily="34" charset="-122"/>
+                <a:sym typeface="Helvetica Light"/>
+              </a:rPr>
+              <a:t>保证距离摄像机近的分块精度最高</a:t>
+            </a:r>
+            <a:endParaRPr lang="en-US" altLang="zh-CN" b="0" dirty="0">
+              <a:solidFill>
+                <a:srgbClr val="000000"/>
+              </a:solidFill>
+              <a:latin typeface="微软雅黑 Light" panose="020B0502040204020203" pitchFamily="34" charset="-122"/>
+              <a:ea typeface="微软雅黑 Light" panose="020B0502040204020203" pitchFamily="34" charset="-122"/>
+              <a:sym typeface="Helvetica Light"/>
+            </a:endParaRPr>
+          </a:p>
+          <a:p>
+            <a:pPr>
+              <a:lnSpc>
+                <a:spcPct val="150000"/>
+              </a:lnSpc>
+              <a:spcBef>
+                <a:spcPts val="600"/>
+              </a:spcBef>
+            </a:pPr>
+            <a:endParaRPr lang="en-US" altLang="zh-CN" b="0" dirty="0">
+              <a:solidFill>
+                <a:srgbClr val="000000"/>
+              </a:solidFill>
+              <a:latin typeface="微软雅黑 Light" panose="020B0502040204020203" pitchFamily="34" charset="-122"/>
+              <a:ea typeface="微软雅黑 Light" panose="020B0502040204020203" pitchFamily="34" charset="-122"/>
+              <a:sym typeface="Helvetica Light"/>
+            </a:endParaRPr>
+          </a:p>
+        </p:txBody>
+      </p:sp>
+      <p:sp>
+        <p:nvSpPr>
+          <p:cNvPr id="9" name="The Picture slide"/>
+          <p:cNvSpPr txBox="1"/>
+          <p:nvPr/>
+        </p:nvSpPr>
+        <p:spPr>
+          <a:xfrm>
+            <a:off x="2756486" y="1970645"/>
+            <a:ext cx="8973592" cy="1025922"/>
+          </a:xfrm>
+          <a:prstGeom prst="rect">
+            <a:avLst/>
+          </a:prstGeom>
+          <a:ln w="12700">
+            <a:miter lim="400000"/>
+          </a:ln>
+        </p:spPr>
+        <p:txBody>
+          <a:bodyPr wrap="square" lIns="54864" tIns="50800" rIns="50800" bIns="50800" anchor="b">
+            <a:spAutoFit/>
+          </a:bodyPr>
+          <a:lstStyle>
+            <a:lvl1pPr>
+              <a:defRPr b="1">
+                <a:latin typeface="Helvetica"/>
+                <a:ea typeface="Helvetica"/>
+                <a:cs typeface="Helvetica"/>
+                <a:sym typeface="Helvetica"/>
+              </a:defRPr>
+            </a:lvl1pPr>
+          </a:lstStyle>
+          <a:p>
+            <a:pPr defTabSz="825500" hangingPunct="0"/>
+            <a:r>
+              <a:rPr lang="en-US" altLang="zh-CN" sz="6000" kern="0" cap="all" dirty="0">
+                <a:solidFill>
+                  <a:srgbClr val="000000"/>
+                </a:solidFill>
+                <a:latin typeface="微软雅黑" panose="020B0503020204020204" pitchFamily="34" charset="-122"/>
+                <a:ea typeface="微软雅黑" panose="020B0503020204020204" pitchFamily="34" charset="-122"/>
+              </a:rPr>
+              <a:t>CSM</a:t>
+            </a:r>
+            <a:endParaRPr lang="zh-CN" altLang="en-US" sz="6000" kern="0" cap="all" dirty="0">
+              <a:solidFill>
+                <a:srgbClr val="000000"/>
+              </a:solidFill>
+              <a:latin typeface="微软雅黑" panose="020B0503020204020204" pitchFamily="34" charset="-122"/>
+              <a:ea typeface="微软雅黑" panose="020B0503020204020204" pitchFamily="34" charset="-122"/>
+            </a:endParaRPr>
+          </a:p>
+        </p:txBody>
+      </p:sp>
+      <p:pic>
+        <p:nvPicPr>
+          <p:cNvPr id="12" name="Picture 5"/>
+          <p:cNvPicPr>
+            <a:picLocks noChangeAspect="1"/>
+          </p:cNvPicPr>
+          <p:nvPr/>
+        </p:nvPicPr>
+        <p:blipFill>
+          <a:blip r:embed="rId3">
+            <a:extLst>
+              <a:ext uri="{28A0092B-C50C-407E-A947-70E740481C1C}">
+                <a14:useLocalDpi xmlns:a14="http://schemas.microsoft.com/office/drawing/2010/main" val="0"/>
+              </a:ext>
+            </a:extLst>
+          </a:blip>
+          <a:stretch>
+            <a:fillRect/>
+          </a:stretch>
+        </p:blipFill>
+        <p:spPr>
+          <a:xfrm>
+            <a:off x="1516141" y="1889303"/>
+            <a:ext cx="1240345" cy="1240345"/>
+          </a:xfrm>
+          <a:prstGeom prst="rect">
+            <a:avLst/>
+          </a:prstGeom>
+        </p:spPr>
+      </p:pic>
+      <p:pic>
+        <p:nvPicPr>
+          <p:cNvPr id="11" name="图片 10">
+            <a:extLst>
+              <a:ext uri="{FF2B5EF4-FFF2-40B4-BE49-F238E27FC236}">
+                <a16:creationId xmlns="" xmlns:a16="http://schemas.microsoft.com/office/drawing/2014/main" id="{8D0C3E0F-EB9C-494A-93CD-6DA089F4D7BC}"/>
+              </a:ext>
+            </a:extLst>
+          </p:cNvPr>
+          <p:cNvPicPr>
+            <a:picLocks noChangeAspect="1"/>
+          </p:cNvPicPr>
+          <p:nvPr/>
+        </p:nvPicPr>
+        <p:blipFill>
+          <a:blip r:embed="rId4"/>
+          <a:stretch>
+            <a:fillRect/>
+          </a:stretch>
+        </p:blipFill>
+        <p:spPr>
+          <a:xfrm>
+            <a:off x="14919269" y="3555114"/>
+            <a:ext cx="8973592" cy="5303119"/>
+          </a:xfrm>
+          <a:prstGeom prst="rect">
+            <a:avLst/>
+          </a:prstGeom>
+        </p:spPr>
+      </p:pic>
+    </p:spTree>
+    <p:extLst>
+      <p:ext uri="{BB962C8B-B14F-4D97-AF65-F5344CB8AC3E}">
+        <p14:creationId xmlns:p14="http://schemas.microsoft.com/office/powerpoint/2010/main" val="305003080"/>
+      </p:ext>
+    </p:extLst>
+  </p:cSld>
+  <p:clrMapOvr>
+    <a:masterClrMapping/>
+  </p:clrMapOvr>
+  <p:transition spd="med"/>
+</p:sld>
+</file>
+
+<file path=ppt/slides/slide3.xml><?xml version="1.0" encoding="utf-8"?>
+<p:sld xmlns:a="http://schemas.openxmlformats.org/drawingml/2006/main" xmlns:r="http://schemas.openxmlformats.org/officeDocument/2006/relationships" xmlns:p="http://schemas.openxmlformats.org/presentationml/2006/main">
+  <p:cSld>
+    <p:bg>
+      <p:bgPr>
+        <a:solidFill>
+          <a:srgbClr val="292929"/>
+        </a:solidFill>
+        <a:effectLst/>
+      </p:bgPr>
+    </p:bg>
+    <p:spTree>
+      <p:nvGrpSpPr>
+        <p:cNvPr id="1" name=""/>
+        <p:cNvGrpSpPr/>
+        <p:nvPr/>
+      </p:nvGrpSpPr>
+      <p:grpSpPr>
+        <a:xfrm>
+          <a:off x="0" y="0"/>
+          <a:ext cx="0" cy="0"/>
+          <a:chOff x="0" y="0"/>
+          <a:chExt cx="0" cy="0"/>
+        </a:xfrm>
+      </p:grpSpPr>
+      <p:sp>
+        <p:nvSpPr>
+          <p:cNvPr id="44" name="You are the face that has changed my whole world. You are the face that I see everywhere I go. You are so beautiful to me that I can’t explain , Just like a green flower porcelain"/>
+          <p:cNvSpPr txBox="1"/>
+          <p:nvPr/>
+        </p:nvSpPr>
+        <p:spPr>
+          <a:xfrm>
+            <a:off x="4366159" y="7443590"/>
+            <a:ext cx="15651686" cy="1025922"/>
+          </a:xfrm>
+          <a:prstGeom prst="rect">
+            <a:avLst/>
+          </a:prstGeom>
+          <a:ln w="12700">
+            <a:miter lim="400000"/>
+          </a:ln>
+        </p:spPr>
+        <p:txBody>
+          <a:bodyPr lIns="50800" tIns="50800" rIns="50800" bIns="50800" anchor="ctr">
+            <a:spAutoFit/>
+          </a:bodyPr>
+          <a:lstStyle>
+            <a:lvl1pPr>
+              <a:defRPr sz="2400">
+                <a:solidFill>
+                  <a:srgbClr val="FFFFFF"/>
+                </a:solidFill>
+                <a:latin typeface="Helvetica"/>
+                <a:ea typeface="Helvetica"/>
+                <a:cs typeface="Helvetica"/>
+                <a:sym typeface="Helvetica"/>
+              </a:defRPr>
+            </a:lvl1pPr>
+          </a:lstStyle>
+          <a:p>
+            <a:pPr algn="ctr" defTabSz="825500" hangingPunct="0"/>
+            <a:r>
+              <a:rPr lang="zh-CN" altLang="en-US" sz="6000" dirty="0">
+                <a:latin typeface="微软雅黑 Light" panose="020B0502040204020203" pitchFamily="34" charset="-122"/>
+                <a:ea typeface="微软雅黑 Light" panose="020B0502040204020203" pitchFamily="34" charset="-122"/>
+                <a:cs typeface="宋体" panose="02010600030101010101" pitchFamily="2" charset="-122"/>
+              </a:rPr>
+              <a:t>实时阴影</a:t>
+            </a:r>
+            <a:endParaRPr lang="en-US" altLang="zh-CN" sz="6000" dirty="0">
+              <a:latin typeface="微软雅黑 Light" panose="020B0502040204020203" pitchFamily="34" charset="-122"/>
+              <a:ea typeface="微软雅黑 Light" panose="020B0502040204020203" pitchFamily="34" charset="-122"/>
+              <a:cs typeface="宋体" panose="02010600030101010101" pitchFamily="2" charset="-122"/>
+            </a:endParaRPr>
+          </a:p>
+        </p:txBody>
+      </p:sp>
+      <p:sp>
+        <p:nvSpPr>
+          <p:cNvPr id="45" name="AEVER"/>
+          <p:cNvSpPr txBox="1"/>
+          <p:nvPr/>
+        </p:nvSpPr>
+        <p:spPr>
+          <a:xfrm>
+            <a:off x="9627212" y="5638703"/>
+            <a:ext cx="5129609" cy="1333698"/>
+          </a:xfrm>
+          <a:prstGeom prst="rect">
+            <a:avLst/>
+          </a:prstGeom>
+          <a:ln w="12700">
+            <a:miter lim="400000"/>
+          </a:ln>
+        </p:spPr>
+        <p:txBody>
+          <a:bodyPr wrap="none" lIns="50800" tIns="50800" rIns="50800" bIns="50800" anchor="ctr">
+            <a:spAutoFit/>
+          </a:bodyPr>
+          <a:lstStyle>
+            <a:lvl1pPr>
+              <a:defRPr sz="12000" b="1" spc="1800">
+                <a:solidFill>
+                  <a:srgbClr val="FFFC73"/>
+                </a:solidFill>
+                <a:latin typeface="Helvetica"/>
+                <a:ea typeface="Helvetica"/>
+                <a:cs typeface="Helvetica"/>
+                <a:sym typeface="Helvetica"/>
+              </a:defRPr>
+            </a:lvl1pPr>
+          </a:lstStyle>
+          <a:p>
+            <a:pPr algn="ctr" defTabSz="825500" hangingPunct="0"/>
+            <a:r>
+              <a:rPr lang="zh-CN" altLang="en-US" sz="8000" cap="all" dirty="0">
+                <a:solidFill>
+                  <a:srgbClr val="FFD966"/>
+                </a:solidFill>
+                <a:latin typeface="微软雅黑" panose="020B0503020204020204" pitchFamily="34" charset="-122"/>
+                <a:ea typeface="微软雅黑" panose="020B0503020204020204" pitchFamily="34" charset="-122"/>
+              </a:rPr>
+              <a:t>第一部分</a:t>
+            </a:r>
+            <a:endParaRPr lang="zh-CN" sz="8000" cap="all" dirty="0">
+              <a:solidFill>
+                <a:srgbClr val="FFD966"/>
+              </a:solidFill>
+              <a:latin typeface="微软雅黑" panose="020B0503020204020204" pitchFamily="34" charset="-122"/>
+              <a:ea typeface="微软雅黑" panose="020B0503020204020204" pitchFamily="34" charset="-122"/>
+            </a:endParaRPr>
+          </a:p>
+        </p:txBody>
+      </p:sp>
+    </p:spTree>
+  </p:cSld>
+  <p:clrMapOvr>
+    <a:masterClrMapping/>
+  </p:clrMapOvr>
+  <p:transition spd="med"/>
+</p:sld>
+</file>
+
+<file path=ppt/slides/slide30.xml><?xml version="1.0" encoding="utf-8"?>
+<p:sld xmlns:a="http://schemas.openxmlformats.org/drawingml/2006/main" xmlns:r="http://schemas.openxmlformats.org/officeDocument/2006/relationships" xmlns:p="http://schemas.openxmlformats.org/presentationml/2006/main" show="0">
+  <p:cSld>
+    <p:bg>
+      <p:bgPr>
+        <a:solidFill>
+          <a:schemeClr val="bg1">
+            <a:lumMod val="95000"/>
+          </a:schemeClr>
+        </a:solidFill>
+        <a:effectLst/>
+      </p:bgPr>
+    </p:bg>
+    <p:spTree>
+      <p:nvGrpSpPr>
+        <p:cNvPr id="1" name=""/>
+        <p:cNvGrpSpPr/>
+        <p:nvPr/>
+      </p:nvGrpSpPr>
+      <p:grpSpPr>
+        <a:xfrm>
+          <a:off x="0" y="0"/>
+          <a:ext cx="0" cy="0"/>
+          <a:chOff x="0" y="0"/>
+          <a:chExt cx="0" cy="0"/>
+        </a:xfrm>
+      </p:grpSpPr>
+      <p:grpSp>
+        <p:nvGrpSpPr>
+          <p:cNvPr id="4" name="组合 3"/>
+          <p:cNvGrpSpPr/>
+          <p:nvPr/>
+        </p:nvGrpSpPr>
+        <p:grpSpPr>
+          <a:xfrm>
+            <a:off x="1323975" y="0"/>
+            <a:ext cx="13057632" cy="13716000"/>
+            <a:chOff x="10467974" y="26142"/>
+            <a:chExt cx="14478001" cy="13716000"/>
+          </a:xfrm>
+        </p:grpSpPr>
+        <p:sp>
+          <p:nvSpPr>
+            <p:cNvPr id="5" name="Rectangle"/>
+            <p:cNvSpPr/>
+            <p:nvPr/>
+          </p:nvSpPr>
+          <p:spPr>
+            <a:xfrm>
+              <a:off x="10467975" y="26142"/>
+              <a:ext cx="14478000" cy="13716000"/>
+            </a:xfrm>
+            <a:prstGeom prst="rect">
+              <a:avLst/>
+            </a:prstGeom>
+            <a:solidFill>
+              <a:schemeClr val="bg1">
+                <a:alpha val="80000"/>
+              </a:schemeClr>
+            </a:solidFill>
+            <a:ln w="12700">
+              <a:miter lim="400000"/>
+            </a:ln>
+          </p:spPr>
+          <p:txBody>
+            <a:bodyPr lIns="50800" tIns="50800" rIns="50800" bIns="50800" anchor="ctr"/>
+            <a:lstStyle/>
+            <a:p>
+              <a:pPr marL="0" marR="0" lvl="0" indent="0" algn="ctr" defTabSz="825500" rtl="0" eaLnBrk="1" fontAlgn="auto" latinLnBrk="0" hangingPunct="0">
+                <a:lnSpc>
+                  <a:spcPct val="100000"/>
+                </a:lnSpc>
+                <a:spcBef>
+                  <a:spcPts val="0"/>
+                </a:spcBef>
+                <a:spcAft>
+                  <a:spcPts val="0"/>
+                </a:spcAft>
+                <a:buClrTx/>
+                <a:buSzTx/>
+                <a:buFontTx/>
+                <a:buNone/>
+                <a:tabLst/>
+                <a:defRPr sz="3200">
+                  <a:solidFill>
+                    <a:srgbClr val="FFFFFF"/>
+                  </a:solidFill>
+                  <a:latin typeface="Helvetica"/>
+                  <a:ea typeface="Helvetica"/>
+                  <a:cs typeface="Helvetica"/>
+                  <a:sym typeface="Helvetica"/>
+                </a:defRPr>
+              </a:pPr>
+              <a:endParaRPr kumimoji="0" sz="3200" b="0" i="0" u="none" strike="noStrike" kern="0" cap="none" spc="0" normalizeH="0" baseline="0" noProof="0" dirty="0">
+                <a:ln>
+                  <a:noFill/>
+                </a:ln>
+                <a:solidFill>
+                  <a:srgbClr val="FFFFFF"/>
+                </a:solidFill>
+                <a:effectLst/>
+                <a:uLnTx/>
+                <a:uFillTx/>
+                <a:latin typeface="Helvetica"/>
+                <a:ea typeface="Helvetica"/>
+                <a:cs typeface="Helvetica"/>
+                <a:sym typeface="Helvetica"/>
+              </a:endParaRPr>
+            </a:p>
+          </p:txBody>
+        </p:sp>
+        <p:sp>
+          <p:nvSpPr>
+            <p:cNvPr id="6" name="Rectangle"/>
+            <p:cNvSpPr/>
+            <p:nvPr/>
+          </p:nvSpPr>
+          <p:spPr>
+            <a:xfrm>
+              <a:off x="10467974" y="3245592"/>
+              <a:ext cx="8458201" cy="76200"/>
+            </a:xfrm>
+            <a:prstGeom prst="rect">
+              <a:avLst/>
+            </a:prstGeom>
+            <a:solidFill>
+              <a:srgbClr val="FFD966"/>
+            </a:solidFill>
+            <a:ln w="12700">
+              <a:miter lim="400000"/>
+            </a:ln>
+          </p:spPr>
+          <p:txBody>
+            <a:bodyPr lIns="50800" tIns="50800" rIns="50800" bIns="50800" anchor="ctr"/>
+            <a:lstStyle/>
+            <a:p>
+              <a:pPr marL="0" marR="0" lvl="0" indent="0" algn="l" defTabSz="1828800" rtl="0" eaLnBrk="1" fontAlgn="auto" latinLnBrk="0" hangingPunct="1">
+                <a:lnSpc>
+                  <a:spcPct val="100000"/>
+                </a:lnSpc>
+                <a:spcBef>
+                  <a:spcPts val="0"/>
+                </a:spcBef>
+                <a:spcAft>
+                  <a:spcPts val="0"/>
+                </a:spcAft>
+                <a:buClrTx/>
+                <a:buSzTx/>
+                <a:buFontTx/>
+                <a:buNone/>
+                <a:tabLst/>
+                <a:defRPr sz="3200">
+                  <a:solidFill>
+                    <a:srgbClr val="FFFFFF"/>
+                  </a:solidFill>
+                  <a:latin typeface="Helvetica"/>
+                  <a:ea typeface="Helvetica"/>
+                  <a:cs typeface="Helvetica"/>
+                  <a:sym typeface="Helvetica"/>
+                </a:defRPr>
+              </a:pPr>
+              <a:endParaRPr kumimoji="0" sz="3200" b="0" i="0" u="none" strike="noStrike" kern="1200" cap="none" spc="0" normalizeH="0" baseline="0" noProof="0">
+                <a:ln>
+                  <a:noFill/>
+                </a:ln>
+                <a:solidFill>
+                  <a:srgbClr val="FFFFFF"/>
+                </a:solidFill>
+                <a:effectLst/>
+                <a:uLnTx/>
+                <a:uFillTx/>
+                <a:latin typeface="方正姚体" panose="02010601030101010101" pitchFamily="2" charset="-122"/>
+                <a:ea typeface="方正姚体" panose="02010601030101010101" pitchFamily="2" charset="-122"/>
+                <a:cs typeface="Helvetica"/>
+                <a:sym typeface="Helvetica"/>
+              </a:endParaRPr>
+            </a:p>
+          </p:txBody>
+        </p:sp>
+      </p:grpSp>
+      <p:sp>
+        <p:nvSpPr>
+          <p:cNvPr id="8" name="The Picture slide"/>
+          <p:cNvSpPr txBox="1"/>
+          <p:nvPr/>
+        </p:nvSpPr>
+        <p:spPr>
+          <a:xfrm>
+            <a:off x="2426714" y="3954550"/>
+            <a:ext cx="9721744" cy="3563155"/>
+          </a:xfrm>
+          <a:prstGeom prst="rect">
+            <a:avLst/>
+          </a:prstGeom>
+          <a:ln w="12700">
+            <a:miter lim="400000"/>
+          </a:ln>
+        </p:spPr>
+        <p:txBody>
+          <a:bodyPr wrap="square" lIns="50800" tIns="50800" rIns="50800" bIns="50800" anchor="t">
+            <a:spAutoFit/>
+          </a:bodyPr>
+          <a:lstStyle>
+            <a:lvl1pPr>
+              <a:defRPr b="1">
+                <a:latin typeface="Helvetica"/>
+                <a:ea typeface="Helvetica"/>
+                <a:cs typeface="Helvetica"/>
+                <a:sym typeface="Helvetica"/>
+              </a:defRPr>
+            </a:lvl1pPr>
+          </a:lstStyle>
+          <a:p>
+            <a:pPr marL="514350" marR="0" lvl="0" indent="-514350" algn="l" defTabSz="1828800" rtl="0" eaLnBrk="1" fontAlgn="auto" latinLnBrk="0" hangingPunct="1">
+              <a:lnSpc>
+                <a:spcPct val="150000"/>
+              </a:lnSpc>
+              <a:spcBef>
+                <a:spcPts val="600"/>
+              </a:spcBef>
+              <a:spcAft>
+                <a:spcPts val="0"/>
+              </a:spcAft>
+              <a:buClrTx/>
+              <a:buSzTx/>
+              <a:buFont typeface="Arial" panose="020B0604020202020204" pitchFamily="34" charset="0"/>
+              <a:buChar char="•"/>
+              <a:tabLst/>
+              <a:defRPr/>
+            </a:pPr>
+            <a:r>
+              <a:rPr lang="en-US" altLang="zh-CN" b="0" dirty="0">
+                <a:solidFill>
+                  <a:srgbClr val="000000"/>
+                </a:solidFill>
+                <a:latin typeface="微软雅黑 Light" panose="020B0502040204020203" pitchFamily="34" charset="-122"/>
+                <a:ea typeface="微软雅黑 Light" panose="020B0502040204020203" pitchFamily="34" charset="-122"/>
+                <a:sym typeface="Helvetica Light"/>
+              </a:rPr>
+              <a:t>Z-partitioning</a:t>
+            </a:r>
+          </a:p>
+          <a:p>
+            <a:pPr marL="514350" marR="0" lvl="0" indent="-514350" algn="l" defTabSz="1828800" rtl="0" eaLnBrk="1" fontAlgn="auto" latinLnBrk="0" hangingPunct="1">
+              <a:lnSpc>
+                <a:spcPct val="150000"/>
+              </a:lnSpc>
+              <a:spcBef>
+                <a:spcPts val="600"/>
+              </a:spcBef>
+              <a:spcAft>
+                <a:spcPts val="0"/>
+              </a:spcAft>
+              <a:buClrTx/>
+              <a:buSzTx/>
+              <a:buFont typeface="Arial" panose="020B0604020202020204" pitchFamily="34" charset="0"/>
+              <a:buChar char="•"/>
+              <a:tabLst/>
+              <a:defRPr/>
+            </a:pPr>
+            <a:r>
+              <a:rPr lang="en-US" altLang="zh-CN" b="0" dirty="0">
+                <a:solidFill>
+                  <a:srgbClr val="000000"/>
+                </a:solidFill>
+                <a:latin typeface="微软雅黑 Light" panose="020B0502040204020203" pitchFamily="34" charset="-122"/>
+                <a:ea typeface="微软雅黑 Light" panose="020B0502040204020203" pitchFamily="34" charset="-122"/>
+                <a:sym typeface="Helvetica Light"/>
+              </a:rPr>
+              <a:t>Logarithmic</a:t>
+            </a:r>
+            <a:r>
+              <a:rPr lang="zh-CN" altLang="en-US" b="0" dirty="0">
+                <a:solidFill>
+                  <a:srgbClr val="000000"/>
+                </a:solidFill>
+                <a:latin typeface="微软雅黑 Light" panose="020B0502040204020203" pitchFamily="34" charset="-122"/>
+                <a:ea typeface="微软雅黑 Light" panose="020B0502040204020203" pitchFamily="34" charset="-122"/>
+                <a:sym typeface="Helvetica Light"/>
+              </a:rPr>
+              <a:t> </a:t>
+            </a:r>
+            <a:r>
+              <a:rPr lang="en-US" altLang="zh-CN" b="0" dirty="0">
+                <a:solidFill>
+                  <a:srgbClr val="000000"/>
+                </a:solidFill>
+                <a:latin typeface="微软雅黑 Light" panose="020B0502040204020203" pitchFamily="34" charset="-122"/>
+                <a:ea typeface="微软雅黑 Light" panose="020B0502040204020203" pitchFamily="34" charset="-122"/>
+                <a:sym typeface="Helvetica Light"/>
+              </a:rPr>
+              <a:t>partitioning</a:t>
+            </a:r>
+          </a:p>
+          <a:p>
+            <a:pPr marL="514350" marR="0" lvl="0" indent="-514350" algn="l" defTabSz="1828800" rtl="0" eaLnBrk="1" fontAlgn="auto" latinLnBrk="0" hangingPunct="1">
+              <a:lnSpc>
+                <a:spcPct val="150000"/>
+              </a:lnSpc>
+              <a:spcBef>
+                <a:spcPts val="600"/>
+              </a:spcBef>
+              <a:spcAft>
+                <a:spcPts val="0"/>
+              </a:spcAft>
+              <a:buClrTx/>
+              <a:buSzTx/>
+              <a:buFont typeface="Arial" panose="020B0604020202020204" pitchFamily="34" charset="0"/>
+              <a:buChar char="•"/>
+              <a:tabLst/>
+              <a:defRPr/>
+            </a:pPr>
+            <a:r>
+              <a:rPr lang="zh-CN" altLang="en-US" b="0" dirty="0">
+                <a:solidFill>
+                  <a:srgbClr val="000000"/>
+                </a:solidFill>
+                <a:latin typeface="微软雅黑 Light" panose="020B0502040204020203" pitchFamily="34" charset="-122"/>
+                <a:ea typeface="微软雅黑 Light" panose="020B0502040204020203" pitchFamily="34" charset="-122"/>
+                <a:sym typeface="Helvetica Light"/>
+              </a:rPr>
+              <a:t>比如</a:t>
+            </a:r>
+            <a:r>
+              <a:rPr lang="en-US" altLang="zh-CN" b="0" dirty="0">
+                <a:solidFill>
+                  <a:srgbClr val="000000"/>
+                </a:solidFill>
+                <a:latin typeface="微软雅黑 Light" panose="020B0502040204020203" pitchFamily="34" charset="-122"/>
+                <a:ea typeface="微软雅黑 Light" panose="020B0502040204020203" pitchFamily="34" charset="-122"/>
+                <a:sym typeface="Helvetica Light"/>
+              </a:rPr>
+              <a:t>:near 1, Far 1000, </a:t>
+            </a:r>
+            <a:r>
+              <a:rPr lang="zh-CN" altLang="en-US" b="0" dirty="0">
+                <a:solidFill>
+                  <a:srgbClr val="000000"/>
+                </a:solidFill>
+                <a:latin typeface="微软雅黑 Light" panose="020B0502040204020203" pitchFamily="34" charset="-122"/>
+                <a:ea typeface="微软雅黑 Light" panose="020B0502040204020203" pitchFamily="34" charset="-122"/>
+                <a:sym typeface="Helvetica Light"/>
+              </a:rPr>
+              <a:t>分三级 </a:t>
+            </a:r>
+            <a:r>
+              <a:rPr lang="en-US" altLang="zh-CN" b="0" dirty="0">
+                <a:solidFill>
+                  <a:srgbClr val="000000"/>
+                </a:solidFill>
+                <a:latin typeface="微软雅黑 Light" panose="020B0502040204020203" pitchFamily="34" charset="-122"/>
+                <a:ea typeface="微软雅黑 Light" panose="020B0502040204020203" pitchFamily="34" charset="-122"/>
+                <a:sym typeface="Helvetica Light"/>
+              </a:rPr>
+              <a:t>r = 10</a:t>
+            </a:r>
+            <a:endParaRPr kumimoji="0" lang="en-US" altLang="zh-CN" b="0" i="0" u="none" strike="noStrike" kern="1200" cap="none" spc="0" normalizeH="0" baseline="0" noProof="0" dirty="0">
+              <a:ln>
+                <a:noFill/>
+              </a:ln>
+              <a:solidFill>
+                <a:srgbClr val="000000"/>
+              </a:solidFill>
+              <a:effectLst/>
+              <a:uLnTx/>
+              <a:uFillTx/>
+              <a:latin typeface="微软雅黑 Light" panose="020B0502040204020203" pitchFamily="34" charset="-122"/>
+              <a:ea typeface="微软雅黑 Light" panose="020B0502040204020203" pitchFamily="34" charset="-122"/>
+              <a:sym typeface="Helvetica Light"/>
+            </a:endParaRPr>
+          </a:p>
+          <a:p>
+            <a:pPr marL="514350" marR="0" lvl="0" indent="-514350" algn="l" defTabSz="1828800" rtl="0" eaLnBrk="1" fontAlgn="auto" latinLnBrk="0" hangingPunct="1">
+              <a:lnSpc>
+                <a:spcPct val="150000"/>
+              </a:lnSpc>
+              <a:spcBef>
+                <a:spcPts val="600"/>
+              </a:spcBef>
+              <a:spcAft>
+                <a:spcPts val="0"/>
+              </a:spcAft>
+              <a:buClrTx/>
+              <a:buSzTx/>
+              <a:buFont typeface="Arial" panose="020B0604020202020204" pitchFamily="34" charset="0"/>
+              <a:buChar char="•"/>
+              <a:tabLst/>
+              <a:defRPr/>
+            </a:pPr>
+            <a:r>
+              <a:rPr lang="en-US" altLang="zh-CN" b="0" dirty="0">
+                <a:solidFill>
+                  <a:srgbClr val="000000"/>
+                </a:solidFill>
+                <a:latin typeface="微软雅黑 Light" panose="020B0502040204020203" pitchFamily="34" charset="-122"/>
+                <a:ea typeface="微软雅黑 Light" panose="020B0502040204020203" pitchFamily="34" charset="-122"/>
+                <a:sym typeface="Helvetica Light"/>
+              </a:rPr>
+              <a:t>1~10</a:t>
+            </a:r>
+            <a:r>
+              <a:rPr lang="zh-CN" altLang="en-US" b="0" dirty="0">
+                <a:solidFill>
+                  <a:srgbClr val="000000"/>
+                </a:solidFill>
+                <a:latin typeface="微软雅黑 Light" panose="020B0502040204020203" pitchFamily="34" charset="-122"/>
+                <a:ea typeface="微软雅黑 Light" panose="020B0502040204020203" pitchFamily="34" charset="-122"/>
+                <a:sym typeface="Helvetica Light"/>
+              </a:rPr>
+              <a:t>， </a:t>
+            </a:r>
+            <a:r>
+              <a:rPr lang="en-US" altLang="zh-CN" b="0" dirty="0">
+                <a:solidFill>
+                  <a:srgbClr val="000000"/>
+                </a:solidFill>
+                <a:latin typeface="微软雅黑 Light" panose="020B0502040204020203" pitchFamily="34" charset="-122"/>
+                <a:ea typeface="微软雅黑 Light" panose="020B0502040204020203" pitchFamily="34" charset="-122"/>
+                <a:sym typeface="Helvetica Light"/>
+              </a:rPr>
+              <a:t>10~100</a:t>
+            </a:r>
+            <a:r>
+              <a:rPr lang="zh-CN" altLang="en-US" b="0" dirty="0">
+                <a:solidFill>
+                  <a:srgbClr val="000000"/>
+                </a:solidFill>
+                <a:latin typeface="微软雅黑 Light" panose="020B0502040204020203" pitchFamily="34" charset="-122"/>
+                <a:ea typeface="微软雅黑 Light" panose="020B0502040204020203" pitchFamily="34" charset="-122"/>
+                <a:sym typeface="Helvetica Light"/>
+              </a:rPr>
+              <a:t>， </a:t>
+            </a:r>
+            <a:r>
+              <a:rPr lang="en-US" altLang="zh-CN" b="0" dirty="0">
+                <a:solidFill>
+                  <a:srgbClr val="000000"/>
+                </a:solidFill>
+                <a:latin typeface="微软雅黑 Light" panose="020B0502040204020203" pitchFamily="34" charset="-122"/>
+                <a:ea typeface="微软雅黑 Light" panose="020B0502040204020203" pitchFamily="34" charset="-122"/>
+                <a:sym typeface="Helvetica Light"/>
+              </a:rPr>
+              <a:t>100~1000</a:t>
+            </a:r>
+            <a:endParaRPr kumimoji="0" lang="en-US" altLang="zh-CN" b="0" i="0" u="none" strike="noStrike" kern="1200" cap="none" spc="0" normalizeH="0" baseline="0" noProof="0" dirty="0">
+              <a:ln>
+                <a:noFill/>
+              </a:ln>
+              <a:solidFill>
+                <a:srgbClr val="000000"/>
+              </a:solidFill>
+              <a:effectLst/>
+              <a:uLnTx/>
+              <a:uFillTx/>
+              <a:latin typeface="微软雅黑 Light" panose="020B0502040204020203" pitchFamily="34" charset="-122"/>
+              <a:ea typeface="微软雅黑 Light" panose="020B0502040204020203" pitchFamily="34" charset="-122"/>
+              <a:sym typeface="Helvetica Light"/>
+            </a:endParaRPr>
+          </a:p>
+        </p:txBody>
+      </p:sp>
+      <p:sp>
+        <p:nvSpPr>
+          <p:cNvPr id="9" name="The Picture slide"/>
+          <p:cNvSpPr txBox="1"/>
+          <p:nvPr/>
+        </p:nvSpPr>
+        <p:spPr>
+          <a:xfrm>
+            <a:off x="2756486" y="1970645"/>
+            <a:ext cx="8973592" cy="1025922"/>
+          </a:xfrm>
+          <a:prstGeom prst="rect">
+            <a:avLst/>
+          </a:prstGeom>
+          <a:ln w="12700">
+            <a:miter lim="400000"/>
+          </a:ln>
+        </p:spPr>
+        <p:txBody>
+          <a:bodyPr wrap="square" lIns="54864" tIns="50800" rIns="50800" bIns="50800" anchor="b">
+            <a:spAutoFit/>
+          </a:bodyPr>
+          <a:lstStyle>
+            <a:lvl1pPr>
+              <a:defRPr b="1">
+                <a:latin typeface="Helvetica"/>
+                <a:ea typeface="Helvetica"/>
+                <a:cs typeface="Helvetica"/>
+                <a:sym typeface="Helvetica"/>
+              </a:defRPr>
+            </a:lvl1pPr>
+          </a:lstStyle>
+          <a:p>
+            <a:pPr marL="0" marR="0" lvl="0" indent="0" algn="l" defTabSz="825500" rtl="0" eaLnBrk="1" fontAlgn="auto" latinLnBrk="0" hangingPunct="0">
+              <a:lnSpc>
+                <a:spcPct val="100000"/>
+              </a:lnSpc>
+              <a:spcBef>
+                <a:spcPts val="0"/>
+              </a:spcBef>
+              <a:spcAft>
+                <a:spcPts val="0"/>
+              </a:spcAft>
+              <a:buClrTx/>
+              <a:buSzTx/>
+              <a:buFontTx/>
+              <a:buNone/>
+              <a:tabLst/>
+              <a:defRPr/>
+            </a:pPr>
+            <a:r>
+              <a:rPr kumimoji="0" lang="en-US" altLang="zh-CN" sz="6000" b="1" i="0" u="none" strike="noStrike" kern="0" cap="all" spc="0" normalizeH="0" baseline="0" noProof="0" dirty="0">
+                <a:ln>
+                  <a:noFill/>
+                </a:ln>
+                <a:solidFill>
+                  <a:srgbClr val="000000"/>
+                </a:solidFill>
+                <a:effectLst/>
+                <a:uLnTx/>
+                <a:uFillTx/>
+                <a:latin typeface="微软雅黑" panose="020B0503020204020204" pitchFamily="34" charset="-122"/>
+                <a:ea typeface="微软雅黑" panose="020B0503020204020204" pitchFamily="34" charset="-122"/>
+                <a:sym typeface="Helvetica"/>
+              </a:rPr>
+              <a:t>CSM</a:t>
+            </a:r>
+            <a:endParaRPr kumimoji="0" lang="zh-CN" altLang="en-US" sz="6000" b="1" i="0" u="none" strike="noStrike" kern="0" cap="all" spc="0" normalizeH="0" baseline="0" noProof="0" dirty="0">
+              <a:ln>
+                <a:noFill/>
+              </a:ln>
+              <a:solidFill>
+                <a:srgbClr val="000000"/>
+              </a:solidFill>
+              <a:effectLst/>
+              <a:uLnTx/>
+              <a:uFillTx/>
+              <a:latin typeface="微软雅黑" panose="020B0503020204020204" pitchFamily="34" charset="-122"/>
+              <a:ea typeface="微软雅黑" panose="020B0503020204020204" pitchFamily="34" charset="-122"/>
+              <a:sym typeface="Helvetica"/>
+            </a:endParaRPr>
+          </a:p>
+        </p:txBody>
+      </p:sp>
+      <p:pic>
+        <p:nvPicPr>
+          <p:cNvPr id="12" name="Picture 5"/>
+          <p:cNvPicPr>
+            <a:picLocks noChangeAspect="1"/>
+          </p:cNvPicPr>
+          <p:nvPr/>
+        </p:nvPicPr>
+        <p:blipFill>
+          <a:blip r:embed="rId3">
+            <a:extLst>
+              <a:ext uri="{28A0092B-C50C-407E-A947-70E740481C1C}">
+                <a14:useLocalDpi xmlns:a14="http://schemas.microsoft.com/office/drawing/2010/main" val="0"/>
+              </a:ext>
+            </a:extLst>
+          </a:blip>
+          <a:stretch>
+            <a:fillRect/>
+          </a:stretch>
+        </p:blipFill>
+        <p:spPr>
+          <a:xfrm>
+            <a:off x="1516141" y="1889303"/>
+            <a:ext cx="1240345" cy="1240345"/>
+          </a:xfrm>
+          <a:prstGeom prst="rect">
+            <a:avLst/>
+          </a:prstGeom>
+        </p:spPr>
+      </p:pic>
+      <p:pic>
+        <p:nvPicPr>
+          <p:cNvPr id="10" name="图片 9">
+            <a:extLst>
+              <a:ext uri="{FF2B5EF4-FFF2-40B4-BE49-F238E27FC236}">
+                <a16:creationId xmlns="" xmlns:a16="http://schemas.microsoft.com/office/drawing/2014/main" id="{D603DB99-9AB4-4B78-91A3-AD3E43D2F56C}"/>
+              </a:ext>
+            </a:extLst>
+          </p:cNvPr>
+          <p:cNvPicPr>
+            <a:picLocks noChangeAspect="1"/>
+          </p:cNvPicPr>
+          <p:nvPr/>
+        </p:nvPicPr>
+        <p:blipFill>
+          <a:blip r:embed="rId4"/>
+          <a:stretch>
+            <a:fillRect/>
+          </a:stretch>
+        </p:blipFill>
+        <p:spPr>
+          <a:xfrm>
+            <a:off x="10394859" y="5514372"/>
+            <a:ext cx="2243455" cy="1162685"/>
+          </a:xfrm>
+          <a:prstGeom prst="rect">
+            <a:avLst/>
+          </a:prstGeom>
+        </p:spPr>
+      </p:pic>
+    </p:spTree>
+    <p:extLst>
+      <p:ext uri="{BB962C8B-B14F-4D97-AF65-F5344CB8AC3E}">
+        <p14:creationId xmlns:p14="http://schemas.microsoft.com/office/powerpoint/2010/main" val="3456777265"/>
+      </p:ext>
+    </p:extLst>
+  </p:cSld>
+  <p:clrMapOvr>
+    <a:masterClrMapping/>
+  </p:clrMapOvr>
+  <p:transition spd="med"/>
+</p:sld>
+</file>
+
+<file path=ppt/slides/slide4.xml><?xml version="1.0" encoding="utf-8"?>
+<p:sld xmlns:a="http://schemas.openxmlformats.org/drawingml/2006/main" xmlns:r="http://schemas.openxmlformats.org/officeDocument/2006/relationships" xmlns:p="http://schemas.openxmlformats.org/presentationml/2006/main">
+  <p:cSld>
+    <p:bg>
+      <p:bgPr>
+        <a:solidFill>
+          <a:schemeClr val="bg1">
+            <a:lumMod val="95000"/>
+          </a:schemeClr>
+        </a:solidFill>
+        <a:effectLst/>
+      </p:bgPr>
+    </p:bg>
+    <p:spTree>
+      <p:nvGrpSpPr>
+        <p:cNvPr id="1" name=""/>
+        <p:cNvGrpSpPr/>
+        <p:nvPr/>
+      </p:nvGrpSpPr>
+      <p:grpSpPr>
+        <a:xfrm>
+          <a:off x="0" y="0"/>
+          <a:ext cx="0" cy="0"/>
+          <a:chOff x="0" y="0"/>
+          <a:chExt cx="0" cy="0"/>
+        </a:xfrm>
+      </p:grpSpPr>
+      <p:grpSp>
+        <p:nvGrpSpPr>
+          <p:cNvPr id="4" name="组合 3"/>
+          <p:cNvGrpSpPr/>
+          <p:nvPr/>
+        </p:nvGrpSpPr>
+        <p:grpSpPr>
+          <a:xfrm>
+            <a:off x="1323975" y="0"/>
+            <a:ext cx="10824483" cy="13716000"/>
+            <a:chOff x="10467974" y="26142"/>
+            <a:chExt cx="14478001" cy="13716000"/>
+          </a:xfrm>
+        </p:grpSpPr>
+        <p:sp>
+          <p:nvSpPr>
+            <p:cNvPr id="5" name="Rectangle"/>
+            <p:cNvSpPr/>
+            <p:nvPr/>
+          </p:nvSpPr>
+          <p:spPr>
+            <a:xfrm>
+              <a:off x="10467975" y="26142"/>
+              <a:ext cx="14478000" cy="13716000"/>
+            </a:xfrm>
+            <a:prstGeom prst="rect">
+              <a:avLst/>
+            </a:prstGeom>
+            <a:solidFill>
+              <a:schemeClr val="bg1">
+                <a:alpha val="80000"/>
+              </a:schemeClr>
+            </a:solidFill>
+            <a:ln w="12700">
+              <a:miter lim="400000"/>
+            </a:ln>
+          </p:spPr>
+          <p:txBody>
+            <a:bodyPr lIns="50800" tIns="50800" rIns="50800" bIns="50800" anchor="ctr"/>
+            <a:lstStyle/>
+            <a:p>
+              <a:pPr algn="ctr" defTabSz="825500" hangingPunct="0">
+                <a:defRPr sz="3200">
+                  <a:solidFill>
+                    <a:srgbClr val="FFFFFF"/>
+                  </a:solidFill>
+                  <a:latin typeface="Helvetica"/>
+                  <a:ea typeface="Helvetica"/>
+                  <a:cs typeface="Helvetica"/>
+                  <a:sym typeface="Helvetica"/>
+                </a:defRPr>
+              </a:pPr>
+              <a:endParaRPr sz="3200" kern="0" dirty="0">
+                <a:solidFill>
+                  <a:srgbClr val="FFFFFF"/>
+                </a:solidFill>
+                <a:ea typeface="Helvetica"/>
+                <a:cs typeface="Helvetica"/>
+                <a:sym typeface="Helvetica"/>
+              </a:endParaRPr>
+            </a:p>
+          </p:txBody>
+        </p:sp>
+        <p:sp>
+          <p:nvSpPr>
+            <p:cNvPr id="6" name="Rectangle"/>
+            <p:cNvSpPr/>
+            <p:nvPr/>
+          </p:nvSpPr>
+          <p:spPr>
+            <a:xfrm>
+              <a:off x="10467974" y="3245592"/>
+              <a:ext cx="8458201" cy="76200"/>
+            </a:xfrm>
+            <a:prstGeom prst="rect">
+              <a:avLst/>
+            </a:prstGeom>
+            <a:solidFill>
+              <a:srgbClr val="FFD966"/>
+            </a:solidFill>
+            <a:ln w="12700">
+              <a:miter lim="400000"/>
+            </a:ln>
+          </p:spPr>
+          <p:txBody>
+            <a:bodyPr lIns="50800" tIns="50800" rIns="50800" bIns="50800" anchor="ctr"/>
+            <a:lstStyle/>
+            <a:p>
+              <a:pPr>
+                <a:defRPr sz="3200">
+                  <a:solidFill>
+                    <a:srgbClr val="FFFFFF"/>
+                  </a:solidFill>
+                  <a:latin typeface="Helvetica"/>
+                  <a:ea typeface="Helvetica"/>
+                  <a:cs typeface="Helvetica"/>
+                  <a:sym typeface="Helvetica"/>
+                </a:defRPr>
+              </a:pPr>
+              <a:endParaRPr sz="3200">
+                <a:solidFill>
+                  <a:srgbClr val="FFFFFF"/>
+                </a:solidFill>
+                <a:latin typeface="方正姚体" panose="02010601030101010101" pitchFamily="2" charset="-122"/>
+                <a:ea typeface="方正姚体" panose="02010601030101010101" pitchFamily="2" charset="-122"/>
+                <a:cs typeface="Helvetica"/>
+                <a:sym typeface="Helvetica"/>
+              </a:endParaRPr>
+            </a:p>
+          </p:txBody>
+        </p:sp>
+      </p:grpSp>
+      <p:sp>
+        <p:nvSpPr>
+          <p:cNvPr id="8" name="The Picture slide"/>
+          <p:cNvSpPr txBox="1"/>
+          <p:nvPr/>
+        </p:nvSpPr>
+        <p:spPr>
+          <a:xfrm>
+            <a:off x="2426714" y="3954550"/>
             <a:ext cx="9721744" cy="9028113"/>
           </a:xfrm>
           <a:prstGeom prst="rect">
@@ -19462,10 +19487,10 @@
                 <a:ea typeface="微软雅黑 Light" panose="020B0502040204020203" pitchFamily="34" charset="-122"/>
                 <a:sym typeface="Helvetica Light"/>
               </a:rPr>
-              <a:t>Planar Shadow:</a:t>
-            </a:r>
-            <a:r>
-              <a:rPr lang="zh-CN" altLang="en-US" dirty="0">
+              <a:t>Planar </a:t>
+            </a:r>
+            <a:r>
+              <a:rPr lang="en-US" altLang="zh-CN" dirty="0" smtClean="0">
                 <a:solidFill>
                   <a:srgbClr val="000000"/>
                 </a:solidFill>
@@ -19473,7 +19498,51 @@
                 <a:ea typeface="微软雅黑 Light" panose="020B0502040204020203" pitchFamily="34" charset="-122"/>
                 <a:sym typeface="Helvetica Light"/>
               </a:rPr>
-              <a:t>磕能为某些地段设备优化使用</a:t>
+              <a:t>Shadow: </a:t>
+            </a:r>
+            <a:r>
+              <a:rPr lang="zh-CN" altLang="en-US" dirty="0" smtClean="0">
+                <a:solidFill>
+                  <a:srgbClr val="000000"/>
+                </a:solidFill>
+                <a:latin typeface="微软雅黑 Light" panose="020B0502040204020203" pitchFamily="34" charset="-122"/>
+                <a:ea typeface="微软雅黑 Light" panose="020B0502040204020203" pitchFamily="34" charset="-122"/>
+                <a:sym typeface="Helvetica Light"/>
+              </a:rPr>
+              <a:t>可能为某些</a:t>
+            </a:r>
+            <a:r>
+              <a:rPr lang="zh-CN" altLang="en-US" dirty="0">
+                <a:solidFill>
+                  <a:srgbClr val="000000"/>
+                </a:solidFill>
+                <a:latin typeface="微软雅黑 Light" panose="020B0502040204020203" pitchFamily="34" charset="-122"/>
+                <a:ea typeface="微软雅黑 Light" panose="020B0502040204020203" pitchFamily="34" charset="-122"/>
+                <a:sym typeface="Helvetica Light"/>
+              </a:rPr>
+              <a:t>低端</a:t>
+            </a:r>
+            <a:r>
+              <a:rPr lang="zh-CN" altLang="en-US" dirty="0" smtClean="0">
+                <a:solidFill>
+                  <a:srgbClr val="000000"/>
+                </a:solidFill>
+                <a:latin typeface="微软雅黑 Light" panose="020B0502040204020203" pitchFamily="34" charset="-122"/>
+                <a:ea typeface="微软雅黑 Light" panose="020B0502040204020203" pitchFamily="34" charset="-122"/>
+                <a:sym typeface="Helvetica Light"/>
+              </a:rPr>
+              <a:t>设备</a:t>
+            </a:r>
+            <a:r>
+              <a:rPr lang="zh-CN" altLang="en-US" dirty="0">
+                <a:solidFill>
+                  <a:srgbClr val="000000"/>
+                </a:solidFill>
+                <a:latin typeface="微软雅黑 Light" panose="020B0502040204020203" pitchFamily="34" charset="-122"/>
+                <a:ea typeface="微软雅黑 Light" panose="020B0502040204020203" pitchFamily="34" charset="-122"/>
+                <a:sym typeface="Helvetica Light"/>
+              </a:rPr>
+              <a:t>优化使用</a:t>
             </a:r>
             <a:endParaRPr lang="en-US" altLang="zh-CN" dirty="0">
               <a:solidFill>
@@ -19546,10 +19615,21 @@
                 <a:ea typeface="微软雅黑 Light" panose="020B0502040204020203" pitchFamily="34" charset="-122"/>
                 <a:sym typeface="Helvetica Light"/>
               </a:rPr>
-              <a:t>Shadow Map:</a:t>
-            </a:r>
-            <a:r>
-              <a:rPr lang="zh-CN" altLang="en-US" dirty="0">
+              <a:t>Shadow Map</a:t>
+            </a:r>
+            <a:r>
+              <a:rPr lang="en-US" altLang="zh-CN" dirty="0" smtClean="0">
+                <a:solidFill>
+                  <a:srgbClr val="000000"/>
+                </a:solidFill>
+                <a:latin typeface="微软雅黑 Light" panose="020B0502040204020203" pitchFamily="34" charset="-122"/>
+                <a:ea typeface="微软雅黑 Light" panose="020B0502040204020203" pitchFamily="34" charset="-122"/>
+                <a:sym typeface="Helvetica Light"/>
+              </a:rPr>
+              <a:t>: </a:t>
+            </a:r>
+            <a:r>
+              <a:rPr lang="zh-CN" altLang="en-US" dirty="0" smtClean="0">
                 <a:solidFill>
                   <a:srgbClr val="000000"/>
                 </a:solidFill>
@@ -19704,6 +19784,36 @@
           <a:xfrm>
             <a:off x="1516141" y="1889303"/>
             <a:ext cx="1240345" cy="1240345"/>
+          </a:xfrm>
+          <a:prstGeom prst="rect">
+            <a:avLst/>
+          </a:prstGeom>
+        </p:spPr>
+      </p:pic>
+      <p:pic>
+        <p:nvPicPr>
+          <p:cNvPr id="2" name="图片 1"/>
+          <p:cNvPicPr>
+            <a:picLocks noChangeAspect="1"/>
+          </p:cNvPicPr>
+          <p:nvPr/>
+        </p:nvPicPr>
+        <p:blipFill>
+          <a:blip r:embed="rId4">
+            <a:extLst>
+              <a:ext uri="{28A0092B-C50C-407E-A947-70E740481C1C}">
+                <a14:useLocalDpi xmlns:a14="http://schemas.microsoft.com/office/drawing/2010/main" val="0"/>
+              </a:ext>
+            </a:extLst>
+          </a:blip>
+          <a:stretch>
+            <a:fillRect/>
+          </a:stretch>
+        </p:blipFill>
+        <p:spPr>
+          <a:xfrm>
+            <a:off x="12148458" y="3715616"/>
+            <a:ext cx="12062172" cy="6284768"/>
           </a:xfrm>
           <a:prstGeom prst="rect">
             <a:avLst/>
@@ -20089,7 +20199,7 @@
           <p:cNvPr id="10" name="图片 9">
             <a:extLst>
               <a:ext uri="{FF2B5EF4-FFF2-40B4-BE49-F238E27FC236}">
-                <a16:creationId xmlns:a16="http://schemas.microsoft.com/office/drawing/2014/main" xmlns="" id="{3A7E8EF7-0025-42B2-B4AF-59985B869DD1}"/>
+                <a16:creationId xmlns="" xmlns:a16="http://schemas.microsoft.com/office/drawing/2014/main" id="{3A7E8EF7-0025-42B2-B4AF-59985B869DD1}"/>
               </a:ext>
             </a:extLst>
           </p:cNvPr>
@@ -20119,7 +20229,7 @@
           <p:cNvPr id="11" name="图片 10">
             <a:extLst>
               <a:ext uri="{FF2B5EF4-FFF2-40B4-BE49-F238E27FC236}">
-                <a16:creationId xmlns:a16="http://schemas.microsoft.com/office/drawing/2014/main" xmlns="" id="{C53674E9-BAFA-4D27-B112-78D869565CAD}"/>
+                <a16:creationId xmlns="" xmlns:a16="http://schemas.microsoft.com/office/drawing/2014/main" id="{C53674E9-BAFA-4D27-B112-78D869565CAD}"/>
               </a:ext>
             </a:extLst>
           </p:cNvPr>
@@ -20153,7 +20263,7 @@
           <p:cNvPr id="13" name="图片 12">
             <a:extLst>
               <a:ext uri="{FF2B5EF4-FFF2-40B4-BE49-F238E27FC236}">
-                <a16:creationId xmlns:a16="http://schemas.microsoft.com/office/drawing/2014/main" xmlns="" id="{FA01272F-BE92-4AA6-8BF7-998086F7DDAA}"/>
+                <a16:creationId xmlns="" xmlns:a16="http://schemas.microsoft.com/office/drawing/2014/main" id="{FA01272F-BE92-4AA6-8BF7-998086F7DDAA}"/>
               </a:ext>
             </a:extLst>
           </p:cNvPr>
@@ -20183,7 +20293,7 @@
           <p:cNvPr id="14" name="内容占位符 4">
             <a:extLst>
               <a:ext uri="{FF2B5EF4-FFF2-40B4-BE49-F238E27FC236}">
-                <a16:creationId xmlns:a16="http://schemas.microsoft.com/office/drawing/2014/main" xmlns="" id="{DC32DCC8-8B7C-4303-BB67-9C8FEE06743F}"/>
+                <a16:creationId xmlns="" xmlns:a16="http://schemas.microsoft.com/office/drawing/2014/main" id="{DC32DCC8-8B7C-4303-BB67-9C8FEE06743F}"/>
               </a:ext>
             </a:extLst>
           </p:cNvPr>
@@ -20598,7 +20708,7 @@
           <p:cNvPr id="11" name="图片 10">
             <a:extLst>
               <a:ext uri="{FF2B5EF4-FFF2-40B4-BE49-F238E27FC236}">
-                <a16:creationId xmlns:a16="http://schemas.microsoft.com/office/drawing/2014/main" xmlns="" id="{31D12FA1-2A1E-40F0-BB2C-9BE9A1DECE90}"/>
+                <a16:creationId xmlns="" xmlns:a16="http://schemas.microsoft.com/office/drawing/2014/main" id="{31D12FA1-2A1E-40F0-BB2C-9BE9A1DECE90}"/>
               </a:ext>
             </a:extLst>
           </p:cNvPr>
@@ -21391,7 +21501,7 @@
           <p:cNvPr id="10" name="图片 9">
             <a:extLst>
               <a:ext uri="{FF2B5EF4-FFF2-40B4-BE49-F238E27FC236}">
-                <a16:creationId xmlns:a16="http://schemas.microsoft.com/office/drawing/2014/main" xmlns="" id="{D383848E-56AE-45A8-9AAF-943929079647}"/>
+                <a16:creationId xmlns="" xmlns:a16="http://schemas.microsoft.com/office/drawing/2014/main" id="{D383848E-56AE-45A8-9AAF-943929079647}"/>
               </a:ext>
             </a:extLst>
           </p:cNvPr>
@@ -21408,8 +21518,32 @@
         </p:blipFill>
         <p:spPr>
           <a:xfrm>
-            <a:off x="14398975" y="4331395"/>
+            <a:off x="14398975" y="8306062"/>
             <a:ext cx="9985025" cy="5053210"/>
+          </a:xfrm>
+          <a:prstGeom prst="rect">
+            <a:avLst/>
+          </a:prstGeom>
+        </p:spPr>
+      </p:pic>
+      <p:pic>
+        <p:nvPicPr>
+          <p:cNvPr id="2" name="图片 1"/>
+          <p:cNvPicPr>
+            <a:picLocks noChangeAspect="1"/>
+          </p:cNvPicPr>
+          <p:nvPr/>
+        </p:nvPicPr>
+        <p:blipFill>
+          <a:blip r:embed="rId5"/>
+          <a:stretch>
+            <a:fillRect/>
+          </a:stretch>
+        </p:blipFill>
+        <p:spPr>
+          <a:xfrm>
+            <a:off x="16725900" y="1041632"/>
+            <a:ext cx="5614554" cy="7087224"/>
           </a:xfrm>
           <a:prstGeom prst="rect">
             <a:avLst/>
@@ -21539,7 +21673,7 @@
           <p:cNvPr id="5" name="图片 4">
             <a:extLst>
               <a:ext uri="{FF2B5EF4-FFF2-40B4-BE49-F238E27FC236}">
-                <a16:creationId xmlns:a16="http://schemas.microsoft.com/office/drawing/2014/main" xmlns="" id="{59AB9814-E45F-4C10-89B0-B5671F5D0E82}"/>
+                <a16:creationId xmlns="" xmlns:a16="http://schemas.microsoft.com/office/drawing/2014/main" id="{59AB9814-E45F-4C10-89B0-B5671F5D0E82}"/>
               </a:ext>
             </a:extLst>
           </p:cNvPr>
@@ -21595,7 +21729,7 @@
           <p:cNvPr id="8" name="图片 7">
             <a:extLst>
               <a:ext uri="{FF2B5EF4-FFF2-40B4-BE49-F238E27FC236}">
-                <a16:creationId xmlns:a16="http://schemas.microsoft.com/office/drawing/2014/main" xmlns="" id="{68622DEB-E925-4A34-A09F-9EE3010556DC}"/>
+                <a16:creationId xmlns="" xmlns:a16="http://schemas.microsoft.com/office/drawing/2014/main" id="{68622DEB-E925-4A34-A09F-9EE3010556DC}"/>
               </a:ext>
             </a:extLst>
           </p:cNvPr>

--- a/PPTs/08.ShadowMapping.pptx
+++ b/PPTs/08.ShadowMapping.pptx
@@ -9285,7 +9285,7 @@
           <p:cNvPr id="10" name="图片 9">
             <a:extLst>
               <a:ext uri="{FF2B5EF4-FFF2-40B4-BE49-F238E27FC236}">
-                <a16:creationId xmlns="" xmlns:a16="http://schemas.microsoft.com/office/drawing/2014/main" id="{A5679124-33FB-4619-AC75-10FE58F14A8D}"/>
+                <a16:creationId xmlns:a16="http://schemas.microsoft.com/office/drawing/2014/main" xmlns="" id="{A5679124-33FB-4619-AC75-10FE58F14A8D}"/>
               </a:ext>
             </a:extLst>
           </p:cNvPr>
@@ -10172,7 +10172,7 @@
           <p:cNvPr id="11" name="图片 10">
             <a:extLst>
               <a:ext uri="{FF2B5EF4-FFF2-40B4-BE49-F238E27FC236}">
-                <a16:creationId xmlns="" xmlns:a16="http://schemas.microsoft.com/office/drawing/2014/main" id="{5EB07A2B-53D5-402C-B693-0A9063466B07}"/>
+                <a16:creationId xmlns:a16="http://schemas.microsoft.com/office/drawing/2014/main" xmlns="" id="{5EB07A2B-53D5-402C-B693-0A9063466B07}"/>
               </a:ext>
             </a:extLst>
           </p:cNvPr>
@@ -11186,7 +11186,7 @@
           <p:cNvPr id="3" name="图片 2">
             <a:extLst>
               <a:ext uri="{FF2B5EF4-FFF2-40B4-BE49-F238E27FC236}">
-                <a16:creationId xmlns="" xmlns:a16="http://schemas.microsoft.com/office/drawing/2014/main" id="{23283990-202A-469D-936C-B73A3FE50D75}"/>
+                <a16:creationId xmlns:a16="http://schemas.microsoft.com/office/drawing/2014/main" xmlns="" id="{23283990-202A-469D-936C-B73A3FE50D75}"/>
               </a:ext>
             </a:extLst>
           </p:cNvPr>
@@ -11758,7 +11758,7 @@
           <p:cNvPr id="3" name="图片 2">
             <a:extLst>
               <a:ext uri="{FF2B5EF4-FFF2-40B4-BE49-F238E27FC236}">
-                <a16:creationId xmlns="" xmlns:a16="http://schemas.microsoft.com/office/drawing/2014/main" id="{96AB59EA-737E-4C99-A570-6576A98E54C2}"/>
+                <a16:creationId xmlns:a16="http://schemas.microsoft.com/office/drawing/2014/main" xmlns="" id="{96AB59EA-737E-4C99-A570-6576A98E54C2}"/>
               </a:ext>
             </a:extLst>
           </p:cNvPr>
@@ -11788,7 +11788,7 @@
           <p:cNvPr id="13" name="图片 12">
             <a:extLst>
               <a:ext uri="{FF2B5EF4-FFF2-40B4-BE49-F238E27FC236}">
-                <a16:creationId xmlns="" xmlns:a16="http://schemas.microsoft.com/office/drawing/2014/main" id="{9356765C-F768-4D87-994C-6DAA55B02325}"/>
+                <a16:creationId xmlns:a16="http://schemas.microsoft.com/office/drawing/2014/main" xmlns="" id="{9356765C-F768-4D87-994C-6DAA55B02325}"/>
               </a:ext>
             </a:extLst>
           </p:cNvPr>
@@ -12206,7 +12206,7 @@
           <p:cNvPr id="10" name="图片 9">
             <a:extLst>
               <a:ext uri="{FF2B5EF4-FFF2-40B4-BE49-F238E27FC236}">
-                <a16:creationId xmlns="" xmlns:a16="http://schemas.microsoft.com/office/drawing/2014/main" id="{3F8AC6A8-DF32-44DC-9E1C-91A0FF918614}"/>
+                <a16:creationId xmlns:a16="http://schemas.microsoft.com/office/drawing/2014/main" xmlns="" id="{3F8AC6A8-DF32-44DC-9E1C-91A0FF918614}"/>
               </a:ext>
             </a:extLst>
           </p:cNvPr>
@@ -12236,7 +12236,7 @@
           <p:cNvPr id="13" name="图片 12">
             <a:extLst>
               <a:ext uri="{FF2B5EF4-FFF2-40B4-BE49-F238E27FC236}">
-                <a16:creationId xmlns="" xmlns:a16="http://schemas.microsoft.com/office/drawing/2014/main" id="{E46ABE59-18AA-42F7-AD45-F1BC58683DCF}"/>
+                <a16:creationId xmlns:a16="http://schemas.microsoft.com/office/drawing/2014/main" xmlns="" id="{E46ABE59-18AA-42F7-AD45-F1BC58683DCF}"/>
               </a:ext>
             </a:extLst>
           </p:cNvPr>
@@ -12436,7 +12436,7 @@
             <a:hlinkClick r:id="" action="ppaction://media"/>
             <a:extLst>
               <a:ext uri="{FF2B5EF4-FFF2-40B4-BE49-F238E27FC236}">
-                <a16:creationId xmlns="" xmlns:a16="http://schemas.microsoft.com/office/drawing/2014/main" id="{56D9D4BB-495D-40F8-87C9-8EE2561C0C61}"/>
+                <a16:creationId xmlns:a16="http://schemas.microsoft.com/office/drawing/2014/main" xmlns="" id="{56D9D4BB-495D-40F8-87C9-8EE2561C0C61}"/>
               </a:ext>
             </a:extLst>
           </p:cNvPr>
@@ -12952,7 +12952,7 @@
           <p:cNvPr id="10" name="The Picture slide">
             <a:extLst>
               <a:ext uri="{FF2B5EF4-FFF2-40B4-BE49-F238E27FC236}">
-                <a16:creationId xmlns="" xmlns:a16="http://schemas.microsoft.com/office/drawing/2014/main" id="{7B3009FF-C4E3-469D-BB68-7A90553D27F9}"/>
+                <a16:creationId xmlns:a16="http://schemas.microsoft.com/office/drawing/2014/main" xmlns="" id="{7B3009FF-C4E3-469D-BB68-7A90553D27F9}"/>
               </a:ext>
             </a:extLst>
           </p:cNvPr>
@@ -13012,7 +13012,7 @@
           <p:cNvPr id="11" name="图片 10">
             <a:extLst>
               <a:ext uri="{FF2B5EF4-FFF2-40B4-BE49-F238E27FC236}">
-                <a16:creationId xmlns="" xmlns:a16="http://schemas.microsoft.com/office/drawing/2014/main" id="{BE634CFE-DF9B-4536-A2B2-FD77E7777C07}"/>
+                <a16:creationId xmlns:a16="http://schemas.microsoft.com/office/drawing/2014/main" xmlns="" id="{BE634CFE-DF9B-4536-A2B2-FD77E7777C07}"/>
               </a:ext>
             </a:extLst>
           </p:cNvPr>
@@ -13042,7 +13042,7 @@
           <p:cNvPr id="13" name="图片 12">
             <a:extLst>
               <a:ext uri="{FF2B5EF4-FFF2-40B4-BE49-F238E27FC236}">
-                <a16:creationId xmlns="" xmlns:a16="http://schemas.microsoft.com/office/drawing/2014/main" id="{59C4A114-9F2B-4C5E-AECF-2BFE34379F93}"/>
+                <a16:creationId xmlns:a16="http://schemas.microsoft.com/office/drawing/2014/main" xmlns="" id="{59C4A114-9F2B-4C5E-AECF-2BFE34379F93}"/>
               </a:ext>
             </a:extLst>
           </p:cNvPr>
@@ -13612,7 +13612,7 @@
           <p:cNvPr id="10" name="图片 9">
             <a:extLst>
               <a:ext uri="{FF2B5EF4-FFF2-40B4-BE49-F238E27FC236}">
-                <a16:creationId xmlns="" xmlns:a16="http://schemas.microsoft.com/office/drawing/2014/main" id="{C7B4BF4E-9EE8-42B9-ACAB-C373E25E871D}"/>
+                <a16:creationId xmlns:a16="http://schemas.microsoft.com/office/drawing/2014/main" xmlns="" id="{C7B4BF4E-9EE8-42B9-ACAB-C373E25E871D}"/>
               </a:ext>
             </a:extLst>
           </p:cNvPr>
@@ -14135,7 +14135,7 @@
         <p:spPr>
           <a:xfrm>
             <a:off x="2426714" y="3954550"/>
-            <a:ext cx="9721744" cy="6887142"/>
+            <a:ext cx="9721744" cy="6981398"/>
           </a:xfrm>
           <a:prstGeom prst="rect">
             <a:avLst/>
@@ -14189,7 +14189,51 @@
                 <a:ea typeface="微软雅黑 Light" panose="020B0502040204020203" pitchFamily="34" charset="-122"/>
                 <a:sym typeface="Helvetica Light"/>
               </a:rPr>
-              <a:t>相同的物体，离灯光点跃进的物体在</a:t>
+              <a:t>相同的物体，离灯光</a:t>
+            </a:r>
+            <a:r>
+              <a:rPr lang="zh-CN" altLang="en-US" b="0" dirty="0" smtClean="0">
+                <a:solidFill>
+                  <a:srgbClr val="000000"/>
+                </a:solidFill>
+                <a:latin typeface="微软雅黑 Light" panose="020B0502040204020203" pitchFamily="34" charset="-122"/>
+                <a:ea typeface="微软雅黑 Light" panose="020B0502040204020203" pitchFamily="34" charset="-122"/>
+                <a:sym typeface="Helvetica Light"/>
+              </a:rPr>
+              <a:t>点</a:t>
+            </a:r>
+            <a:r>
+              <a:rPr lang="zh-CN" altLang="en-US" b="0" dirty="0">
+                <a:solidFill>
+                  <a:srgbClr val="000000"/>
+                </a:solidFill>
+                <a:latin typeface="微软雅黑 Light" panose="020B0502040204020203" pitchFamily="34" charset="-122"/>
+                <a:ea typeface="微软雅黑 Light" panose="020B0502040204020203" pitchFamily="34" charset="-122"/>
+                <a:sym typeface="Helvetica Light"/>
+              </a:rPr>
+              <a:t>越近</a:t>
+            </a:r>
+            <a:r>
+              <a:rPr lang="zh-CN" altLang="en-US" b="0" dirty="0" smtClean="0">
+                <a:solidFill>
+                  <a:srgbClr val="000000"/>
+                </a:solidFill>
+                <a:latin typeface="微软雅黑 Light" panose="020B0502040204020203" pitchFamily="34" charset="-122"/>
+                <a:ea typeface="微软雅黑 Light" panose="020B0502040204020203" pitchFamily="34" charset="-122"/>
+                <a:sym typeface="Helvetica Light"/>
+              </a:rPr>
+              <a:t>的</a:t>
+            </a:r>
+            <a:r>
+              <a:rPr lang="zh-CN" altLang="en-US" b="0" dirty="0">
+                <a:solidFill>
+                  <a:srgbClr val="000000"/>
+                </a:solidFill>
+                <a:latin typeface="微软雅黑 Light" panose="020B0502040204020203" pitchFamily="34" charset="-122"/>
+                <a:ea typeface="微软雅黑 Light" panose="020B0502040204020203" pitchFamily="34" charset="-122"/>
+                <a:sym typeface="Helvetica Light"/>
+              </a:rPr>
+              <a:t>物体在</a:t>
             </a:r>
             <a:r>
               <a:rPr lang="en-US" altLang="zh-CN" b="0" dirty="0" err="1">
@@ -14457,7 +14501,7 @@
           <p:cNvPr id="10" name="图片 9">
             <a:extLst>
               <a:ext uri="{FF2B5EF4-FFF2-40B4-BE49-F238E27FC236}">
-                <a16:creationId xmlns="" xmlns:a16="http://schemas.microsoft.com/office/drawing/2014/main" id="{5C260710-49F4-4D4F-892B-D8A11199F7EF}"/>
+                <a16:creationId xmlns:a16="http://schemas.microsoft.com/office/drawing/2014/main" xmlns="" id="{5C260710-49F4-4D4F-892B-D8A11199F7EF}"/>
               </a:ext>
             </a:extLst>
           </p:cNvPr>
@@ -14487,7 +14531,7 @@
           <p:cNvPr id="11" name="图片 10">
             <a:extLst>
               <a:ext uri="{FF2B5EF4-FFF2-40B4-BE49-F238E27FC236}">
-                <a16:creationId xmlns="" xmlns:a16="http://schemas.microsoft.com/office/drawing/2014/main" id="{9ED304BC-C9D4-448D-96FC-CD509A065A83}"/>
+                <a16:creationId xmlns:a16="http://schemas.microsoft.com/office/drawing/2014/main" xmlns="" id="{9ED304BC-C9D4-448D-96FC-CD509A065A83}"/>
               </a:ext>
             </a:extLst>
           </p:cNvPr>
@@ -15344,7 +15388,7 @@
           <p:cNvPr id="10" name="图片 9">
             <a:extLst>
               <a:ext uri="{FF2B5EF4-FFF2-40B4-BE49-F238E27FC236}">
-                <a16:creationId xmlns="" xmlns:a16="http://schemas.microsoft.com/office/drawing/2014/main" id="{E53EDB33-E228-459A-A570-DC0F2A3457C2}"/>
+                <a16:creationId xmlns:a16="http://schemas.microsoft.com/office/drawing/2014/main" xmlns="" id="{E53EDB33-E228-459A-A570-DC0F2A3457C2}"/>
               </a:ext>
             </a:extLst>
           </p:cNvPr>
@@ -15374,7 +15418,7 @@
           <p:cNvPr id="3" name="图片 2">
             <a:extLst>
               <a:ext uri="{FF2B5EF4-FFF2-40B4-BE49-F238E27FC236}">
-                <a16:creationId xmlns="" xmlns:a16="http://schemas.microsoft.com/office/drawing/2014/main" id="{86930BD4-9743-4B41-9D11-C9BCC781298B}"/>
+                <a16:creationId xmlns:a16="http://schemas.microsoft.com/office/drawing/2014/main" xmlns="" id="{86930BD4-9743-4B41-9D11-C9BCC781298B}"/>
               </a:ext>
             </a:extLst>
           </p:cNvPr>
@@ -15512,7 +15556,7 @@
           <p:cNvPr id="5" name="图片 4">
             <a:extLst>
               <a:ext uri="{FF2B5EF4-FFF2-40B4-BE49-F238E27FC236}">
-                <a16:creationId xmlns="" xmlns:a16="http://schemas.microsoft.com/office/drawing/2014/main" id="{7E2BE7F3-1831-41A5-BAC8-0D83FFD2AC6D}"/>
+                <a16:creationId xmlns:a16="http://schemas.microsoft.com/office/drawing/2014/main" xmlns="" id="{7E2BE7F3-1831-41A5-BAC8-0D83FFD2AC6D}"/>
               </a:ext>
             </a:extLst>
           </p:cNvPr>
@@ -15542,7 +15586,7 @@
           <p:cNvPr id="6" name="图片 5">
             <a:extLst>
               <a:ext uri="{FF2B5EF4-FFF2-40B4-BE49-F238E27FC236}">
-                <a16:creationId xmlns="" xmlns:a16="http://schemas.microsoft.com/office/drawing/2014/main" id="{64588793-B7FA-4449-A097-B5FA0D6D8FEE}"/>
+                <a16:creationId xmlns:a16="http://schemas.microsoft.com/office/drawing/2014/main" xmlns="" id="{64588793-B7FA-4449-A097-B5FA0D6D8FEE}"/>
               </a:ext>
             </a:extLst>
           </p:cNvPr>
@@ -15713,7 +15757,7 @@
           <p:cNvPr id="7" name="图片 6">
             <a:extLst>
               <a:ext uri="{FF2B5EF4-FFF2-40B4-BE49-F238E27FC236}">
-                <a16:creationId xmlns="" xmlns:a16="http://schemas.microsoft.com/office/drawing/2014/main" id="{08C186CA-C430-4339-8984-F2DD08B33DED}"/>
+                <a16:creationId xmlns:a16="http://schemas.microsoft.com/office/drawing/2014/main" xmlns="" id="{08C186CA-C430-4339-8984-F2DD08B33DED}"/>
               </a:ext>
             </a:extLst>
           </p:cNvPr>
@@ -16285,7 +16329,7 @@
           <p:cNvPr id="10" name="图片 9">
             <a:extLst>
               <a:ext uri="{FF2B5EF4-FFF2-40B4-BE49-F238E27FC236}">
-                <a16:creationId xmlns="" xmlns:a16="http://schemas.microsoft.com/office/drawing/2014/main" id="{DC34F8C5-2F76-4FA0-81B6-C20D1ED9171A}"/>
+                <a16:creationId xmlns:a16="http://schemas.microsoft.com/office/drawing/2014/main" xmlns="" id="{DC34F8C5-2F76-4FA0-81B6-C20D1ED9171A}"/>
               </a:ext>
             </a:extLst>
           </p:cNvPr>
@@ -16789,7 +16833,7 @@
           <p:cNvPr id="11" name="图片 10">
             <a:extLst>
               <a:ext uri="{FF2B5EF4-FFF2-40B4-BE49-F238E27FC236}">
-                <a16:creationId xmlns="" xmlns:a16="http://schemas.microsoft.com/office/drawing/2014/main" id="{1CB8237F-4B0B-44F6-9AF4-1DB14113FA42}"/>
+                <a16:creationId xmlns:a16="http://schemas.microsoft.com/office/drawing/2014/main" xmlns="" id="{1CB8237F-4B0B-44F6-9AF4-1DB14113FA42}"/>
               </a:ext>
             </a:extLst>
           </p:cNvPr>
@@ -16819,7 +16863,7 @@
           <p:cNvPr id="13" name="图片 12">
             <a:extLst>
               <a:ext uri="{FF2B5EF4-FFF2-40B4-BE49-F238E27FC236}">
-                <a16:creationId xmlns="" xmlns:a16="http://schemas.microsoft.com/office/drawing/2014/main" id="{9F4C707D-7922-453B-AA9F-32BE9F61BD58}"/>
+                <a16:creationId xmlns:a16="http://schemas.microsoft.com/office/drawing/2014/main" xmlns="" id="{9F4C707D-7922-453B-AA9F-32BE9F61BD58}"/>
               </a:ext>
             </a:extLst>
           </p:cNvPr>
@@ -17308,7 +17352,7 @@
           <p:cNvPr id="14" name="图片 13">
             <a:extLst>
               <a:ext uri="{FF2B5EF4-FFF2-40B4-BE49-F238E27FC236}">
-                <a16:creationId xmlns="" xmlns:a16="http://schemas.microsoft.com/office/drawing/2014/main" id="{F5E4796A-A5FF-4052-9F9B-97E440C41BAD}"/>
+                <a16:creationId xmlns:a16="http://schemas.microsoft.com/office/drawing/2014/main" xmlns="" id="{F5E4796A-A5FF-4052-9F9B-97E440C41BAD}"/>
               </a:ext>
             </a:extLst>
           </p:cNvPr>
@@ -17504,7 +17548,7 @@
           <p:cNvPr id="8" name="I see your face on the leaves,telling me how lonely I have been. This is a dream of mine that I have just dreamed. Just see your smiling face everywhere I go. The love I feel for you to shine inside me. But it’s all over now you’re gone. This is a dream of mine that I have just ...">
             <a:extLst>
               <a:ext uri="{FF2B5EF4-FFF2-40B4-BE49-F238E27FC236}">
-                <a16:creationId xmlns="" xmlns:a16="http://schemas.microsoft.com/office/drawing/2014/main" id="{58A4F707-8CDE-465B-A488-6E4B5242EE01}"/>
+                <a16:creationId xmlns:a16="http://schemas.microsoft.com/office/drawing/2014/main" xmlns="" id="{58A4F707-8CDE-465B-A488-6E4B5242EE01}"/>
               </a:ext>
             </a:extLst>
           </p:cNvPr>
@@ -18290,7 +18334,7 @@
           <p:cNvPr id="11" name="图片 10">
             <a:extLst>
               <a:ext uri="{FF2B5EF4-FFF2-40B4-BE49-F238E27FC236}">
-                <a16:creationId xmlns="" xmlns:a16="http://schemas.microsoft.com/office/drawing/2014/main" id="{8D0C3E0F-EB9C-494A-93CD-6DA089F4D7BC}"/>
+                <a16:creationId xmlns:a16="http://schemas.microsoft.com/office/drawing/2014/main" xmlns="" id="{8D0C3E0F-EB9C-494A-93CD-6DA089F4D7BC}"/>
               </a:ext>
             </a:extLst>
           </p:cNvPr>
@@ -19053,7 +19097,7 @@
           <p:cNvPr id="10" name="图片 9">
             <a:extLst>
               <a:ext uri="{FF2B5EF4-FFF2-40B4-BE49-F238E27FC236}">
-                <a16:creationId xmlns="" xmlns:a16="http://schemas.microsoft.com/office/drawing/2014/main" id="{D603DB99-9AB4-4B78-91A3-AD3E43D2F56C}"/>
+                <a16:creationId xmlns:a16="http://schemas.microsoft.com/office/drawing/2014/main" xmlns="" id="{D603DB99-9AB4-4B78-91A3-AD3E43D2F56C}"/>
               </a:ext>
             </a:extLst>
           </p:cNvPr>
@@ -20199,7 +20243,7 @@
           <p:cNvPr id="10" name="图片 9">
             <a:extLst>
               <a:ext uri="{FF2B5EF4-FFF2-40B4-BE49-F238E27FC236}">
-                <a16:creationId xmlns="" xmlns:a16="http://schemas.microsoft.com/office/drawing/2014/main" id="{3A7E8EF7-0025-42B2-B4AF-59985B869DD1}"/>
+                <a16:creationId xmlns:a16="http://schemas.microsoft.com/office/drawing/2014/main" xmlns="" id="{3A7E8EF7-0025-42B2-B4AF-59985B869DD1}"/>
               </a:ext>
             </a:extLst>
           </p:cNvPr>
@@ -20229,7 +20273,7 @@
           <p:cNvPr id="11" name="图片 10">
             <a:extLst>
               <a:ext uri="{FF2B5EF4-FFF2-40B4-BE49-F238E27FC236}">
-                <a16:creationId xmlns="" xmlns:a16="http://schemas.microsoft.com/office/drawing/2014/main" id="{C53674E9-BAFA-4D27-B112-78D869565CAD}"/>
+                <a16:creationId xmlns:a16="http://schemas.microsoft.com/office/drawing/2014/main" xmlns="" id="{C53674E9-BAFA-4D27-B112-78D869565CAD}"/>
               </a:ext>
             </a:extLst>
           </p:cNvPr>
@@ -20263,7 +20307,7 @@
           <p:cNvPr id="13" name="图片 12">
             <a:extLst>
               <a:ext uri="{FF2B5EF4-FFF2-40B4-BE49-F238E27FC236}">
-                <a16:creationId xmlns="" xmlns:a16="http://schemas.microsoft.com/office/drawing/2014/main" id="{FA01272F-BE92-4AA6-8BF7-998086F7DDAA}"/>
+                <a16:creationId xmlns:a16="http://schemas.microsoft.com/office/drawing/2014/main" xmlns="" id="{FA01272F-BE92-4AA6-8BF7-998086F7DDAA}"/>
               </a:ext>
             </a:extLst>
           </p:cNvPr>
@@ -20293,7 +20337,7 @@
           <p:cNvPr id="14" name="内容占位符 4">
             <a:extLst>
               <a:ext uri="{FF2B5EF4-FFF2-40B4-BE49-F238E27FC236}">
-                <a16:creationId xmlns="" xmlns:a16="http://schemas.microsoft.com/office/drawing/2014/main" id="{DC32DCC8-8B7C-4303-BB67-9C8FEE06743F}"/>
+                <a16:creationId xmlns:a16="http://schemas.microsoft.com/office/drawing/2014/main" xmlns="" id="{DC32DCC8-8B7C-4303-BB67-9C8FEE06743F}"/>
               </a:ext>
             </a:extLst>
           </p:cNvPr>
@@ -20708,7 +20752,7 @@
           <p:cNvPr id="11" name="图片 10">
             <a:extLst>
               <a:ext uri="{FF2B5EF4-FFF2-40B4-BE49-F238E27FC236}">
-                <a16:creationId xmlns="" xmlns:a16="http://schemas.microsoft.com/office/drawing/2014/main" id="{31D12FA1-2A1E-40F0-BB2C-9BE9A1DECE90}"/>
+                <a16:creationId xmlns:a16="http://schemas.microsoft.com/office/drawing/2014/main" xmlns="" id="{31D12FA1-2A1E-40F0-BB2C-9BE9A1DECE90}"/>
               </a:ext>
             </a:extLst>
           </p:cNvPr>
@@ -21501,7 +21545,7 @@
           <p:cNvPr id="10" name="图片 9">
             <a:extLst>
               <a:ext uri="{FF2B5EF4-FFF2-40B4-BE49-F238E27FC236}">
-                <a16:creationId xmlns="" xmlns:a16="http://schemas.microsoft.com/office/drawing/2014/main" id="{D383848E-56AE-45A8-9AAF-943929079647}"/>
+                <a16:creationId xmlns:a16="http://schemas.microsoft.com/office/drawing/2014/main" xmlns="" id="{D383848E-56AE-45A8-9AAF-943929079647}"/>
               </a:ext>
             </a:extLst>
           </p:cNvPr>
@@ -21673,7 +21717,7 @@
           <p:cNvPr id="5" name="图片 4">
             <a:extLst>
               <a:ext uri="{FF2B5EF4-FFF2-40B4-BE49-F238E27FC236}">
-                <a16:creationId xmlns="" xmlns:a16="http://schemas.microsoft.com/office/drawing/2014/main" id="{59AB9814-E45F-4C10-89B0-B5671F5D0E82}"/>
+                <a16:creationId xmlns:a16="http://schemas.microsoft.com/office/drawing/2014/main" xmlns="" id="{59AB9814-E45F-4C10-89B0-B5671F5D0E82}"/>
               </a:ext>
             </a:extLst>
           </p:cNvPr>
@@ -21729,7 +21773,7 @@
           <p:cNvPr id="8" name="图片 7">
             <a:extLst>
               <a:ext uri="{FF2B5EF4-FFF2-40B4-BE49-F238E27FC236}">
-                <a16:creationId xmlns="" xmlns:a16="http://schemas.microsoft.com/office/drawing/2014/main" id="{68622DEB-E925-4A34-A09F-9EE3010556DC}"/>
+                <a16:creationId xmlns:a16="http://schemas.microsoft.com/office/drawing/2014/main" xmlns="" id="{68622DEB-E925-4A34-A09F-9EE3010556DC}"/>
               </a:ext>
             </a:extLst>
           </p:cNvPr>
